--- a/剛性計算方法.pptx
+++ b/剛性計算方法.pptx
@@ -5,14 +5,13 @@
     <p:sldMasterId id="2147483648" r:id="rId1"/>
   </p:sldMasterIdLst>
   <p:notesMasterIdLst>
-    <p:notesMasterId r:id="rId7"/>
+    <p:notesMasterId r:id="rId6"/>
   </p:notesMasterIdLst>
   <p:sldIdLst>
-    <p:sldId id="270" r:id="rId2"/>
-    <p:sldId id="271" r:id="rId3"/>
-    <p:sldId id="276" r:id="rId4"/>
-    <p:sldId id="274" r:id="rId5"/>
-    <p:sldId id="275" r:id="rId6"/>
+    <p:sldId id="271" r:id="rId2"/>
+    <p:sldId id="276" r:id="rId3"/>
+    <p:sldId id="274" r:id="rId4"/>
+    <p:sldId id="275" r:id="rId5"/>
   </p:sldIdLst>
   <p:sldSz cx="12192000" cy="6858000"/>
   <p:notesSz cx="6858000" cy="9144000"/>
@@ -4257,53 +4256,6 @@
       </p:sp>
       <p:sp>
         <p:nvSpPr>
-          <p:cNvPr id="12" name="テキスト ボックス 11">
-            <a:extLst>
-              <a:ext uri="{FF2B5EF4-FFF2-40B4-BE49-F238E27FC236}">
-                <a16:creationId xmlns:a16="http://schemas.microsoft.com/office/drawing/2014/main" id="{CB0A47BD-969D-47E6-BED2-4017B324DC30}"/>
-              </a:ext>
-            </a:extLst>
-          </p:cNvPr>
-          <p:cNvSpPr txBox="1"/>
-          <p:nvPr/>
-        </p:nvSpPr>
-        <p:spPr>
-          <a:xfrm>
-            <a:off x="3411518" y="2734128"/>
-            <a:ext cx="3215811" cy="830997"/>
-          </a:xfrm>
-          <a:prstGeom prst="rect">
-            <a:avLst/>
-          </a:prstGeom>
-          <a:noFill/>
-        </p:spPr>
-        <p:txBody>
-          <a:bodyPr wrap="square" rtlCol="0">
-            <a:spAutoFit/>
-          </a:bodyPr>
-          <a:lstStyle/>
-          <a:p>
-            <a:r>
-              <a:rPr lang="en-US" sz="2400" dirty="0"/>
-              <a:t>Shell Elastic analysis</a:t>
-            </a:r>
-          </a:p>
-          <a:p>
-            <a:r>
-              <a:rPr lang="en-US" sz="2400" dirty="0"/>
-              <a:t>Stiffness =  M/</a:t>
-            </a:r>
-            <a:r>
-              <a:rPr lang="en-US" sz="2400" dirty="0">
-                <a:latin typeface="Symbol" panose="05050102010706020507" pitchFamily="18" charset="2"/>
-              </a:rPr>
-              <a:t>q</a:t>
-            </a:r>
-          </a:p>
-        </p:txBody>
-      </p:sp>
-      <p:sp>
-        <p:nvSpPr>
           <p:cNvPr id="17" name="テキスト ボックス 16">
             <a:extLst>
               <a:ext uri="{FF2B5EF4-FFF2-40B4-BE49-F238E27FC236}">
@@ -5072,504 +5024,6 @@
           </a:p>
         </p:txBody>
       </p:sp>
-      <mc:AlternateContent xmlns:mc="http://schemas.openxmlformats.org/markup-compatibility/2006" xmlns:a14="http://schemas.microsoft.com/office/drawing/2010/main">
-        <mc:Choice Requires="a14">
-          <p:sp>
-            <p:nvSpPr>
-              <p:cNvPr id="3" name="正方形/長方形 2"/>
-              <p:cNvSpPr/>
-              <p:nvPr/>
-            </p:nvSpPr>
-            <p:spPr>
-              <a:xfrm>
-                <a:off x="1026536" y="5113954"/>
-                <a:ext cx="1131656" cy="461473"/>
-              </a:xfrm>
-              <a:prstGeom prst="rect">
-                <a:avLst/>
-              </a:prstGeom>
-            </p:spPr>
-            <p:txBody>
-              <a:bodyPr wrap="none">
-                <a:spAutoFit/>
-              </a:bodyPr>
-              <a:lstStyle/>
-              <a:p>
-                <a14:m>
-                  <m:oMath xmlns:m="http://schemas.openxmlformats.org/officeDocument/2006/math">
-                    <m:sSub>
-                      <m:sSubPr>
-                        <m:ctrlPr>
-                          <a:rPr kumimoji="1" lang="en-US" altLang="ja-JP" i="1" smtClean="0">
-                            <a:latin typeface="Cambria Math" panose="02040503050406030204" pitchFamily="18" charset="0"/>
-                          </a:rPr>
-                        </m:ctrlPr>
-                      </m:sSubPr>
-                      <m:e>
-                        <m:r>
-                          <a:rPr kumimoji="1" lang="en-US" altLang="ja-JP" b="0" i="1" smtClean="0">
-                            <a:latin typeface="Cambria Math" panose="02040503050406030204" pitchFamily="18" charset="0"/>
-                          </a:rPr>
-                          <m:t>𝑚</m:t>
-                        </m:r>
-                      </m:e>
-                      <m:sub>
-                        <m:r>
-                          <a:rPr kumimoji="1" lang="en-US" altLang="ja-JP" b="0" i="1" smtClean="0">
-                            <a:latin typeface="Cambria Math" panose="02040503050406030204" pitchFamily="18" charset="0"/>
-                          </a:rPr>
-                          <m:t>2</m:t>
-                        </m:r>
-                      </m:sub>
-                    </m:sSub>
-                    <m:r>
-                      <a:rPr kumimoji="1" lang="en-US" altLang="ja-JP" b="0" i="1" smtClean="0">
-                        <a:latin typeface="Cambria Math" panose="02040503050406030204" pitchFamily="18" charset="0"/>
-                      </a:rPr>
-                      <m:t>= </m:t>
-                    </m:r>
-                    <m:f>
-                      <m:fPr>
-                        <m:ctrlPr>
-                          <a:rPr kumimoji="1" lang="en-US" altLang="ja-JP" b="0" i="1" smtClean="0">
-                            <a:latin typeface="Cambria Math" panose="02040503050406030204" pitchFamily="18" charset="0"/>
-                          </a:rPr>
-                        </m:ctrlPr>
-                      </m:fPr>
-                      <m:num>
-                        <m:r>
-                          <a:rPr kumimoji="1" lang="en-US" altLang="ja-JP" b="0" i="1" smtClean="0">
-                            <a:latin typeface="Cambria Math" panose="02040503050406030204" pitchFamily="18" charset="0"/>
-                          </a:rPr>
-                          <m:t>𝑟</m:t>
-                        </m:r>
-                      </m:num>
-                      <m:den>
-                        <m:r>
-                          <a:rPr kumimoji="1" lang="en-US" altLang="ja-JP" b="0" i="1" smtClean="0">
-                            <a:latin typeface="Cambria Math" panose="02040503050406030204" pitchFamily="18" charset="0"/>
-                          </a:rPr>
-                          <m:t>𝐿</m:t>
-                        </m:r>
-                      </m:den>
-                    </m:f>
-                  </m:oMath>
-                </a14:m>
-                <a:r>
-                  <a:rPr lang="en-US" altLang="ja-JP" dirty="0"/>
-                  <a:t>M</a:t>
-                </a:r>
-                <a:endParaRPr lang="ja-JP" altLang="en-US" dirty="0"/>
-              </a:p>
-            </p:txBody>
-          </p:sp>
-        </mc:Choice>
-        <mc:Fallback xmlns="">
-          <p:sp>
-            <p:nvSpPr>
-              <p:cNvPr id="3" name="正方形/長方形 2"/>
-              <p:cNvSpPr>
-                <a:spLocks noRot="1" noChangeAspect="1" noMove="1" noResize="1" noEditPoints="1" noAdjustHandles="1" noChangeArrowheads="1" noChangeShapeType="1" noTextEdit="1"/>
-              </p:cNvSpPr>
-              <p:nvPr/>
-            </p:nvSpPr>
-            <p:spPr>
-              <a:xfrm>
-                <a:off x="1026536" y="5113954"/>
-                <a:ext cx="1131656" cy="461473"/>
-              </a:xfrm>
-              <a:prstGeom prst="rect">
-                <a:avLst/>
-              </a:prstGeom>
-              <a:blipFill>
-                <a:blip r:embed="rId2"/>
-                <a:stretch>
-                  <a:fillRect r="-3763" b="-7895"/>
-                </a:stretch>
-              </a:blipFill>
-            </p:spPr>
-            <p:txBody>
-              <a:bodyPr/>
-              <a:lstStyle/>
-              <a:p>
-                <a:r>
-                  <a:rPr lang="ja-JP" altLang="en-US">
-                    <a:noFill/>
-                  </a:rPr>
-                  <a:t> </a:t>
-                </a:r>
-              </a:p>
-            </p:txBody>
-          </p:sp>
-        </mc:Fallback>
-      </mc:AlternateContent>
-      <mc:AlternateContent xmlns:mc="http://schemas.openxmlformats.org/markup-compatibility/2006" xmlns:a14="http://schemas.microsoft.com/office/drawing/2010/main">
-        <mc:Choice Requires="a14">
-          <p:sp>
-            <p:nvSpPr>
-              <p:cNvPr id="62" name="正方形/長方形 61"/>
-              <p:cNvSpPr/>
-              <p:nvPr/>
-            </p:nvSpPr>
-            <p:spPr>
-              <a:xfrm>
-                <a:off x="1018521" y="4561789"/>
-                <a:ext cx="1578253" cy="503471"/>
-              </a:xfrm>
-              <a:prstGeom prst="rect">
-                <a:avLst/>
-              </a:prstGeom>
-            </p:spPr>
-            <p:txBody>
-              <a:bodyPr wrap="none">
-                <a:spAutoFit/>
-              </a:bodyPr>
-              <a:lstStyle/>
-              <a:p>
-                <a14:m>
-                  <m:oMath xmlns:m="http://schemas.openxmlformats.org/officeDocument/2006/math">
-                    <m:sSub>
-                      <m:sSubPr>
-                        <m:ctrlPr>
-                          <a:rPr kumimoji="1" lang="en-US" altLang="ja-JP" i="1" smtClean="0">
-                            <a:latin typeface="Cambria Math" panose="02040503050406030204" pitchFamily="18" charset="0"/>
-                          </a:rPr>
-                        </m:ctrlPr>
-                      </m:sSubPr>
-                      <m:e>
-                        <m:r>
-                          <a:rPr kumimoji="1" lang="en-US" altLang="ja-JP" b="0" i="1" smtClean="0">
-                            <a:latin typeface="Cambria Math" panose="02040503050406030204" pitchFamily="18" charset="0"/>
-                          </a:rPr>
-                          <m:t>𝑚</m:t>
-                        </m:r>
-                      </m:e>
-                      <m:sub>
-                        <m:r>
-                          <a:rPr kumimoji="1" lang="en-US" altLang="ja-JP" b="0" i="1" smtClean="0">
-                            <a:latin typeface="Cambria Math" panose="02040503050406030204" pitchFamily="18" charset="0"/>
-                          </a:rPr>
-                          <m:t>1</m:t>
-                        </m:r>
-                      </m:sub>
-                    </m:sSub>
-                    <m:r>
-                      <a:rPr kumimoji="1" lang="en-US" altLang="ja-JP" b="0" i="1" smtClean="0">
-                        <a:latin typeface="Cambria Math" panose="02040503050406030204" pitchFamily="18" charset="0"/>
-                      </a:rPr>
-                      <m:t>= </m:t>
-                    </m:r>
-                    <m:f>
-                      <m:fPr>
-                        <m:ctrlPr>
-                          <a:rPr kumimoji="1" lang="en-US" altLang="ja-JP" b="0" i="1" smtClean="0">
-                            <a:latin typeface="Cambria Math" panose="02040503050406030204" pitchFamily="18" charset="0"/>
-                          </a:rPr>
-                        </m:ctrlPr>
-                      </m:fPr>
-                      <m:num>
-                        <m:r>
-                          <a:rPr kumimoji="1" lang="en-US" altLang="ja-JP" b="0" i="1" smtClean="0">
-                            <a:latin typeface="Cambria Math" panose="02040503050406030204" pitchFamily="18" charset="0"/>
-                          </a:rPr>
-                          <m:t>𝑟</m:t>
-                        </m:r>
-                        <m:d>
-                          <m:dPr>
-                            <m:ctrlPr>
-                              <a:rPr kumimoji="1" lang="en-US" altLang="ja-JP" b="0" i="1" smtClean="0">
-                                <a:latin typeface="Cambria Math" panose="02040503050406030204" pitchFamily="18" charset="0"/>
-                              </a:rPr>
-                            </m:ctrlPr>
-                          </m:dPr>
-                          <m:e>
-                            <m:r>
-                              <a:rPr kumimoji="1" lang="en-US" altLang="ja-JP" b="0" i="1" smtClean="0">
-                                <a:latin typeface="Cambria Math" panose="02040503050406030204" pitchFamily="18" charset="0"/>
-                              </a:rPr>
-                              <m:t>𝐿</m:t>
-                            </m:r>
-                            <m:r>
-                              <a:rPr kumimoji="1" lang="en-US" altLang="ja-JP" b="0" i="1" smtClean="0">
-                                <a:latin typeface="Cambria Math" panose="02040503050406030204" pitchFamily="18" charset="0"/>
-                              </a:rPr>
-                              <m:t>−</m:t>
-                            </m:r>
-                            <m:r>
-                              <a:rPr kumimoji="1" lang="en-US" altLang="ja-JP" b="0" i="1" smtClean="0">
-                                <a:latin typeface="Cambria Math" panose="02040503050406030204" pitchFamily="18" charset="0"/>
-                              </a:rPr>
-                              <m:t>𝑟</m:t>
-                            </m:r>
-                          </m:e>
-                        </m:d>
-                      </m:num>
-                      <m:den>
-                        <m:r>
-                          <a:rPr kumimoji="1" lang="en-US" altLang="ja-JP" b="0" i="1" smtClean="0">
-                            <a:latin typeface="Cambria Math" panose="02040503050406030204" pitchFamily="18" charset="0"/>
-                          </a:rPr>
-                          <m:t>𝐿</m:t>
-                        </m:r>
-                      </m:den>
-                    </m:f>
-                  </m:oMath>
-                </a14:m>
-                <a:r>
-                  <a:rPr lang="en-US" altLang="ja-JP" dirty="0"/>
-                  <a:t>M</a:t>
-                </a:r>
-                <a:endParaRPr lang="ja-JP" altLang="en-US" dirty="0"/>
-              </a:p>
-            </p:txBody>
-          </p:sp>
-        </mc:Choice>
-        <mc:Fallback xmlns="">
-          <p:sp>
-            <p:nvSpPr>
-              <p:cNvPr id="62" name="正方形/長方形 61"/>
-              <p:cNvSpPr>
-                <a:spLocks noRot="1" noChangeAspect="1" noMove="1" noResize="1" noEditPoints="1" noAdjustHandles="1" noChangeArrowheads="1" noChangeShapeType="1" noTextEdit="1"/>
-              </p:cNvSpPr>
-              <p:nvPr/>
-            </p:nvSpPr>
-            <p:spPr>
-              <a:xfrm>
-                <a:off x="1018521" y="4561789"/>
-                <a:ext cx="1578253" cy="503471"/>
-              </a:xfrm>
-              <a:prstGeom prst="rect">
-                <a:avLst/>
-              </a:prstGeom>
-              <a:blipFill>
-                <a:blip r:embed="rId3"/>
-                <a:stretch>
-                  <a:fillRect r="-2317" b="-7229"/>
-                </a:stretch>
-              </a:blipFill>
-            </p:spPr>
-            <p:txBody>
-              <a:bodyPr/>
-              <a:lstStyle/>
-              <a:p>
-                <a:r>
-                  <a:rPr lang="ja-JP" altLang="en-US">
-                    <a:noFill/>
-                  </a:rPr>
-                  <a:t> </a:t>
-                </a:r>
-              </a:p>
-            </p:txBody>
-          </p:sp>
-        </mc:Fallback>
-      </mc:AlternateContent>
-      <mc:AlternateContent xmlns:mc="http://schemas.openxmlformats.org/markup-compatibility/2006" xmlns:a14="http://schemas.microsoft.com/office/drawing/2010/main">
-        <mc:Choice Requires="a14">
-          <p:sp>
-            <p:nvSpPr>
-              <p:cNvPr id="63" name="テキスト ボックス 62"/>
-              <p:cNvSpPr txBox="1"/>
-              <p:nvPr/>
-            </p:nvSpPr>
-            <p:spPr>
-              <a:xfrm>
-                <a:off x="1026536" y="5774453"/>
-                <a:ext cx="2272738" cy="643446"/>
-              </a:xfrm>
-              <a:prstGeom prst="rect">
-                <a:avLst/>
-              </a:prstGeom>
-              <a:noFill/>
-            </p:spPr>
-            <p:txBody>
-              <a:bodyPr wrap="none" lIns="0" tIns="0" rIns="0" bIns="0" rtlCol="0">
-                <a:spAutoFit/>
-              </a:bodyPr>
-              <a:lstStyle/>
-              <a:p>
-                <a:pPr/>
-                <a14:m>
-                  <m:oMathPara xmlns:m="http://schemas.openxmlformats.org/officeDocument/2006/math">
-                    <m:oMathParaPr>
-                      <m:jc m:val="centerGroup"/>
-                    </m:oMathParaPr>
-                    <m:oMath xmlns:m="http://schemas.openxmlformats.org/officeDocument/2006/math">
-                      <m:r>
-                        <a:rPr kumimoji="1" lang="ja-JP" altLang="en-US" b="0" i="1" smtClean="0">
-                          <a:latin typeface="Cambria Math" panose="02040503050406030204" pitchFamily="18" charset="0"/>
-                        </a:rPr>
-                        <m:t>𝜃</m:t>
-                      </m:r>
-                      <m:r>
-                        <a:rPr kumimoji="1" lang="en-US" altLang="ja-JP" b="0" i="1" smtClean="0">
-                          <a:latin typeface="Cambria Math" panose="02040503050406030204" pitchFamily="18" charset="0"/>
-                        </a:rPr>
-                        <m:t>= </m:t>
-                      </m:r>
-                      <m:sSub>
-                        <m:sSubPr>
-                          <m:ctrlPr>
-                            <a:rPr kumimoji="1" lang="en-US" altLang="ja-JP" b="0" i="1" smtClean="0">
-                              <a:latin typeface="Cambria Math" panose="02040503050406030204" pitchFamily="18" charset="0"/>
-                            </a:rPr>
-                          </m:ctrlPr>
-                        </m:sSubPr>
-                        <m:e>
-                          <m:f>
-                            <m:fPr>
-                              <m:ctrlPr>
-                                <a:rPr lang="en-US" altLang="ja-JP" i="1">
-                                  <a:latin typeface="Cambria Math" panose="02040503050406030204" pitchFamily="18" charset="0"/>
-                                </a:rPr>
-                              </m:ctrlPr>
-                            </m:fPr>
-                            <m:num>
-                              <m:r>
-                                <a:rPr lang="en-US" altLang="ja-JP" i="1">
-                                  <a:latin typeface="Cambria Math" panose="02040503050406030204" pitchFamily="18" charset="0"/>
-                                </a:rPr>
-                                <m:t>𝑑𝑧</m:t>
-                              </m:r>
-                            </m:num>
-                            <m:den>
-                              <m:r>
-                                <a:rPr lang="en-US" altLang="ja-JP" i="1">
-                                  <a:latin typeface="Cambria Math" panose="02040503050406030204" pitchFamily="18" charset="0"/>
-                                </a:rPr>
-                                <m:t>𝑑𝑦</m:t>
-                              </m:r>
-                            </m:den>
-                          </m:f>
-                        </m:e>
-                        <m:sub>
-                          <m:r>
-                            <a:rPr kumimoji="1" lang="en-US" altLang="ja-JP" b="0" i="1" smtClean="0">
-                              <a:latin typeface="Cambria Math" panose="02040503050406030204" pitchFamily="18" charset="0"/>
-                            </a:rPr>
-                            <m:t>𝑦</m:t>
-                          </m:r>
-                          <m:r>
-                            <a:rPr kumimoji="1" lang="en-US" altLang="ja-JP" b="0" i="1" smtClean="0">
-                              <a:latin typeface="Cambria Math" panose="02040503050406030204" pitchFamily="18" charset="0"/>
-                            </a:rPr>
-                            <m:t>=</m:t>
-                          </m:r>
-                          <m:r>
-                            <a:rPr kumimoji="1" lang="en-US" altLang="ja-JP" b="0" i="1" smtClean="0">
-                              <a:latin typeface="Cambria Math" panose="02040503050406030204" pitchFamily="18" charset="0"/>
-                            </a:rPr>
-                            <m:t>𝑟</m:t>
-                          </m:r>
-                        </m:sub>
-                      </m:sSub>
-                      <m:r>
-                        <a:rPr kumimoji="1" lang="en-US" altLang="ja-JP" b="0" i="1" smtClean="0">
-                          <a:latin typeface="Cambria Math" panose="02040503050406030204" pitchFamily="18" charset="0"/>
-                        </a:rPr>
-                        <m:t>=</m:t>
-                      </m:r>
-                      <m:f>
-                        <m:fPr>
-                          <m:ctrlPr>
-                            <a:rPr kumimoji="1" lang="en-US" altLang="ja-JP" b="0" i="1" smtClean="0">
-                              <a:latin typeface="Cambria Math" panose="02040503050406030204" pitchFamily="18" charset="0"/>
-                            </a:rPr>
-                          </m:ctrlPr>
-                        </m:fPr>
-                        <m:num>
-                          <m:r>
-                            <a:rPr kumimoji="1" lang="en-US" altLang="ja-JP" b="0" i="1" smtClean="0">
-                              <a:latin typeface="Cambria Math" panose="02040503050406030204" pitchFamily="18" charset="0"/>
-                            </a:rPr>
-                            <m:t>𝑟</m:t>
-                          </m:r>
-                          <m:r>
-                            <a:rPr kumimoji="1" lang="en-US" altLang="ja-JP" b="0" i="1" smtClean="0">
-                              <a:latin typeface="Cambria Math" panose="02040503050406030204" pitchFamily="18" charset="0"/>
-                            </a:rPr>
-                            <m:t>(</m:t>
-                          </m:r>
-                          <m:r>
-                            <a:rPr kumimoji="1" lang="en-US" altLang="ja-JP" b="0" i="1" smtClean="0">
-                              <a:latin typeface="Cambria Math" panose="02040503050406030204" pitchFamily="18" charset="0"/>
-                            </a:rPr>
-                            <m:t>𝐿</m:t>
-                          </m:r>
-                          <m:r>
-                            <a:rPr kumimoji="1" lang="en-US" altLang="ja-JP" b="0" i="1" smtClean="0">
-                              <a:latin typeface="Cambria Math" panose="02040503050406030204" pitchFamily="18" charset="0"/>
-                            </a:rPr>
-                            <m:t>−</m:t>
-                          </m:r>
-                          <m:r>
-                            <a:rPr kumimoji="1" lang="en-US" altLang="ja-JP" b="0" i="1" smtClean="0">
-                              <a:latin typeface="Cambria Math" panose="02040503050406030204" pitchFamily="18" charset="0"/>
-                            </a:rPr>
-                            <m:t>𝑟</m:t>
-                          </m:r>
-                          <m:r>
-                            <a:rPr kumimoji="1" lang="en-US" altLang="ja-JP" b="0" i="1" smtClean="0">
-                              <a:latin typeface="Cambria Math" panose="02040503050406030204" pitchFamily="18" charset="0"/>
-                            </a:rPr>
-                            <m:t>)</m:t>
-                          </m:r>
-                        </m:num>
-                        <m:den>
-                          <m:r>
-                            <a:rPr kumimoji="1" lang="en-US" altLang="ja-JP" b="0" i="1" smtClean="0">
-                              <a:latin typeface="Cambria Math" panose="02040503050406030204" pitchFamily="18" charset="0"/>
-                            </a:rPr>
-                            <m:t>𝐿</m:t>
-                          </m:r>
-                        </m:den>
-                      </m:f>
-                    </m:oMath>
-                  </m:oMathPara>
-                </a14:m>
-                <a:endParaRPr kumimoji="1" lang="ja-JP" altLang="en-US" dirty="0"/>
-              </a:p>
-            </p:txBody>
-          </p:sp>
-        </mc:Choice>
-        <mc:Fallback xmlns="">
-          <p:sp>
-            <p:nvSpPr>
-              <p:cNvPr id="63" name="テキスト ボックス 62"/>
-              <p:cNvSpPr txBox="1">
-                <a:spLocks noRot="1" noChangeAspect="1" noMove="1" noResize="1" noEditPoints="1" noAdjustHandles="1" noChangeArrowheads="1" noChangeShapeType="1" noTextEdit="1"/>
-              </p:cNvSpPr>
-              <p:nvPr/>
-            </p:nvSpPr>
-            <p:spPr>
-              <a:xfrm>
-                <a:off x="1026536" y="5774453"/>
-                <a:ext cx="2272738" cy="643446"/>
-              </a:xfrm>
-              <a:prstGeom prst="rect">
-                <a:avLst/>
-              </a:prstGeom>
-              <a:blipFill>
-                <a:blip r:embed="rId4"/>
-                <a:stretch>
-                  <a:fillRect/>
-                </a:stretch>
-              </a:blipFill>
-            </p:spPr>
-            <p:txBody>
-              <a:bodyPr/>
-              <a:lstStyle/>
-              <a:p>
-                <a:r>
-                  <a:rPr lang="ja-JP" altLang="en-US">
-                    <a:noFill/>
-                  </a:rPr>
-                  <a:t> </a:t>
-                </a:r>
-              </a:p>
-            </p:txBody>
-          </p:sp>
-        </mc:Fallback>
-      </mc:AlternateContent>
       <p:sp>
         <p:nvSpPr>
           <p:cNvPr id="64" name="楕円 63">
@@ -5686,1409 +5140,6 @@
         </p:nvSpPr>
         <p:spPr>
           <a:xfrm>
-            <a:off x="304207" y="274733"/>
-            <a:ext cx="2031325" cy="369332"/>
-          </a:xfrm>
-          <a:prstGeom prst="rect">
-            <a:avLst/>
-          </a:prstGeom>
-          <a:noFill/>
-        </p:spPr>
-        <p:txBody>
-          <a:bodyPr wrap="none" rtlCol="0">
-            <a:spAutoFit/>
-          </a:bodyPr>
-          <a:lstStyle/>
-          <a:p>
-            <a:r>
-              <a:rPr kumimoji="1" lang="ja-JP" altLang="en-US" dirty="0"/>
-              <a:t>このモデルを使う</a:t>
-            </a:r>
-          </a:p>
-        </p:txBody>
-      </p:sp>
-      <p:sp>
-        <p:nvSpPr>
-          <p:cNvPr id="16" name="テキスト ボックス 15"/>
-          <p:cNvSpPr txBox="1"/>
-          <p:nvPr/>
-        </p:nvSpPr>
-        <p:spPr>
-          <a:xfrm>
-            <a:off x="4694666" y="4975454"/>
-            <a:ext cx="1095236" cy="276999"/>
-          </a:xfrm>
-          <a:prstGeom prst="rect">
-            <a:avLst/>
-          </a:prstGeom>
-          <a:noFill/>
-        </p:spPr>
-        <p:txBody>
-          <a:bodyPr wrap="none" lIns="0" tIns="0" rIns="0" bIns="0" rtlCol="0">
-            <a:spAutoFit/>
-          </a:bodyPr>
-          <a:lstStyle/>
-          <a:p>
-            <a:r>
-              <a:rPr kumimoji="1" lang="en-US" altLang="ja-JP" dirty="0" err="1"/>
-              <a:t>Mnet</a:t>
-            </a:r>
-            <a:r>
-              <a:rPr kumimoji="1" lang="en-US" altLang="ja-JP" dirty="0"/>
-              <a:t> </a:t>
-            </a:r>
-            <a:r>
-              <a:rPr kumimoji="1" lang="ja-JP" altLang="en-US" dirty="0"/>
-              <a:t>＝</a:t>
-            </a:r>
-            <a:r>
-              <a:rPr kumimoji="1" lang="en-US" altLang="ja-JP" dirty="0"/>
-              <a:t>m2</a:t>
-            </a:r>
-            <a:endParaRPr kumimoji="1" lang="ja-JP" altLang="en-US" dirty="0"/>
-          </a:p>
-        </p:txBody>
-      </p:sp>
-      <p:sp>
-        <p:nvSpPr>
-          <p:cNvPr id="2" name="正方形/長方形 1">
-            <a:extLst>
-              <a:ext uri="{FF2B5EF4-FFF2-40B4-BE49-F238E27FC236}">
-                <a16:creationId xmlns:a16="http://schemas.microsoft.com/office/drawing/2014/main" id="{13673400-A760-4C60-81D3-FB6CCBCE7FBC}"/>
-              </a:ext>
-            </a:extLst>
-          </p:cNvPr>
-          <p:cNvSpPr/>
-          <p:nvPr/>
-        </p:nvSpPr>
-        <p:spPr>
-          <a:xfrm>
-            <a:off x="832207" y="4448710"/>
-            <a:ext cx="2691829" cy="2229490"/>
-          </a:xfrm>
-          <a:prstGeom prst="rect">
-            <a:avLst/>
-          </a:prstGeom>
-          <a:noFill/>
-          <a:ln w="19050">
-            <a:solidFill>
-              <a:srgbClr val="FF0000"/>
-            </a:solidFill>
-          </a:ln>
-        </p:spPr>
-        <p:style>
-          <a:lnRef idx="2">
-            <a:schemeClr val="accent1">
-              <a:shade val="50000"/>
-            </a:schemeClr>
-          </a:lnRef>
-          <a:fillRef idx="1">
-            <a:schemeClr val="accent1"/>
-          </a:fillRef>
-          <a:effectRef idx="0">
-            <a:schemeClr val="accent1"/>
-          </a:effectRef>
-          <a:fontRef idx="minor">
-            <a:schemeClr val="lt1"/>
-          </a:fontRef>
-        </p:style>
-        <p:txBody>
-          <a:bodyPr rtlCol="0" anchor="ctr"/>
-          <a:lstStyle/>
-          <a:p>
-            <a:pPr algn="ctr"/>
-            <a:endParaRPr lang="en-US"/>
-          </a:p>
-        </p:txBody>
-      </p:sp>
-      <p:sp>
-        <p:nvSpPr>
-          <p:cNvPr id="5" name="テキスト ボックス 4">
-            <a:extLst>
-              <a:ext uri="{FF2B5EF4-FFF2-40B4-BE49-F238E27FC236}">
-                <a16:creationId xmlns:a16="http://schemas.microsoft.com/office/drawing/2014/main" id="{DA4D306D-0FA5-42C6-B1A7-62D00D72BC6C}"/>
-              </a:ext>
-            </a:extLst>
-          </p:cNvPr>
-          <p:cNvSpPr txBox="1"/>
-          <p:nvPr/>
-        </p:nvSpPr>
-        <p:spPr>
-          <a:xfrm>
-            <a:off x="6390526" y="4448707"/>
-            <a:ext cx="3924728" cy="1938992"/>
-          </a:xfrm>
-          <a:prstGeom prst="rect">
-            <a:avLst/>
-          </a:prstGeom>
-          <a:noFill/>
-          <a:ln w="19050">
-            <a:solidFill>
-              <a:srgbClr val="FF0000"/>
-            </a:solidFill>
-          </a:ln>
-        </p:spPr>
-        <p:txBody>
-          <a:bodyPr wrap="square" rtlCol="0">
-            <a:spAutoFit/>
-          </a:bodyPr>
-          <a:lstStyle/>
-          <a:p>
-            <a:pPr marL="285750" indent="-285750">
-              <a:buFont typeface="Symbol" panose="05050102010706020507" pitchFamily="18" charset="2"/>
-              <a:buChar char="q"/>
-            </a:pPr>
-            <a:r>
-              <a:rPr lang="en-US" sz="2400" dirty="0"/>
-              <a:t>EI(1-</a:t>
-            </a:r>
-            <a:r>
-              <a:rPr lang="en-US" sz="2400" dirty="0">
-                <a:latin typeface="Symbol" panose="05050102010706020507" pitchFamily="18" charset="2"/>
-              </a:rPr>
-              <a:t>n</a:t>
-            </a:r>
-            <a:r>
-              <a:rPr lang="en-US" sz="2400" baseline="30000" dirty="0"/>
-              <a:t>2</a:t>
-            </a:r>
-            <a:r>
-              <a:rPr lang="en-US" sz="2400" dirty="0"/>
-              <a:t>) = m1 r = m2 (L – r)</a:t>
-            </a:r>
-          </a:p>
-          <a:p>
-            <a:r>
-              <a:rPr lang="en-US" sz="2400"/>
-              <a:t>m1 </a:t>
-            </a:r>
-            <a:r>
-              <a:rPr lang="en-US" sz="2400" dirty="0"/>
-              <a:t>+ m2 = M</a:t>
-            </a:r>
-          </a:p>
-          <a:p>
-            <a:r>
-              <a:rPr lang="en-US" sz="2400" dirty="0"/>
-              <a:t>m1 = M (L-r) / L</a:t>
-            </a:r>
-          </a:p>
-          <a:p>
-            <a:r>
-              <a:rPr lang="en-US" sz="2400" dirty="0"/>
-              <a:t>m2 = M r / L</a:t>
-            </a:r>
-          </a:p>
-          <a:p>
-            <a:r>
-              <a:rPr lang="en-US" sz="2400" dirty="0">
-                <a:latin typeface="Symbol" panose="05050102010706020507" pitchFamily="18" charset="2"/>
-              </a:rPr>
-              <a:t>q</a:t>
-            </a:r>
-            <a:r>
-              <a:rPr lang="en-US" sz="2400" dirty="0"/>
-              <a:t> = M r (L-r) / [ L EI (1-</a:t>
-            </a:r>
-            <a:r>
-              <a:rPr lang="en-US" sz="2400" dirty="0">
-                <a:latin typeface="Symbol" panose="05050102010706020507" pitchFamily="18" charset="2"/>
-              </a:rPr>
-              <a:t>n</a:t>
-            </a:r>
-            <a:r>
-              <a:rPr lang="en-US" sz="2400" baseline="30000" dirty="0"/>
-              <a:t>2</a:t>
-            </a:r>
-            <a:r>
-              <a:rPr lang="en-US" sz="2400" dirty="0"/>
-              <a:t>)]</a:t>
-            </a:r>
-          </a:p>
-        </p:txBody>
-      </p:sp>
-      <p:cxnSp>
-        <p:nvCxnSpPr>
-          <p:cNvPr id="7" name="コネクタ: カギ線 6">
-            <a:extLst>
-              <a:ext uri="{FF2B5EF4-FFF2-40B4-BE49-F238E27FC236}">
-                <a16:creationId xmlns:a16="http://schemas.microsoft.com/office/drawing/2014/main" id="{E60FF90F-0DFB-4C19-8D27-F9CF2E890ABE}"/>
-              </a:ext>
-            </a:extLst>
-          </p:cNvPr>
-          <p:cNvCxnSpPr>
-            <a:stCxn id="2" idx="3"/>
-            <a:endCxn id="5" idx="1"/>
-          </p:cNvCxnSpPr>
-          <p:nvPr/>
-        </p:nvCxnSpPr>
-        <p:spPr>
-          <a:xfrm flipV="1">
-            <a:off x="3524036" y="5418203"/>
-            <a:ext cx="2866490" cy="145252"/>
-          </a:xfrm>
-          <a:prstGeom prst="bentConnector3">
-            <a:avLst/>
-          </a:prstGeom>
-          <a:ln w="19050">
-            <a:solidFill>
-              <a:srgbClr val="FF0000"/>
-            </a:solidFill>
-            <a:tailEnd type="triangle" w="lg" len="lg"/>
-          </a:ln>
-        </p:spPr>
-        <p:style>
-          <a:lnRef idx="1">
-            <a:schemeClr val="accent1"/>
-          </a:lnRef>
-          <a:fillRef idx="0">
-            <a:schemeClr val="accent1"/>
-          </a:fillRef>
-          <a:effectRef idx="0">
-            <a:schemeClr val="accent1"/>
-          </a:effectRef>
-          <a:fontRef idx="minor">
-            <a:schemeClr val="tx1"/>
-          </a:fontRef>
-        </p:style>
-      </p:cxnSp>
-      <p:sp>
-        <p:nvSpPr>
-          <p:cNvPr id="6" name="テキスト ボックス 5">
-            <a:extLst>
-              <a:ext uri="{FF2B5EF4-FFF2-40B4-BE49-F238E27FC236}">
-                <a16:creationId xmlns:a16="http://schemas.microsoft.com/office/drawing/2014/main" id="{F9D565FD-F63E-4061-A978-87DEFB143A5F}"/>
-              </a:ext>
-            </a:extLst>
-          </p:cNvPr>
-          <p:cNvSpPr txBox="1"/>
-          <p:nvPr/>
-        </p:nvSpPr>
-        <p:spPr>
-          <a:xfrm>
-            <a:off x="5637320" y="2974019"/>
-            <a:ext cx="65" cy="276999"/>
-          </a:xfrm>
-          <a:prstGeom prst="rect">
-            <a:avLst/>
-          </a:prstGeom>
-          <a:noFill/>
-        </p:spPr>
-        <p:txBody>
-          <a:bodyPr wrap="none" lIns="0" tIns="0" rIns="0" bIns="0" rtlCol="0">
-            <a:spAutoFit/>
-          </a:bodyPr>
-          <a:lstStyle/>
-          <a:p>
-            <a:endParaRPr kumimoji="1" lang="ja-JP" altLang="en-US" dirty="0"/>
-          </a:p>
-        </p:txBody>
-      </p:sp>
-    </p:spTree>
-    <p:extLst>
-      <p:ext uri="{BB962C8B-B14F-4D97-AF65-F5344CB8AC3E}">
-        <p14:creationId xmlns:p14="http://schemas.microsoft.com/office/powerpoint/2010/main" val="4191430304"/>
-      </p:ext>
-    </p:extLst>
-  </p:cSld>
-  <p:clrMapOvr>
-    <a:masterClrMapping/>
-  </p:clrMapOvr>
-</p:sld>
-</file>
-
-<file path=ppt/slides/slide2.xml><?xml version="1.0" encoding="utf-8"?>
-<p:sld xmlns:a="http://schemas.openxmlformats.org/drawingml/2006/main" xmlns:r="http://schemas.openxmlformats.org/officeDocument/2006/relationships" xmlns:p="http://schemas.openxmlformats.org/presentationml/2006/main">
-  <p:cSld>
-    <p:spTree>
-      <p:nvGrpSpPr>
-        <p:cNvPr id="1" name=""/>
-        <p:cNvGrpSpPr/>
-        <p:nvPr/>
-      </p:nvGrpSpPr>
-      <p:grpSpPr>
-        <a:xfrm>
-          <a:off x="0" y="0"/>
-          <a:ext cx="0" cy="0"/>
-          <a:chOff x="0" y="0"/>
-          <a:chExt cx="0" cy="0"/>
-        </a:xfrm>
-      </p:grpSpPr>
-      <p:cxnSp>
-        <p:nvCxnSpPr>
-          <p:cNvPr id="4" name="直線コネクタ 3">
-            <a:extLst>
-              <a:ext uri="{FF2B5EF4-FFF2-40B4-BE49-F238E27FC236}">
-                <a16:creationId xmlns:a16="http://schemas.microsoft.com/office/drawing/2014/main" id="{3CD1C8E3-45F2-44CD-B6EE-98D55282B5DE}"/>
-              </a:ext>
-            </a:extLst>
-          </p:cNvPr>
-          <p:cNvCxnSpPr/>
-          <p:nvPr/>
-        </p:nvCxnSpPr>
-        <p:spPr>
-          <a:xfrm>
-            <a:off x="2178619" y="2404141"/>
-            <a:ext cx="5465851" cy="0"/>
-          </a:xfrm>
-          <a:prstGeom prst="line">
-            <a:avLst/>
-          </a:prstGeom>
-          <a:ln w="38100">
-            <a:solidFill>
-              <a:schemeClr val="tx1"/>
-            </a:solidFill>
-          </a:ln>
-        </p:spPr>
-        <p:style>
-          <a:lnRef idx="1">
-            <a:schemeClr val="accent1"/>
-          </a:lnRef>
-          <a:fillRef idx="0">
-            <a:schemeClr val="accent1"/>
-          </a:fillRef>
-          <a:effectRef idx="0">
-            <a:schemeClr val="accent1"/>
-          </a:effectRef>
-          <a:fontRef idx="minor">
-            <a:schemeClr val="tx1"/>
-          </a:fontRef>
-        </p:style>
-      </p:cxnSp>
-      <p:cxnSp>
-        <p:nvCxnSpPr>
-          <p:cNvPr id="8" name="直線コネクタ 7">
-            <a:extLst>
-              <a:ext uri="{FF2B5EF4-FFF2-40B4-BE49-F238E27FC236}">
-                <a16:creationId xmlns:a16="http://schemas.microsoft.com/office/drawing/2014/main" id="{AACE190F-1D8D-4A68-87CB-FA2258938F6C}"/>
-              </a:ext>
-            </a:extLst>
-          </p:cNvPr>
-          <p:cNvCxnSpPr/>
-          <p:nvPr/>
-        </p:nvCxnSpPr>
-        <p:spPr>
-          <a:xfrm>
-            <a:off x="2178618" y="1294532"/>
-            <a:ext cx="0" cy="883578"/>
-          </a:xfrm>
-          <a:prstGeom prst="line">
-            <a:avLst/>
-          </a:prstGeom>
-        </p:spPr>
-        <p:style>
-          <a:lnRef idx="1">
-            <a:schemeClr val="accent1"/>
-          </a:lnRef>
-          <a:fillRef idx="0">
-            <a:schemeClr val="accent1"/>
-          </a:fillRef>
-          <a:effectRef idx="0">
-            <a:schemeClr val="accent1"/>
-          </a:effectRef>
-          <a:fontRef idx="minor">
-            <a:schemeClr val="tx1"/>
-          </a:fontRef>
-        </p:style>
-      </p:cxnSp>
-      <p:cxnSp>
-        <p:nvCxnSpPr>
-          <p:cNvPr id="9" name="直線コネクタ 8">
-            <a:extLst>
-              <a:ext uri="{FF2B5EF4-FFF2-40B4-BE49-F238E27FC236}">
-                <a16:creationId xmlns:a16="http://schemas.microsoft.com/office/drawing/2014/main" id="{2C563AF7-92C7-4996-9E68-3B55739E060A}"/>
-              </a:ext>
-            </a:extLst>
-          </p:cNvPr>
-          <p:cNvCxnSpPr/>
-          <p:nvPr/>
-        </p:nvCxnSpPr>
-        <p:spPr>
-          <a:xfrm>
-            <a:off x="7644470" y="1304806"/>
-            <a:ext cx="0" cy="883578"/>
-          </a:xfrm>
-          <a:prstGeom prst="line">
-            <a:avLst/>
-          </a:prstGeom>
-        </p:spPr>
-        <p:style>
-          <a:lnRef idx="1">
-            <a:schemeClr val="accent1"/>
-          </a:lnRef>
-          <a:fillRef idx="0">
-            <a:schemeClr val="accent1"/>
-          </a:fillRef>
-          <a:effectRef idx="0">
-            <a:schemeClr val="accent1"/>
-          </a:effectRef>
-          <a:fontRef idx="minor">
-            <a:schemeClr val="tx1"/>
-          </a:fontRef>
-        </p:style>
-      </p:cxnSp>
-      <p:cxnSp>
-        <p:nvCxnSpPr>
-          <p:cNvPr id="10" name="直線矢印コネクタ 9">
-            <a:extLst>
-              <a:ext uri="{FF2B5EF4-FFF2-40B4-BE49-F238E27FC236}">
-                <a16:creationId xmlns:a16="http://schemas.microsoft.com/office/drawing/2014/main" id="{90E48464-C16D-41DE-BE95-26C8E94E0B8F}"/>
-              </a:ext>
-            </a:extLst>
-          </p:cNvPr>
-          <p:cNvCxnSpPr/>
-          <p:nvPr/>
-        </p:nvCxnSpPr>
-        <p:spPr>
-          <a:xfrm>
-            <a:off x="2178618" y="1736321"/>
-            <a:ext cx="5465852" cy="0"/>
-          </a:xfrm>
-          <a:prstGeom prst="straightConnector1">
-            <a:avLst/>
-          </a:prstGeom>
-          <a:ln>
-            <a:headEnd type="triangle" w="lg" len="lg"/>
-            <a:tailEnd type="triangle" w="lg" len="lg"/>
-          </a:ln>
-        </p:spPr>
-        <p:style>
-          <a:lnRef idx="1">
-            <a:schemeClr val="accent1"/>
-          </a:lnRef>
-          <a:fillRef idx="0">
-            <a:schemeClr val="accent1"/>
-          </a:fillRef>
-          <a:effectRef idx="0">
-            <a:schemeClr val="accent1"/>
-          </a:effectRef>
-          <a:fontRef idx="minor">
-            <a:schemeClr val="tx1"/>
-          </a:fontRef>
-        </p:style>
-      </p:cxnSp>
-      <p:sp>
-        <p:nvSpPr>
-          <p:cNvPr id="11" name="テキスト ボックス 10">
-            <a:extLst>
-              <a:ext uri="{FF2B5EF4-FFF2-40B4-BE49-F238E27FC236}">
-                <a16:creationId xmlns:a16="http://schemas.microsoft.com/office/drawing/2014/main" id="{9DBD36F3-FED0-4AF3-9B5D-621122A83677}"/>
-              </a:ext>
-            </a:extLst>
-          </p:cNvPr>
-          <p:cNvSpPr txBox="1"/>
-          <p:nvPr/>
-        </p:nvSpPr>
-        <p:spPr>
-          <a:xfrm>
-            <a:off x="4325917" y="1294532"/>
-            <a:ext cx="739740" cy="523220"/>
-          </a:xfrm>
-          <a:prstGeom prst="rect">
-            <a:avLst/>
-          </a:prstGeom>
-          <a:noFill/>
-        </p:spPr>
-        <p:txBody>
-          <a:bodyPr wrap="square" rtlCol="0">
-            <a:spAutoFit/>
-          </a:bodyPr>
-          <a:lstStyle/>
-          <a:p>
-            <a:pPr algn="ctr"/>
-            <a:r>
-              <a:rPr lang="en-US" sz="2800" dirty="0"/>
-              <a:t>L</a:t>
-            </a:r>
-          </a:p>
-        </p:txBody>
-      </p:sp>
-      <p:sp>
-        <p:nvSpPr>
-          <p:cNvPr id="17" name="テキスト ボックス 16">
-            <a:extLst>
-              <a:ext uri="{FF2B5EF4-FFF2-40B4-BE49-F238E27FC236}">
-                <a16:creationId xmlns:a16="http://schemas.microsoft.com/office/drawing/2014/main" id="{3E9CB4A5-DAAA-49B8-B36B-EB6B4B68E300}"/>
-              </a:ext>
-            </a:extLst>
-          </p:cNvPr>
-          <p:cNvSpPr txBox="1"/>
-          <p:nvPr/>
-        </p:nvSpPr>
-        <p:spPr>
-          <a:xfrm>
-            <a:off x="1330552" y="3281686"/>
-            <a:ext cx="1485526" cy="523220"/>
-          </a:xfrm>
-          <a:prstGeom prst="rect">
-            <a:avLst/>
-          </a:prstGeom>
-          <a:noFill/>
-        </p:spPr>
-        <p:txBody>
-          <a:bodyPr wrap="square" rtlCol="0">
-            <a:spAutoFit/>
-          </a:bodyPr>
-          <a:lstStyle/>
-          <a:p>
-            <a:r>
-              <a:rPr lang="en-US" sz="2800" dirty="0" err="1">
-                <a:latin typeface="Symbol" panose="05050102010706020507" pitchFamily="18" charset="2"/>
-              </a:rPr>
-              <a:t>d</a:t>
-            </a:r>
-            <a:r>
-              <a:rPr lang="en-US" sz="2800" baseline="-25000" dirty="0" err="1"/>
-              <a:t>Y</a:t>
-            </a:r>
-            <a:r>
-              <a:rPr lang="en-US" sz="2800" baseline="-25000" dirty="0"/>
-              <a:t> </a:t>
-            </a:r>
-            <a:r>
-              <a:rPr lang="en-US" sz="2800" dirty="0"/>
-              <a:t>,</a:t>
-            </a:r>
-            <a:r>
-              <a:rPr lang="en-US" sz="2800" dirty="0" err="1">
-                <a:latin typeface="Symbol" panose="05050102010706020507" pitchFamily="18" charset="2"/>
-              </a:rPr>
-              <a:t>q</a:t>
-            </a:r>
-            <a:r>
-              <a:rPr lang="en-US" sz="2800" baseline="-25000" dirty="0" err="1"/>
-              <a:t>x</a:t>
-            </a:r>
-            <a:r>
-              <a:rPr lang="en-US" sz="2800" dirty="0"/>
-              <a:t> = 0</a:t>
-            </a:r>
-            <a:endParaRPr lang="en-US" dirty="0"/>
-          </a:p>
-        </p:txBody>
-      </p:sp>
-      <p:sp>
-        <p:nvSpPr>
-          <p:cNvPr id="19" name="正方形/長方形 18">
-            <a:extLst>
-              <a:ext uri="{FF2B5EF4-FFF2-40B4-BE49-F238E27FC236}">
-                <a16:creationId xmlns:a16="http://schemas.microsoft.com/office/drawing/2014/main" id="{FA8FC349-0A1A-4DC1-9A32-F2B72CED2998}"/>
-              </a:ext>
-            </a:extLst>
-          </p:cNvPr>
-          <p:cNvSpPr/>
-          <p:nvPr/>
-        </p:nvSpPr>
-        <p:spPr>
-          <a:xfrm>
-            <a:off x="2042980" y="2113408"/>
-            <a:ext cx="101027" cy="531685"/>
-          </a:xfrm>
-          <a:prstGeom prst="rect">
-            <a:avLst/>
-          </a:prstGeom>
-          <a:solidFill>
-            <a:schemeClr val="bg1"/>
-          </a:solidFill>
-          <a:ln w="19050">
-            <a:solidFill>
-              <a:schemeClr val="tx1"/>
-            </a:solidFill>
-          </a:ln>
-        </p:spPr>
-        <p:style>
-          <a:lnRef idx="2">
-            <a:schemeClr val="accent1">
-              <a:shade val="50000"/>
-            </a:schemeClr>
-          </a:lnRef>
-          <a:fillRef idx="1">
-            <a:schemeClr val="accent1"/>
-          </a:fillRef>
-          <a:effectRef idx="0">
-            <a:schemeClr val="accent1"/>
-          </a:effectRef>
-          <a:fontRef idx="minor">
-            <a:schemeClr val="lt1"/>
-          </a:fontRef>
-        </p:style>
-        <p:txBody>
-          <a:bodyPr rtlCol="0" anchor="ctr"/>
-          <a:lstStyle/>
-          <a:p>
-            <a:pPr algn="ctr"/>
-            <a:endParaRPr lang="en-US"/>
-          </a:p>
-        </p:txBody>
-      </p:sp>
-      <p:cxnSp>
-        <p:nvCxnSpPr>
-          <p:cNvPr id="22" name="直線コネクタ 21">
-            <a:extLst>
-              <a:ext uri="{FF2B5EF4-FFF2-40B4-BE49-F238E27FC236}">
-                <a16:creationId xmlns:a16="http://schemas.microsoft.com/office/drawing/2014/main" id="{9A88F1BD-3667-49FF-92DF-A109FD11FB00}"/>
-              </a:ext>
-            </a:extLst>
-          </p:cNvPr>
-          <p:cNvCxnSpPr/>
-          <p:nvPr/>
-        </p:nvCxnSpPr>
-        <p:spPr>
-          <a:xfrm>
-            <a:off x="2361840" y="1857893"/>
-            <a:ext cx="0" cy="468000"/>
-          </a:xfrm>
-          <a:prstGeom prst="line">
-            <a:avLst/>
-          </a:prstGeom>
-        </p:spPr>
-        <p:style>
-          <a:lnRef idx="1">
-            <a:schemeClr val="accent1"/>
-          </a:lnRef>
-          <a:fillRef idx="0">
-            <a:schemeClr val="accent1"/>
-          </a:fillRef>
-          <a:effectRef idx="0">
-            <a:schemeClr val="accent1"/>
-          </a:effectRef>
-          <a:fontRef idx="minor">
-            <a:schemeClr val="tx1"/>
-          </a:fontRef>
-        </p:style>
-      </p:cxnSp>
-      <p:cxnSp>
-        <p:nvCxnSpPr>
-          <p:cNvPr id="23" name="直線矢印コネクタ 22">
-            <a:extLst>
-              <a:ext uri="{FF2B5EF4-FFF2-40B4-BE49-F238E27FC236}">
-                <a16:creationId xmlns:a16="http://schemas.microsoft.com/office/drawing/2014/main" id="{030085A7-1D41-498E-B850-02279D12C80E}"/>
-              </a:ext>
-            </a:extLst>
-          </p:cNvPr>
-          <p:cNvCxnSpPr/>
-          <p:nvPr/>
-        </p:nvCxnSpPr>
-        <p:spPr>
-          <a:xfrm>
-            <a:off x="1613540" y="1972637"/>
-            <a:ext cx="525696" cy="0"/>
-          </a:xfrm>
-          <a:prstGeom prst="straightConnector1">
-            <a:avLst/>
-          </a:prstGeom>
-          <a:ln>
-            <a:tailEnd type="triangle" w="lg" len="lg"/>
-          </a:ln>
-        </p:spPr>
-        <p:style>
-          <a:lnRef idx="1">
-            <a:schemeClr val="accent1"/>
-          </a:lnRef>
-          <a:fillRef idx="0">
-            <a:schemeClr val="accent1"/>
-          </a:fillRef>
-          <a:effectRef idx="0">
-            <a:schemeClr val="accent1"/>
-          </a:effectRef>
-          <a:fontRef idx="minor">
-            <a:schemeClr val="tx1"/>
-          </a:fontRef>
-        </p:style>
-      </p:cxnSp>
-      <p:cxnSp>
-        <p:nvCxnSpPr>
-          <p:cNvPr id="24" name="直線矢印コネクタ 23">
-            <a:extLst>
-              <a:ext uri="{FF2B5EF4-FFF2-40B4-BE49-F238E27FC236}">
-                <a16:creationId xmlns:a16="http://schemas.microsoft.com/office/drawing/2014/main" id="{CD4C849C-F257-4CAA-966C-5C2662D4F3F7}"/>
-              </a:ext>
-            </a:extLst>
-          </p:cNvPr>
-          <p:cNvCxnSpPr>
-            <a:cxnSpLocks/>
-          </p:cNvCxnSpPr>
-          <p:nvPr/>
-        </p:nvCxnSpPr>
-        <p:spPr>
-          <a:xfrm flipH="1">
-            <a:off x="2361836" y="1981201"/>
-            <a:ext cx="525696" cy="0"/>
-          </a:xfrm>
-          <a:prstGeom prst="straightConnector1">
-            <a:avLst/>
-          </a:prstGeom>
-          <a:ln>
-            <a:tailEnd type="triangle" w="lg" len="lg"/>
-          </a:ln>
-        </p:spPr>
-        <p:style>
-          <a:lnRef idx="1">
-            <a:schemeClr val="accent1"/>
-          </a:lnRef>
-          <a:fillRef idx="0">
-            <a:schemeClr val="accent1"/>
-          </a:fillRef>
-          <a:effectRef idx="0">
-            <a:schemeClr val="accent1"/>
-          </a:effectRef>
-          <a:fontRef idx="minor">
-            <a:schemeClr val="tx1"/>
-          </a:fontRef>
-        </p:style>
-      </p:cxnSp>
-      <p:sp>
-        <p:nvSpPr>
-          <p:cNvPr id="25" name="テキスト ボックス 24">
-            <a:extLst>
-              <a:ext uri="{FF2B5EF4-FFF2-40B4-BE49-F238E27FC236}">
-                <a16:creationId xmlns:a16="http://schemas.microsoft.com/office/drawing/2014/main" id="{C60D50AD-91A2-44AD-AC9E-98A4F88D2366}"/>
-              </a:ext>
-            </a:extLst>
-          </p:cNvPr>
-          <p:cNvSpPr txBox="1"/>
-          <p:nvPr/>
-        </p:nvSpPr>
-        <p:spPr>
-          <a:xfrm>
-            <a:off x="1319870" y="1702690"/>
-            <a:ext cx="435793" cy="523220"/>
-          </a:xfrm>
-          <a:prstGeom prst="rect">
-            <a:avLst/>
-          </a:prstGeom>
-          <a:noFill/>
-        </p:spPr>
-        <p:txBody>
-          <a:bodyPr wrap="square" rtlCol="0">
-            <a:spAutoFit/>
-          </a:bodyPr>
-          <a:lstStyle/>
-          <a:p>
-            <a:r>
-              <a:rPr lang="en-US" sz="2800" dirty="0"/>
-              <a:t>r</a:t>
-            </a:r>
-          </a:p>
-        </p:txBody>
-      </p:sp>
-      <p:sp>
-        <p:nvSpPr>
-          <p:cNvPr id="26" name="テキスト ボックス 25">
-            <a:extLst>
-              <a:ext uri="{FF2B5EF4-FFF2-40B4-BE49-F238E27FC236}">
-                <a16:creationId xmlns:a16="http://schemas.microsoft.com/office/drawing/2014/main" id="{16D33FDB-F8CE-406D-8865-513A02049D38}"/>
-              </a:ext>
-            </a:extLst>
-          </p:cNvPr>
-          <p:cNvSpPr txBox="1"/>
-          <p:nvPr/>
-        </p:nvSpPr>
-        <p:spPr>
-          <a:xfrm>
-            <a:off x="2427761" y="2512779"/>
-            <a:ext cx="435793" cy="523220"/>
-          </a:xfrm>
-          <a:prstGeom prst="rect">
-            <a:avLst/>
-          </a:prstGeom>
-          <a:noFill/>
-        </p:spPr>
-        <p:txBody>
-          <a:bodyPr wrap="square" rtlCol="0">
-            <a:spAutoFit/>
-          </a:bodyPr>
-          <a:lstStyle/>
-          <a:p>
-            <a:r>
-              <a:rPr lang="en-US" sz="2800" dirty="0">
-                <a:solidFill>
-                  <a:srgbClr val="FF0000"/>
-                </a:solidFill>
-              </a:rPr>
-              <a:t>M</a:t>
-            </a:r>
-          </a:p>
-        </p:txBody>
-      </p:sp>
-      <p:sp>
-        <p:nvSpPr>
-          <p:cNvPr id="42" name="円弧 41">
-            <a:extLst>
-              <a:ext uri="{FF2B5EF4-FFF2-40B4-BE49-F238E27FC236}">
-                <a16:creationId xmlns:a16="http://schemas.microsoft.com/office/drawing/2014/main" id="{9F57B048-A174-498D-B131-3C5346DA9DB5}"/>
-              </a:ext>
-            </a:extLst>
-          </p:cNvPr>
-          <p:cNvSpPr/>
-          <p:nvPr/>
-        </p:nvSpPr>
-        <p:spPr>
-          <a:xfrm flipH="1">
-            <a:off x="2208798" y="2149199"/>
-            <a:ext cx="435793" cy="476161"/>
-          </a:xfrm>
-          <a:prstGeom prst="arc">
-            <a:avLst>
-              <a:gd name="adj1" fmla="val 4879397"/>
-              <a:gd name="adj2" fmla="val 16452864"/>
-            </a:avLst>
-          </a:prstGeom>
-          <a:ln w="38100">
-            <a:solidFill>
-              <a:srgbClr val="FF0000"/>
-            </a:solidFill>
-            <a:headEnd type="none" w="lg" len="lg"/>
-            <a:tailEnd type="triangle" w="lg" len="lg"/>
-          </a:ln>
-        </p:spPr>
-        <p:style>
-          <a:lnRef idx="1">
-            <a:schemeClr val="accent1"/>
-          </a:lnRef>
-          <a:fillRef idx="0">
-            <a:schemeClr val="accent1"/>
-          </a:fillRef>
-          <a:effectRef idx="0">
-            <a:schemeClr val="accent1"/>
-          </a:effectRef>
-          <a:fontRef idx="minor">
-            <a:schemeClr val="tx1"/>
-          </a:fontRef>
-        </p:style>
-        <p:txBody>
-          <a:bodyPr rtlCol="0" anchor="ctr"/>
-          <a:lstStyle/>
-          <a:p>
-            <a:pPr algn="ctr"/>
-            <a:endParaRPr lang="en-US" b="1" dirty="0"/>
-          </a:p>
-        </p:txBody>
-      </p:sp>
-      <p:sp>
-        <p:nvSpPr>
-          <p:cNvPr id="48" name="テキスト ボックス 47">
-            <a:extLst>
-              <a:ext uri="{FF2B5EF4-FFF2-40B4-BE49-F238E27FC236}">
-                <a16:creationId xmlns:a16="http://schemas.microsoft.com/office/drawing/2014/main" id="{B930D934-1BDC-44A0-9E9F-E69D7ADD5DFC}"/>
-              </a:ext>
-            </a:extLst>
-          </p:cNvPr>
-          <p:cNvSpPr txBox="1"/>
-          <p:nvPr/>
-        </p:nvSpPr>
-        <p:spPr>
-          <a:xfrm>
-            <a:off x="1120791" y="2667774"/>
-            <a:ext cx="762316" cy="400110"/>
-          </a:xfrm>
-          <a:prstGeom prst="rect">
-            <a:avLst/>
-          </a:prstGeom>
-          <a:noFill/>
-          <a:ln>
-            <a:noFill/>
-          </a:ln>
-        </p:spPr>
-        <p:txBody>
-          <a:bodyPr wrap="square" rtlCol="0">
-            <a:spAutoFit/>
-          </a:bodyPr>
-          <a:lstStyle/>
-          <a:p>
-            <a:r>
-              <a:rPr lang="en-US" sz="2000" dirty="0">
-                <a:solidFill>
-                  <a:srgbClr val="0070C0"/>
-                </a:solidFill>
-              </a:rPr>
-              <a:t>m1</a:t>
-            </a:r>
-          </a:p>
-        </p:txBody>
-      </p:sp>
-      <p:sp>
-        <p:nvSpPr>
-          <p:cNvPr id="49" name="円弧 48">
-            <a:extLst>
-              <a:ext uri="{FF2B5EF4-FFF2-40B4-BE49-F238E27FC236}">
-                <a16:creationId xmlns:a16="http://schemas.microsoft.com/office/drawing/2014/main" id="{00B66DFE-51F7-4D7F-BB2E-2F436B5503A9}"/>
-              </a:ext>
-            </a:extLst>
-          </p:cNvPr>
-          <p:cNvSpPr/>
-          <p:nvPr/>
-        </p:nvSpPr>
-        <p:spPr>
-          <a:xfrm>
-            <a:off x="1419078" y="2144554"/>
-            <a:ext cx="435793" cy="476161"/>
-          </a:xfrm>
-          <a:prstGeom prst="arc">
-            <a:avLst>
-              <a:gd name="adj1" fmla="val 4879397"/>
-              <a:gd name="adj2" fmla="val 16452864"/>
-            </a:avLst>
-          </a:prstGeom>
-          <a:ln w="38100">
-            <a:solidFill>
-              <a:srgbClr val="0070C0"/>
-            </a:solidFill>
-            <a:headEnd type="none" w="lg" len="lg"/>
-            <a:tailEnd type="triangle" w="lg" len="lg"/>
-          </a:ln>
-        </p:spPr>
-        <p:style>
-          <a:lnRef idx="1">
-            <a:schemeClr val="accent1"/>
-          </a:lnRef>
-          <a:fillRef idx="0">
-            <a:schemeClr val="accent1"/>
-          </a:fillRef>
-          <a:effectRef idx="0">
-            <a:schemeClr val="accent1"/>
-          </a:effectRef>
-          <a:fontRef idx="minor">
-            <a:schemeClr val="tx1"/>
-          </a:fontRef>
-        </p:style>
-        <p:txBody>
-          <a:bodyPr rtlCol="0" anchor="ctr"/>
-          <a:lstStyle/>
-          <a:p>
-            <a:pPr algn="ctr"/>
-            <a:endParaRPr lang="en-US" b="1" dirty="0">
-              <a:solidFill>
-                <a:srgbClr val="0070C0"/>
-              </a:solidFill>
-            </a:endParaRPr>
-          </a:p>
-        </p:txBody>
-      </p:sp>
-      <p:sp>
-        <p:nvSpPr>
-          <p:cNvPr id="50" name="正方形/長方形 49">
-            <a:extLst>
-              <a:ext uri="{FF2B5EF4-FFF2-40B4-BE49-F238E27FC236}">
-                <a16:creationId xmlns:a16="http://schemas.microsoft.com/office/drawing/2014/main" id="{FA8FC349-0A1A-4DC1-9A32-F2B72CED2998}"/>
-              </a:ext>
-            </a:extLst>
-          </p:cNvPr>
-          <p:cNvSpPr/>
-          <p:nvPr/>
-        </p:nvSpPr>
-        <p:spPr>
-          <a:xfrm>
-            <a:off x="7624135" y="2208965"/>
-            <a:ext cx="101027" cy="531685"/>
-          </a:xfrm>
-          <a:prstGeom prst="rect">
-            <a:avLst/>
-          </a:prstGeom>
-          <a:solidFill>
-            <a:schemeClr val="bg1"/>
-          </a:solidFill>
-          <a:ln w="19050">
-            <a:solidFill>
-              <a:schemeClr val="tx1"/>
-            </a:solidFill>
-          </a:ln>
-        </p:spPr>
-        <p:style>
-          <a:lnRef idx="2">
-            <a:schemeClr val="accent1">
-              <a:shade val="50000"/>
-            </a:schemeClr>
-          </a:lnRef>
-          <a:fillRef idx="1">
-            <a:schemeClr val="accent1"/>
-          </a:fillRef>
-          <a:effectRef idx="0">
-            <a:schemeClr val="accent1"/>
-          </a:effectRef>
-          <a:fontRef idx="minor">
-            <a:schemeClr val="lt1"/>
-          </a:fontRef>
-        </p:style>
-        <p:txBody>
-          <a:bodyPr rtlCol="0" anchor="ctr"/>
-          <a:lstStyle/>
-          <a:p>
-            <a:pPr algn="ctr"/>
-            <a:endParaRPr lang="en-US"/>
-          </a:p>
-        </p:txBody>
-      </p:sp>
-      <p:sp>
-        <p:nvSpPr>
-          <p:cNvPr id="51" name="テキスト ボックス 50">
-            <a:extLst>
-              <a:ext uri="{FF2B5EF4-FFF2-40B4-BE49-F238E27FC236}">
-                <a16:creationId xmlns:a16="http://schemas.microsoft.com/office/drawing/2014/main" id="{3E9CB4A5-DAAA-49B8-B36B-EB6B4B68E300}"/>
-              </a:ext>
-            </a:extLst>
-          </p:cNvPr>
-          <p:cNvSpPr txBox="1"/>
-          <p:nvPr/>
-        </p:nvSpPr>
-        <p:spPr>
-          <a:xfrm>
-            <a:off x="6793137" y="2833964"/>
-            <a:ext cx="2130502" cy="523220"/>
-          </a:xfrm>
-          <a:prstGeom prst="rect">
-            <a:avLst/>
-          </a:prstGeom>
-          <a:noFill/>
-        </p:spPr>
-        <p:txBody>
-          <a:bodyPr wrap="square" rtlCol="0">
-            <a:spAutoFit/>
-          </a:bodyPr>
-          <a:lstStyle/>
-          <a:p>
-            <a:r>
-              <a:rPr lang="en-US" sz="2800" dirty="0" err="1">
-                <a:latin typeface="Symbol" panose="05050102010706020507" pitchFamily="18" charset="2"/>
-              </a:rPr>
-              <a:t>q</a:t>
-            </a:r>
-            <a:r>
-              <a:rPr lang="en-US" sz="2800" baseline="-25000" dirty="0" err="1"/>
-              <a:t>x</a:t>
-            </a:r>
-            <a:r>
-              <a:rPr lang="en-US" sz="2800" dirty="0"/>
-              <a:t> = 0</a:t>
-            </a:r>
-            <a:endParaRPr lang="en-US" dirty="0"/>
-          </a:p>
-        </p:txBody>
-      </p:sp>
-      <p:sp>
-        <p:nvSpPr>
-          <p:cNvPr id="52" name="楕円 51">
-            <a:extLst>
-              <a:ext uri="{FF2B5EF4-FFF2-40B4-BE49-F238E27FC236}">
-                <a16:creationId xmlns:a16="http://schemas.microsoft.com/office/drawing/2014/main" id="{07295F35-8654-4CBB-9B43-F203FC0F1C6F}"/>
-              </a:ext>
-            </a:extLst>
-          </p:cNvPr>
-          <p:cNvSpPr/>
-          <p:nvPr/>
-        </p:nvSpPr>
-        <p:spPr>
-          <a:xfrm>
-            <a:off x="1786335" y="2387279"/>
-            <a:ext cx="246579" cy="208055"/>
-          </a:xfrm>
-          <a:prstGeom prst="ellipse">
-            <a:avLst/>
-          </a:prstGeom>
-          <a:solidFill>
-            <a:schemeClr val="bg1"/>
-          </a:solidFill>
-          <a:ln w="19050">
-            <a:solidFill>
-              <a:schemeClr val="tx1"/>
-            </a:solidFill>
-          </a:ln>
-        </p:spPr>
-        <p:style>
-          <a:lnRef idx="2">
-            <a:schemeClr val="accent1">
-              <a:shade val="50000"/>
-            </a:schemeClr>
-          </a:lnRef>
-          <a:fillRef idx="1">
-            <a:schemeClr val="accent1"/>
-          </a:fillRef>
-          <a:effectRef idx="0">
-            <a:schemeClr val="accent1"/>
-          </a:effectRef>
-          <a:fontRef idx="minor">
-            <a:schemeClr val="lt1"/>
-          </a:fontRef>
-        </p:style>
-        <p:txBody>
-          <a:bodyPr rtlCol="0" anchor="ctr"/>
-          <a:lstStyle/>
-          <a:p>
-            <a:pPr algn="ctr"/>
-            <a:endParaRPr lang="en-US"/>
-          </a:p>
-        </p:txBody>
-      </p:sp>
-      <p:sp>
-        <p:nvSpPr>
-          <p:cNvPr id="53" name="楕円 52">
-            <a:extLst>
-              <a:ext uri="{FF2B5EF4-FFF2-40B4-BE49-F238E27FC236}">
-                <a16:creationId xmlns:a16="http://schemas.microsoft.com/office/drawing/2014/main" id="{07295F35-8654-4CBB-9B43-F203FC0F1C6F}"/>
-              </a:ext>
-            </a:extLst>
-          </p:cNvPr>
-          <p:cNvSpPr/>
-          <p:nvPr/>
-        </p:nvSpPr>
-        <p:spPr>
-          <a:xfrm>
-            <a:off x="1785842" y="2091893"/>
-            <a:ext cx="246579" cy="208055"/>
-          </a:xfrm>
-          <a:prstGeom prst="ellipse">
-            <a:avLst/>
-          </a:prstGeom>
-          <a:solidFill>
-            <a:schemeClr val="bg1"/>
-          </a:solidFill>
-          <a:ln w="19050">
-            <a:solidFill>
-              <a:schemeClr val="tx1"/>
-            </a:solidFill>
-          </a:ln>
-        </p:spPr>
-        <p:style>
-          <a:lnRef idx="2">
-            <a:schemeClr val="accent1">
-              <a:shade val="50000"/>
-            </a:schemeClr>
-          </a:lnRef>
-          <a:fillRef idx="1">
-            <a:schemeClr val="accent1"/>
-          </a:fillRef>
-          <a:effectRef idx="0">
-            <a:schemeClr val="accent1"/>
-          </a:effectRef>
-          <a:fontRef idx="minor">
-            <a:schemeClr val="lt1"/>
-          </a:fontRef>
-        </p:style>
-        <p:txBody>
-          <a:bodyPr rtlCol="0" anchor="ctr"/>
-          <a:lstStyle/>
-          <a:p>
-            <a:pPr algn="ctr"/>
-            <a:endParaRPr lang="en-US"/>
-          </a:p>
-        </p:txBody>
-      </p:sp>
-      <p:sp>
-        <p:nvSpPr>
-          <p:cNvPr id="56" name="テキスト ボックス 55">
-            <a:extLst>
-              <a:ext uri="{FF2B5EF4-FFF2-40B4-BE49-F238E27FC236}">
-                <a16:creationId xmlns:a16="http://schemas.microsoft.com/office/drawing/2014/main" id="{B930D934-1BDC-44A0-9E9F-E69D7ADD5DFC}"/>
-              </a:ext>
-            </a:extLst>
-          </p:cNvPr>
-          <p:cNvSpPr txBox="1"/>
-          <p:nvPr/>
-        </p:nvSpPr>
-        <p:spPr>
-          <a:xfrm>
-            <a:off x="8030278" y="1714032"/>
-            <a:ext cx="762316" cy="400110"/>
-          </a:xfrm>
-          <a:prstGeom prst="rect">
-            <a:avLst/>
-          </a:prstGeom>
-          <a:noFill/>
-          <a:ln>
-            <a:noFill/>
-          </a:ln>
-        </p:spPr>
-        <p:txBody>
-          <a:bodyPr wrap="square" rtlCol="0">
-            <a:spAutoFit/>
-          </a:bodyPr>
-          <a:lstStyle/>
-          <a:p>
-            <a:r>
-              <a:rPr lang="en-US" sz="2000" dirty="0">
-                <a:solidFill>
-                  <a:srgbClr val="0070C0"/>
-                </a:solidFill>
-              </a:rPr>
-              <a:t>m2</a:t>
-            </a:r>
-          </a:p>
-        </p:txBody>
-      </p:sp>
-      <p:sp>
-        <p:nvSpPr>
-          <p:cNvPr id="61" name="円弧 60">
-            <a:extLst>
-              <a:ext uri="{FF2B5EF4-FFF2-40B4-BE49-F238E27FC236}">
-                <a16:creationId xmlns:a16="http://schemas.microsoft.com/office/drawing/2014/main" id="{00B66DFE-51F7-4D7F-BB2E-2F436B5503A9}"/>
-              </a:ext>
-            </a:extLst>
-          </p:cNvPr>
-          <p:cNvSpPr/>
-          <p:nvPr/>
-        </p:nvSpPr>
-        <p:spPr>
-          <a:xfrm>
-            <a:off x="8286175" y="2264489"/>
-            <a:ext cx="435793" cy="476161"/>
-          </a:xfrm>
-          <a:prstGeom prst="arc">
-            <a:avLst>
-              <a:gd name="adj1" fmla="val 4879397"/>
-              <a:gd name="adj2" fmla="val 16452864"/>
-            </a:avLst>
-          </a:prstGeom>
-          <a:ln w="38100">
-            <a:solidFill>
-              <a:srgbClr val="0070C0"/>
-            </a:solidFill>
-            <a:headEnd type="none" w="lg" len="lg"/>
-            <a:tailEnd type="triangle" w="lg" len="lg"/>
-          </a:ln>
-        </p:spPr>
-        <p:style>
-          <a:lnRef idx="1">
-            <a:schemeClr val="accent1"/>
-          </a:lnRef>
-          <a:fillRef idx="0">
-            <a:schemeClr val="accent1"/>
-          </a:fillRef>
-          <a:effectRef idx="0">
-            <a:schemeClr val="accent1"/>
-          </a:effectRef>
-          <a:fontRef idx="minor">
-            <a:schemeClr val="tx1"/>
-          </a:fontRef>
-        </p:style>
-        <p:txBody>
-          <a:bodyPr rtlCol="0" anchor="ctr"/>
-          <a:lstStyle/>
-          <a:p>
-            <a:pPr algn="ctr"/>
-            <a:endParaRPr lang="en-US" b="1" dirty="0">
-              <a:solidFill>
-                <a:srgbClr val="0070C0"/>
-              </a:solidFill>
-            </a:endParaRPr>
-          </a:p>
-        </p:txBody>
-      </p:sp>
-      <p:sp>
-        <p:nvSpPr>
-          <p:cNvPr id="64" name="楕円 63">
-            <a:extLst>
-              <a:ext uri="{FF2B5EF4-FFF2-40B4-BE49-F238E27FC236}">
-                <a16:creationId xmlns:a16="http://schemas.microsoft.com/office/drawing/2014/main" id="{07295F35-8654-4CBB-9B43-F203FC0F1C6F}"/>
-              </a:ext>
-            </a:extLst>
-          </p:cNvPr>
-          <p:cNvSpPr/>
-          <p:nvPr/>
-        </p:nvSpPr>
-        <p:spPr>
-          <a:xfrm>
-            <a:off x="7737086" y="2213306"/>
-            <a:ext cx="246579" cy="208055"/>
-          </a:xfrm>
-          <a:prstGeom prst="ellipse">
-            <a:avLst/>
-          </a:prstGeom>
-          <a:solidFill>
-            <a:schemeClr val="bg1"/>
-          </a:solidFill>
-          <a:ln w="19050">
-            <a:solidFill>
-              <a:schemeClr val="tx1"/>
-            </a:solidFill>
-          </a:ln>
-        </p:spPr>
-        <p:style>
-          <a:lnRef idx="2">
-            <a:schemeClr val="accent1">
-              <a:shade val="50000"/>
-            </a:schemeClr>
-          </a:lnRef>
-          <a:fillRef idx="1">
-            <a:schemeClr val="accent1"/>
-          </a:fillRef>
-          <a:effectRef idx="0">
-            <a:schemeClr val="accent1"/>
-          </a:effectRef>
-          <a:fontRef idx="minor">
-            <a:schemeClr val="lt1"/>
-          </a:fontRef>
-        </p:style>
-        <p:txBody>
-          <a:bodyPr rtlCol="0" anchor="ctr"/>
-          <a:lstStyle/>
-          <a:p>
-            <a:pPr algn="ctr"/>
-            <a:endParaRPr lang="en-US"/>
-          </a:p>
-        </p:txBody>
-      </p:sp>
-      <p:sp>
-        <p:nvSpPr>
-          <p:cNvPr id="65" name="楕円 64">
-            <a:extLst>
-              <a:ext uri="{FF2B5EF4-FFF2-40B4-BE49-F238E27FC236}">
-                <a16:creationId xmlns:a16="http://schemas.microsoft.com/office/drawing/2014/main" id="{07295F35-8654-4CBB-9B43-F203FC0F1C6F}"/>
-              </a:ext>
-            </a:extLst>
-          </p:cNvPr>
-          <p:cNvSpPr/>
-          <p:nvPr/>
-        </p:nvSpPr>
-        <p:spPr>
-          <a:xfrm>
-            <a:off x="7725162" y="2512779"/>
-            <a:ext cx="246579" cy="208055"/>
-          </a:xfrm>
-          <a:prstGeom prst="ellipse">
-            <a:avLst/>
-          </a:prstGeom>
-          <a:solidFill>
-            <a:schemeClr val="bg1"/>
-          </a:solidFill>
-          <a:ln w="19050">
-            <a:solidFill>
-              <a:schemeClr val="tx1"/>
-            </a:solidFill>
-          </a:ln>
-        </p:spPr>
-        <p:style>
-          <a:lnRef idx="2">
-            <a:schemeClr val="accent1">
-              <a:shade val="50000"/>
-            </a:schemeClr>
-          </a:lnRef>
-          <a:fillRef idx="1">
-            <a:schemeClr val="accent1"/>
-          </a:fillRef>
-          <a:effectRef idx="0">
-            <a:schemeClr val="accent1"/>
-          </a:effectRef>
-          <a:fontRef idx="minor">
-            <a:schemeClr val="lt1"/>
-          </a:fontRef>
-        </p:style>
-        <p:txBody>
-          <a:bodyPr rtlCol="0" anchor="ctr"/>
-          <a:lstStyle/>
-          <a:p>
-            <a:pPr algn="ctr"/>
-            <a:endParaRPr lang="en-US"/>
-          </a:p>
-        </p:txBody>
-      </p:sp>
-      <p:sp>
-        <p:nvSpPr>
-          <p:cNvPr id="15" name="テキスト ボックス 14"/>
-          <p:cNvSpPr txBox="1"/>
-          <p:nvPr/>
-        </p:nvSpPr>
-        <p:spPr>
-          <a:xfrm>
             <a:off x="195667" y="268874"/>
             <a:ext cx="4823756" cy="369332"/>
           </a:xfrm>
@@ -7115,8 +5166,8 @@
           </a:p>
         </p:txBody>
       </p:sp>
-      <mc:AlternateContent xmlns:mc="http://schemas.openxmlformats.org/markup-compatibility/2006">
-        <mc:Choice xmlns:a14="http://schemas.microsoft.com/office/drawing/2010/main" Requires="a14">
+      <mc:AlternateContent xmlns:mc="http://schemas.openxmlformats.org/markup-compatibility/2006" xmlns:a14="http://schemas.microsoft.com/office/drawing/2010/main">
+        <mc:Choice Requires="a14">
           <p:sp>
             <p:nvSpPr>
               <p:cNvPr id="5" name="テキスト ボックス 4">
@@ -7260,7 +5311,7 @@
             </p:txBody>
           </p:sp>
         </mc:Choice>
-        <mc:Fallback>
+        <mc:Fallback xmlns="">
           <p:sp>
             <p:nvSpPr>
               <p:cNvPr id="5" name="テキスト ボックス 4">
@@ -7310,8 +5361,8 @@
           </p:sp>
         </mc:Fallback>
       </mc:AlternateContent>
-      <mc:AlternateContent xmlns:mc="http://schemas.openxmlformats.org/markup-compatibility/2006">
-        <mc:Choice xmlns:a14="http://schemas.microsoft.com/office/drawing/2010/main" Requires="a14">
+      <mc:AlternateContent xmlns:mc="http://schemas.openxmlformats.org/markup-compatibility/2006" xmlns:a14="http://schemas.microsoft.com/office/drawing/2010/main">
+        <mc:Choice Requires="a14">
           <p:sp>
             <p:nvSpPr>
               <p:cNvPr id="6" name="テキスト ボックス 5">
@@ -7694,7 +5745,7 @@
             </p:txBody>
           </p:sp>
         </mc:Choice>
-        <mc:Fallback>
+        <mc:Fallback xmlns="">
           <p:sp>
             <p:nvSpPr>
               <p:cNvPr id="6" name="テキスト ボックス 5">
@@ -7752,7 +5803,7 @@
 </p:sld>
 </file>
 
-<file path=ppt/slides/slide3.xml><?xml version="1.0" encoding="utf-8"?>
+<file path=ppt/slides/slide2.xml><?xml version="1.0" encoding="utf-8"?>
 <p:sld xmlns:a="http://schemas.openxmlformats.org/drawingml/2006/main" xmlns:r="http://schemas.openxmlformats.org/officeDocument/2006/relationships" xmlns:p="http://schemas.openxmlformats.org/presentationml/2006/main">
   <p:cSld>
     <p:spTree>
@@ -10974,7 +9025,7 @@
 </p:sld>
 </file>
 
-<file path=ppt/slides/slide4.xml><?xml version="1.0" encoding="utf-8"?>
+<file path=ppt/slides/slide3.xml><?xml version="1.0" encoding="utf-8"?>
 <p:sld xmlns:a="http://schemas.openxmlformats.org/drawingml/2006/main" xmlns:r="http://schemas.openxmlformats.org/officeDocument/2006/relationships" xmlns:p="http://schemas.openxmlformats.org/presentationml/2006/main">
   <p:cSld>
     <p:spTree>
@@ -12980,7 +11031,7 @@
 </p:sld>
 </file>
 
-<file path=ppt/slides/slide5.xml><?xml version="1.0" encoding="utf-8"?>
+<file path=ppt/slides/slide4.xml><?xml version="1.0" encoding="utf-8"?>
 <p:sld xmlns:a="http://schemas.openxmlformats.org/drawingml/2006/main" xmlns:r="http://schemas.openxmlformats.org/officeDocument/2006/relationships" xmlns:p="http://schemas.openxmlformats.org/presentationml/2006/main">
   <p:cSld>
     <p:spTree>

--- a/剛性計算方法.pptx
+++ b/剛性計算方法.pptx
@@ -5,13 +5,14 @@
     <p:sldMasterId id="2147483648" r:id="rId1"/>
   </p:sldMasterIdLst>
   <p:notesMasterIdLst>
-    <p:notesMasterId r:id="rId6"/>
+    <p:notesMasterId r:id="rId7"/>
   </p:notesMasterIdLst>
   <p:sldIdLst>
     <p:sldId id="271" r:id="rId2"/>
     <p:sldId id="276" r:id="rId3"/>
     <p:sldId id="274" r:id="rId4"/>
-    <p:sldId id="275" r:id="rId5"/>
+    <p:sldId id="278" r:id="rId5"/>
+    <p:sldId id="277" r:id="rId6"/>
   </p:sldIdLst>
   <p:sldSz cx="12192000" cy="6858000"/>
   <p:notesSz cx="6858000" cy="9144000"/>
@@ -120,7 +121,7 @@
 
 <file path=ppt/commentAuthors.xml><?xml version="1.0" encoding="utf-8"?>
 <p:cmAuthorLst xmlns:a="http://schemas.openxmlformats.org/drawingml/2006/main" xmlns:r="http://schemas.openxmlformats.org/officeDocument/2006/relationships" xmlns:p="http://schemas.openxmlformats.org/presentationml/2006/main">
-  <p:cmAuthor id="1" name="山田 悠貴" initials="山田" lastIdx="21" clrIdx="0">
+  <p:cmAuthor id="1" name="山田 悠貴" initials="山田" lastIdx="22" clrIdx="0">
     <p:extLst>
       <p:ext uri="{19B8F6BF-5375-455C-9EA6-DF929625EA0E}">
         <p15:presenceInfo xmlns:p15="http://schemas.microsoft.com/office/powerpoint/2012/main" userId="834dd3d9bb1ed097" providerId="Windows Live"/>
@@ -151,6 +152,15 @@
   <p:cm authorId="1" dt="2021-06-14T18:43:18.614" idx="21">
     <p:pos x="967" y="1102"/>
     <p:text>rの長さはどう決める?パス数によって加熱領域の大きさは異なる？</p:text>
+    <p:extLst>
+      <p:ext uri="{C676402C-5697-4E1C-873F-D02D1690AC5C}">
+        <p15:threadingInfo xmlns:p15="http://schemas.microsoft.com/office/powerpoint/2012/main" timeZoneBias="-540"/>
+      </p:ext>
+    </p:extLst>
+  </p:cm>
+  <p:cm authorId="1" dt="2021-06-15T17:15:42.480" idx="22">
+    <p:pos x="1474" y="196"/>
+    <p:text>なぜ非加熱部だけなのかをもう一度質問する。加熱部の剛性は後で計算する？</p:text>
     <p:extLst>
       <p:ext uri="{C676402C-5697-4E1C-873F-D02D1690AC5C}">
         <p15:threadingInfo xmlns:p15="http://schemas.microsoft.com/office/powerpoint/2012/main" timeZoneBias="-540"/>
@@ -242,7 +252,7 @@
           <a:p>
             <a:fld id="{9B0CD339-C9AD-420B-AC36-6287DCCCD73C}" type="datetimeFigureOut">
               <a:rPr lang="en-US" smtClean="0"/>
-              <a:t>6/14/2021</a:t>
+              <a:t>6/17/2021</a:t>
             </a:fld>
             <a:endParaRPr lang="en-US"/>
           </a:p>
@@ -691,7 +701,7 @@
           <a:p>
             <a:fld id="{6C9A6997-34CA-4F9E-A6FA-38770A390B19}" type="datetimeFigureOut">
               <a:rPr lang="en-US" smtClean="0"/>
-              <a:t>6/14/2021</a:t>
+              <a:t>6/17/2021</a:t>
             </a:fld>
             <a:endParaRPr lang="en-US"/>
           </a:p>
@@ -923,7 +933,7 @@
           <a:p>
             <a:fld id="{6C9A6997-34CA-4F9E-A6FA-38770A390B19}" type="datetimeFigureOut">
               <a:rPr lang="en-US" smtClean="0"/>
-              <a:t>6/14/2021</a:t>
+              <a:t>6/17/2021</a:t>
             </a:fld>
             <a:endParaRPr lang="en-US"/>
           </a:p>
@@ -1165,7 +1175,7 @@
           <a:p>
             <a:fld id="{6C9A6997-34CA-4F9E-A6FA-38770A390B19}" type="datetimeFigureOut">
               <a:rPr lang="en-US" smtClean="0"/>
-              <a:t>6/14/2021</a:t>
+              <a:t>6/17/2021</a:t>
             </a:fld>
             <a:endParaRPr lang="en-US"/>
           </a:p>
@@ -1397,7 +1407,7 @@
           <a:p>
             <a:fld id="{6C9A6997-34CA-4F9E-A6FA-38770A390B19}" type="datetimeFigureOut">
               <a:rPr lang="en-US" smtClean="0"/>
-              <a:t>6/14/2021</a:t>
+              <a:t>6/17/2021</a:t>
             </a:fld>
             <a:endParaRPr lang="en-US"/>
           </a:p>
@@ -1673,7 +1683,7 @@
           <a:p>
             <a:fld id="{6C9A6997-34CA-4F9E-A6FA-38770A390B19}" type="datetimeFigureOut">
               <a:rPr lang="en-US" smtClean="0"/>
-              <a:t>6/14/2021</a:t>
+              <a:t>6/17/2021</a:t>
             </a:fld>
             <a:endParaRPr lang="en-US"/>
           </a:p>
@@ -2005,7 +2015,7 @@
           <a:p>
             <a:fld id="{6C9A6997-34CA-4F9E-A6FA-38770A390B19}" type="datetimeFigureOut">
               <a:rPr lang="en-US" smtClean="0"/>
-              <a:t>6/14/2021</a:t>
+              <a:t>6/17/2021</a:t>
             </a:fld>
             <a:endParaRPr lang="en-US"/>
           </a:p>
@@ -2484,7 +2494,7 @@
           <a:p>
             <a:fld id="{6C9A6997-34CA-4F9E-A6FA-38770A390B19}" type="datetimeFigureOut">
               <a:rPr lang="en-US" smtClean="0"/>
-              <a:t>6/14/2021</a:t>
+              <a:t>6/17/2021</a:t>
             </a:fld>
             <a:endParaRPr lang="en-US"/>
           </a:p>
@@ -2626,7 +2636,7 @@
           <a:p>
             <a:fld id="{6C9A6997-34CA-4F9E-A6FA-38770A390B19}" type="datetimeFigureOut">
               <a:rPr lang="en-US" smtClean="0"/>
-              <a:t>6/14/2021</a:t>
+              <a:t>6/17/2021</a:t>
             </a:fld>
             <a:endParaRPr lang="en-US"/>
           </a:p>
@@ -2739,7 +2749,7 @@
           <a:p>
             <a:fld id="{6C9A6997-34CA-4F9E-A6FA-38770A390B19}" type="datetimeFigureOut">
               <a:rPr lang="en-US" smtClean="0"/>
-              <a:t>6/14/2021</a:t>
+              <a:t>6/17/2021</a:t>
             </a:fld>
             <a:endParaRPr lang="en-US"/>
           </a:p>
@@ -3084,7 +3094,7 @@
           <a:p>
             <a:fld id="{6C9A6997-34CA-4F9E-A6FA-38770A390B19}" type="datetimeFigureOut">
               <a:rPr lang="en-US" smtClean="0"/>
-              <a:t>6/14/2021</a:t>
+              <a:t>6/17/2021</a:t>
             </a:fld>
             <a:endParaRPr lang="en-US"/>
           </a:p>
@@ -3373,7 +3383,7 @@
           <a:p>
             <a:fld id="{6C9A6997-34CA-4F9E-A6FA-38770A390B19}" type="datetimeFigureOut">
               <a:rPr lang="en-US" smtClean="0"/>
-              <a:t>6/14/2021</a:t>
+              <a:t>6/17/2021</a:t>
             </a:fld>
             <a:endParaRPr lang="en-US"/>
           </a:p>
@@ -3648,7 +3658,7 @@
           <a:p>
             <a:fld id="{6C9A6997-34CA-4F9E-A6FA-38770A390B19}" type="datetimeFigureOut">
               <a:rPr lang="en-US" smtClean="0"/>
-              <a:t>6/14/2021</a:t>
+              <a:t>6/17/2021</a:t>
             </a:fld>
             <a:endParaRPr lang="en-US"/>
           </a:p>
@@ -4065,1073 +4075,1118 @@
           <a:chExt cx="0" cy="0"/>
         </a:xfrm>
       </p:grpSpPr>
-      <p:cxnSp>
-        <p:nvCxnSpPr>
-          <p:cNvPr id="4" name="直線コネクタ 3">
-            <a:extLst>
-              <a:ext uri="{FF2B5EF4-FFF2-40B4-BE49-F238E27FC236}">
-                <a16:creationId xmlns:a16="http://schemas.microsoft.com/office/drawing/2014/main" id="{3CD1C8E3-45F2-44CD-B6EE-98D55282B5DE}"/>
-              </a:ext>
-            </a:extLst>
-          </p:cNvPr>
-          <p:cNvCxnSpPr/>
+      <p:grpSp>
+        <p:nvGrpSpPr>
+          <p:cNvPr id="7" name="グループ化 6"/>
+          <p:cNvGrpSpPr/>
           <p:nvPr/>
-        </p:nvCxnSpPr>
-        <p:spPr>
+        </p:nvGrpSpPr>
+        <p:grpSpPr>
           <a:xfrm>
-            <a:off x="2178619" y="2404141"/>
-            <a:ext cx="5465851" cy="0"/>
+            <a:off x="1120791" y="1294532"/>
+            <a:ext cx="7802848" cy="2510374"/>
+            <a:chOff x="1120791" y="1294532"/>
+            <a:chExt cx="7802848" cy="2510374"/>
           </a:xfrm>
-          <a:prstGeom prst="line">
-            <a:avLst/>
-          </a:prstGeom>
-          <a:ln w="38100">
-            <a:solidFill>
+        </p:grpSpPr>
+        <p:cxnSp>
+          <p:nvCxnSpPr>
+            <p:cNvPr id="23" name="直線矢印コネクタ 22">
+              <a:extLst>
+                <a:ext uri="{FF2B5EF4-FFF2-40B4-BE49-F238E27FC236}">
+                  <a16:creationId xmlns:a16="http://schemas.microsoft.com/office/drawing/2014/main" id="{030085A7-1D41-498E-B850-02279D12C80E}"/>
+                </a:ext>
+              </a:extLst>
+            </p:cNvPr>
+            <p:cNvCxnSpPr/>
+            <p:nvPr/>
+          </p:nvCxnSpPr>
+          <p:spPr>
+            <a:xfrm>
+              <a:off x="1613540" y="1972637"/>
+              <a:ext cx="525696" cy="0"/>
+            </a:xfrm>
+            <a:prstGeom prst="straightConnector1">
+              <a:avLst/>
+            </a:prstGeom>
+            <a:ln>
+              <a:tailEnd type="triangle" w="lg" len="lg"/>
+            </a:ln>
+          </p:spPr>
+          <p:style>
+            <a:lnRef idx="1">
+              <a:schemeClr val="accent1"/>
+            </a:lnRef>
+            <a:fillRef idx="0">
+              <a:schemeClr val="accent1"/>
+            </a:fillRef>
+            <a:effectRef idx="0">
+              <a:schemeClr val="accent1"/>
+            </a:effectRef>
+            <a:fontRef idx="minor">
               <a:schemeClr val="tx1"/>
-            </a:solidFill>
-          </a:ln>
-        </p:spPr>
-        <p:style>
-          <a:lnRef idx="1">
-            <a:schemeClr val="accent1"/>
-          </a:lnRef>
-          <a:fillRef idx="0">
-            <a:schemeClr val="accent1"/>
-          </a:fillRef>
-          <a:effectRef idx="0">
-            <a:schemeClr val="accent1"/>
-          </a:effectRef>
-          <a:fontRef idx="minor">
-            <a:schemeClr val="tx1"/>
-          </a:fontRef>
-        </p:style>
-      </p:cxnSp>
-      <p:cxnSp>
-        <p:nvCxnSpPr>
-          <p:cNvPr id="8" name="直線コネクタ 7">
-            <a:extLst>
-              <a:ext uri="{FF2B5EF4-FFF2-40B4-BE49-F238E27FC236}">
-                <a16:creationId xmlns:a16="http://schemas.microsoft.com/office/drawing/2014/main" id="{AACE190F-1D8D-4A68-87CB-FA2258938F6C}"/>
-              </a:ext>
-            </a:extLst>
-          </p:cNvPr>
-          <p:cNvCxnSpPr/>
-          <p:nvPr/>
-        </p:nvCxnSpPr>
-        <p:spPr>
-          <a:xfrm>
-            <a:off x="2178618" y="1294532"/>
-            <a:ext cx="0" cy="883578"/>
-          </a:xfrm>
-          <a:prstGeom prst="line">
-            <a:avLst/>
-          </a:prstGeom>
-        </p:spPr>
-        <p:style>
-          <a:lnRef idx="1">
-            <a:schemeClr val="accent1"/>
-          </a:lnRef>
-          <a:fillRef idx="0">
-            <a:schemeClr val="accent1"/>
-          </a:fillRef>
-          <a:effectRef idx="0">
-            <a:schemeClr val="accent1"/>
-          </a:effectRef>
-          <a:fontRef idx="minor">
-            <a:schemeClr val="tx1"/>
-          </a:fontRef>
-        </p:style>
-      </p:cxnSp>
-      <p:cxnSp>
-        <p:nvCxnSpPr>
-          <p:cNvPr id="9" name="直線コネクタ 8">
-            <a:extLst>
-              <a:ext uri="{FF2B5EF4-FFF2-40B4-BE49-F238E27FC236}">
-                <a16:creationId xmlns:a16="http://schemas.microsoft.com/office/drawing/2014/main" id="{2C563AF7-92C7-4996-9E68-3B55739E060A}"/>
-              </a:ext>
-            </a:extLst>
-          </p:cNvPr>
-          <p:cNvCxnSpPr/>
-          <p:nvPr/>
-        </p:nvCxnSpPr>
-        <p:spPr>
-          <a:xfrm>
-            <a:off x="7644470" y="1304806"/>
-            <a:ext cx="0" cy="883578"/>
-          </a:xfrm>
-          <a:prstGeom prst="line">
-            <a:avLst/>
-          </a:prstGeom>
-        </p:spPr>
-        <p:style>
-          <a:lnRef idx="1">
-            <a:schemeClr val="accent1"/>
-          </a:lnRef>
-          <a:fillRef idx="0">
-            <a:schemeClr val="accent1"/>
-          </a:fillRef>
-          <a:effectRef idx="0">
-            <a:schemeClr val="accent1"/>
-          </a:effectRef>
-          <a:fontRef idx="minor">
-            <a:schemeClr val="tx1"/>
-          </a:fontRef>
-        </p:style>
-      </p:cxnSp>
-      <p:cxnSp>
-        <p:nvCxnSpPr>
-          <p:cNvPr id="10" name="直線矢印コネクタ 9">
-            <a:extLst>
-              <a:ext uri="{FF2B5EF4-FFF2-40B4-BE49-F238E27FC236}">
-                <a16:creationId xmlns:a16="http://schemas.microsoft.com/office/drawing/2014/main" id="{90E48464-C16D-41DE-BE95-26C8E94E0B8F}"/>
-              </a:ext>
-            </a:extLst>
-          </p:cNvPr>
-          <p:cNvCxnSpPr/>
-          <p:nvPr/>
-        </p:nvCxnSpPr>
-        <p:spPr>
-          <a:xfrm>
-            <a:off x="2178618" y="1736321"/>
-            <a:ext cx="5465852" cy="0"/>
-          </a:xfrm>
-          <a:prstGeom prst="straightConnector1">
-            <a:avLst/>
-          </a:prstGeom>
-          <a:ln>
-            <a:headEnd type="triangle" w="lg" len="lg"/>
-            <a:tailEnd type="triangle" w="lg" len="lg"/>
-          </a:ln>
-        </p:spPr>
-        <p:style>
-          <a:lnRef idx="1">
-            <a:schemeClr val="accent1"/>
-          </a:lnRef>
-          <a:fillRef idx="0">
-            <a:schemeClr val="accent1"/>
-          </a:fillRef>
-          <a:effectRef idx="0">
-            <a:schemeClr val="accent1"/>
-          </a:effectRef>
-          <a:fontRef idx="minor">
-            <a:schemeClr val="tx1"/>
-          </a:fontRef>
-        </p:style>
-      </p:cxnSp>
-      <p:sp>
-        <p:nvSpPr>
-          <p:cNvPr id="11" name="テキスト ボックス 10">
-            <a:extLst>
-              <a:ext uri="{FF2B5EF4-FFF2-40B4-BE49-F238E27FC236}">
-                <a16:creationId xmlns:a16="http://schemas.microsoft.com/office/drawing/2014/main" id="{9DBD36F3-FED0-4AF3-9B5D-621122A83677}"/>
-              </a:ext>
-            </a:extLst>
-          </p:cNvPr>
-          <p:cNvSpPr txBox="1"/>
-          <p:nvPr/>
-        </p:nvSpPr>
-        <p:spPr>
-          <a:xfrm>
-            <a:off x="4325917" y="1294532"/>
-            <a:ext cx="739740" cy="523220"/>
-          </a:xfrm>
-          <a:prstGeom prst="rect">
-            <a:avLst/>
-          </a:prstGeom>
-          <a:noFill/>
-        </p:spPr>
-        <p:txBody>
-          <a:bodyPr wrap="square" rtlCol="0">
-            <a:spAutoFit/>
-          </a:bodyPr>
-          <a:lstStyle/>
-          <a:p>
-            <a:pPr algn="ctr"/>
-            <a:r>
-              <a:rPr lang="en-US" sz="2800" dirty="0"/>
-              <a:t>L</a:t>
-            </a:r>
-          </a:p>
-        </p:txBody>
-      </p:sp>
-      <p:sp>
-        <p:nvSpPr>
-          <p:cNvPr id="17" name="テキスト ボックス 16">
-            <a:extLst>
-              <a:ext uri="{FF2B5EF4-FFF2-40B4-BE49-F238E27FC236}">
-                <a16:creationId xmlns:a16="http://schemas.microsoft.com/office/drawing/2014/main" id="{3E9CB4A5-DAAA-49B8-B36B-EB6B4B68E300}"/>
-              </a:ext>
-            </a:extLst>
-          </p:cNvPr>
-          <p:cNvSpPr txBox="1"/>
-          <p:nvPr/>
-        </p:nvSpPr>
-        <p:spPr>
-          <a:xfrm>
-            <a:off x="1330552" y="3281686"/>
-            <a:ext cx="1485526" cy="523220"/>
-          </a:xfrm>
-          <a:prstGeom prst="rect">
-            <a:avLst/>
-          </a:prstGeom>
-          <a:noFill/>
-        </p:spPr>
-        <p:txBody>
-          <a:bodyPr wrap="square" rtlCol="0">
-            <a:spAutoFit/>
-          </a:bodyPr>
-          <a:lstStyle/>
-          <a:p>
-            <a:r>
-              <a:rPr lang="en-US" sz="2800" dirty="0" err="1">
-                <a:latin typeface="Symbol" panose="05050102010706020507" pitchFamily="18" charset="2"/>
-              </a:rPr>
-              <a:t>d</a:t>
-            </a:r>
-            <a:r>
-              <a:rPr lang="en-US" sz="2800" baseline="-25000" dirty="0" err="1"/>
-              <a:t>Y</a:t>
-            </a:r>
-            <a:r>
-              <a:rPr lang="en-US" sz="2800" baseline="-25000" dirty="0"/>
-              <a:t> </a:t>
-            </a:r>
-            <a:r>
-              <a:rPr lang="en-US" sz="2800" dirty="0"/>
-              <a:t>,</a:t>
-            </a:r>
-            <a:r>
-              <a:rPr lang="en-US" sz="2800" dirty="0" err="1">
-                <a:latin typeface="Symbol" panose="05050102010706020507" pitchFamily="18" charset="2"/>
-              </a:rPr>
-              <a:t>q</a:t>
-            </a:r>
-            <a:r>
-              <a:rPr lang="en-US" sz="2800" baseline="-25000" dirty="0" err="1"/>
-              <a:t>x</a:t>
-            </a:r>
-            <a:r>
-              <a:rPr lang="en-US" sz="2800" dirty="0"/>
-              <a:t> = 0</a:t>
-            </a:r>
-            <a:endParaRPr lang="en-US" dirty="0"/>
-          </a:p>
-        </p:txBody>
-      </p:sp>
-      <p:sp>
-        <p:nvSpPr>
-          <p:cNvPr id="19" name="正方形/長方形 18">
-            <a:extLst>
-              <a:ext uri="{FF2B5EF4-FFF2-40B4-BE49-F238E27FC236}">
-                <a16:creationId xmlns:a16="http://schemas.microsoft.com/office/drawing/2014/main" id="{FA8FC349-0A1A-4DC1-9A32-F2B72CED2998}"/>
-              </a:ext>
-            </a:extLst>
-          </p:cNvPr>
-          <p:cNvSpPr/>
-          <p:nvPr/>
-        </p:nvSpPr>
-        <p:spPr>
-          <a:xfrm>
-            <a:off x="2042980" y="2113408"/>
-            <a:ext cx="101027" cy="531685"/>
-          </a:xfrm>
-          <a:prstGeom prst="rect">
-            <a:avLst/>
-          </a:prstGeom>
-          <a:solidFill>
-            <a:schemeClr val="bg1"/>
-          </a:solidFill>
-          <a:ln w="19050">
-            <a:solidFill>
-              <a:schemeClr val="tx1"/>
-            </a:solidFill>
-          </a:ln>
-        </p:spPr>
-        <p:style>
-          <a:lnRef idx="2">
-            <a:schemeClr val="accent1">
-              <a:shade val="50000"/>
-            </a:schemeClr>
-          </a:lnRef>
-          <a:fillRef idx="1">
-            <a:schemeClr val="accent1"/>
-          </a:fillRef>
-          <a:effectRef idx="0">
-            <a:schemeClr val="accent1"/>
-          </a:effectRef>
-          <a:fontRef idx="minor">
-            <a:schemeClr val="lt1"/>
-          </a:fontRef>
-        </p:style>
-        <p:txBody>
-          <a:bodyPr rtlCol="0" anchor="ctr"/>
-          <a:lstStyle/>
-          <a:p>
-            <a:pPr algn="ctr"/>
-            <a:endParaRPr lang="en-US"/>
-          </a:p>
-        </p:txBody>
-      </p:sp>
-      <p:cxnSp>
-        <p:nvCxnSpPr>
-          <p:cNvPr id="22" name="直線コネクタ 21">
-            <a:extLst>
-              <a:ext uri="{FF2B5EF4-FFF2-40B4-BE49-F238E27FC236}">
-                <a16:creationId xmlns:a16="http://schemas.microsoft.com/office/drawing/2014/main" id="{9A88F1BD-3667-49FF-92DF-A109FD11FB00}"/>
-              </a:ext>
-            </a:extLst>
-          </p:cNvPr>
-          <p:cNvCxnSpPr/>
-          <p:nvPr/>
-        </p:nvCxnSpPr>
-        <p:spPr>
-          <a:xfrm>
-            <a:off x="2361840" y="1857893"/>
-            <a:ext cx="0" cy="468000"/>
-          </a:xfrm>
-          <a:prstGeom prst="line">
-            <a:avLst/>
-          </a:prstGeom>
-        </p:spPr>
-        <p:style>
-          <a:lnRef idx="1">
-            <a:schemeClr val="accent1"/>
-          </a:lnRef>
-          <a:fillRef idx="0">
-            <a:schemeClr val="accent1"/>
-          </a:fillRef>
-          <a:effectRef idx="0">
-            <a:schemeClr val="accent1"/>
-          </a:effectRef>
-          <a:fontRef idx="minor">
-            <a:schemeClr val="tx1"/>
-          </a:fontRef>
-        </p:style>
-      </p:cxnSp>
-      <p:cxnSp>
-        <p:nvCxnSpPr>
-          <p:cNvPr id="23" name="直線矢印コネクタ 22">
-            <a:extLst>
-              <a:ext uri="{FF2B5EF4-FFF2-40B4-BE49-F238E27FC236}">
-                <a16:creationId xmlns:a16="http://schemas.microsoft.com/office/drawing/2014/main" id="{030085A7-1D41-498E-B850-02279D12C80E}"/>
-              </a:ext>
-            </a:extLst>
-          </p:cNvPr>
-          <p:cNvCxnSpPr/>
-          <p:nvPr/>
-        </p:nvCxnSpPr>
-        <p:spPr>
-          <a:xfrm>
-            <a:off x="1613540" y="1972637"/>
-            <a:ext cx="525696" cy="0"/>
-          </a:xfrm>
-          <a:prstGeom prst="straightConnector1">
-            <a:avLst/>
-          </a:prstGeom>
-          <a:ln>
-            <a:tailEnd type="triangle" w="lg" len="lg"/>
-          </a:ln>
-        </p:spPr>
-        <p:style>
-          <a:lnRef idx="1">
-            <a:schemeClr val="accent1"/>
-          </a:lnRef>
-          <a:fillRef idx="0">
-            <a:schemeClr val="accent1"/>
-          </a:fillRef>
-          <a:effectRef idx="0">
-            <a:schemeClr val="accent1"/>
-          </a:effectRef>
-          <a:fontRef idx="minor">
-            <a:schemeClr val="tx1"/>
-          </a:fontRef>
-        </p:style>
-      </p:cxnSp>
-      <p:cxnSp>
-        <p:nvCxnSpPr>
-          <p:cNvPr id="24" name="直線矢印コネクタ 23">
-            <a:extLst>
-              <a:ext uri="{FF2B5EF4-FFF2-40B4-BE49-F238E27FC236}">
-                <a16:creationId xmlns:a16="http://schemas.microsoft.com/office/drawing/2014/main" id="{CD4C849C-F257-4CAA-966C-5C2662D4F3F7}"/>
-              </a:ext>
-            </a:extLst>
-          </p:cNvPr>
-          <p:cNvCxnSpPr>
-            <a:cxnSpLocks/>
-          </p:cNvCxnSpPr>
-          <p:nvPr/>
-        </p:nvCxnSpPr>
-        <p:spPr>
-          <a:xfrm flipH="1">
-            <a:off x="2361836" y="1981201"/>
-            <a:ext cx="525696" cy="0"/>
-          </a:xfrm>
-          <a:prstGeom prst="straightConnector1">
-            <a:avLst/>
-          </a:prstGeom>
-          <a:ln>
-            <a:tailEnd type="triangle" w="lg" len="lg"/>
-          </a:ln>
-        </p:spPr>
-        <p:style>
-          <a:lnRef idx="1">
-            <a:schemeClr val="accent1"/>
-          </a:lnRef>
-          <a:fillRef idx="0">
-            <a:schemeClr val="accent1"/>
-          </a:fillRef>
-          <a:effectRef idx="0">
-            <a:schemeClr val="accent1"/>
-          </a:effectRef>
-          <a:fontRef idx="minor">
-            <a:schemeClr val="tx1"/>
-          </a:fontRef>
-        </p:style>
-      </p:cxnSp>
-      <p:sp>
-        <p:nvSpPr>
-          <p:cNvPr id="25" name="テキスト ボックス 24">
-            <a:extLst>
-              <a:ext uri="{FF2B5EF4-FFF2-40B4-BE49-F238E27FC236}">
-                <a16:creationId xmlns:a16="http://schemas.microsoft.com/office/drawing/2014/main" id="{C60D50AD-91A2-44AD-AC9E-98A4F88D2366}"/>
-              </a:ext>
-            </a:extLst>
-          </p:cNvPr>
-          <p:cNvSpPr txBox="1"/>
-          <p:nvPr/>
-        </p:nvSpPr>
-        <p:spPr>
-          <a:xfrm>
-            <a:off x="1319870" y="1702690"/>
-            <a:ext cx="435793" cy="523220"/>
-          </a:xfrm>
-          <a:prstGeom prst="rect">
-            <a:avLst/>
-          </a:prstGeom>
-          <a:noFill/>
-        </p:spPr>
-        <p:txBody>
-          <a:bodyPr wrap="square" rtlCol="0">
-            <a:spAutoFit/>
-          </a:bodyPr>
-          <a:lstStyle/>
-          <a:p>
-            <a:r>
-              <a:rPr lang="en-US" sz="2800" dirty="0"/>
-              <a:t>r</a:t>
-            </a:r>
-          </a:p>
-        </p:txBody>
-      </p:sp>
-      <p:sp>
-        <p:nvSpPr>
-          <p:cNvPr id="26" name="テキスト ボックス 25">
-            <a:extLst>
-              <a:ext uri="{FF2B5EF4-FFF2-40B4-BE49-F238E27FC236}">
-                <a16:creationId xmlns:a16="http://schemas.microsoft.com/office/drawing/2014/main" id="{16D33FDB-F8CE-406D-8865-513A02049D38}"/>
-              </a:ext>
-            </a:extLst>
-          </p:cNvPr>
-          <p:cNvSpPr txBox="1"/>
-          <p:nvPr/>
-        </p:nvSpPr>
-        <p:spPr>
-          <a:xfrm>
-            <a:off x="2427761" y="2512779"/>
-            <a:ext cx="435793" cy="523220"/>
-          </a:xfrm>
-          <a:prstGeom prst="rect">
-            <a:avLst/>
-          </a:prstGeom>
-          <a:noFill/>
-        </p:spPr>
-        <p:txBody>
-          <a:bodyPr wrap="square" rtlCol="0">
-            <a:spAutoFit/>
-          </a:bodyPr>
-          <a:lstStyle/>
-          <a:p>
-            <a:r>
-              <a:rPr lang="en-US" sz="2800" dirty="0">
-                <a:solidFill>
-                  <a:srgbClr val="FF0000"/>
-                </a:solidFill>
-              </a:rPr>
-              <a:t>M</a:t>
-            </a:r>
-          </a:p>
-        </p:txBody>
-      </p:sp>
-      <p:sp>
-        <p:nvSpPr>
-          <p:cNvPr id="42" name="円弧 41">
-            <a:extLst>
-              <a:ext uri="{FF2B5EF4-FFF2-40B4-BE49-F238E27FC236}">
-                <a16:creationId xmlns:a16="http://schemas.microsoft.com/office/drawing/2014/main" id="{9F57B048-A174-498D-B131-3C5346DA9DB5}"/>
-              </a:ext>
-            </a:extLst>
-          </p:cNvPr>
-          <p:cNvSpPr/>
-          <p:nvPr/>
-        </p:nvSpPr>
-        <p:spPr>
-          <a:xfrm flipH="1">
-            <a:off x="2208798" y="2149199"/>
-            <a:ext cx="435793" cy="476161"/>
-          </a:xfrm>
-          <a:prstGeom prst="arc">
-            <a:avLst>
-              <a:gd name="adj1" fmla="val 4879397"/>
-              <a:gd name="adj2" fmla="val 16452864"/>
-            </a:avLst>
-          </a:prstGeom>
-          <a:ln w="38100">
-            <a:solidFill>
-              <a:srgbClr val="FF0000"/>
-            </a:solidFill>
-            <a:headEnd type="none" w="lg" len="lg"/>
-            <a:tailEnd type="triangle" w="lg" len="lg"/>
-          </a:ln>
-        </p:spPr>
-        <p:style>
-          <a:lnRef idx="1">
-            <a:schemeClr val="accent1"/>
-          </a:lnRef>
-          <a:fillRef idx="0">
-            <a:schemeClr val="accent1"/>
-          </a:fillRef>
-          <a:effectRef idx="0">
-            <a:schemeClr val="accent1"/>
-          </a:effectRef>
-          <a:fontRef idx="minor">
-            <a:schemeClr val="tx1"/>
-          </a:fontRef>
-        </p:style>
-        <p:txBody>
-          <a:bodyPr rtlCol="0" anchor="ctr"/>
-          <a:lstStyle/>
-          <a:p>
-            <a:pPr algn="ctr"/>
-            <a:endParaRPr lang="en-US" b="1" dirty="0"/>
-          </a:p>
-        </p:txBody>
-      </p:sp>
-      <p:sp>
-        <p:nvSpPr>
-          <p:cNvPr id="48" name="テキスト ボックス 47">
-            <a:extLst>
-              <a:ext uri="{FF2B5EF4-FFF2-40B4-BE49-F238E27FC236}">
-                <a16:creationId xmlns:a16="http://schemas.microsoft.com/office/drawing/2014/main" id="{B930D934-1BDC-44A0-9E9F-E69D7ADD5DFC}"/>
-              </a:ext>
-            </a:extLst>
-          </p:cNvPr>
-          <p:cNvSpPr txBox="1"/>
-          <p:nvPr/>
-        </p:nvSpPr>
-        <p:spPr>
-          <a:xfrm>
-            <a:off x="1120791" y="2667774"/>
-            <a:ext cx="762316" cy="400110"/>
-          </a:xfrm>
-          <a:prstGeom prst="rect">
-            <a:avLst/>
-          </a:prstGeom>
-          <a:noFill/>
-          <a:ln>
-            <a:noFill/>
-          </a:ln>
-        </p:spPr>
-        <p:txBody>
-          <a:bodyPr wrap="square" rtlCol="0">
-            <a:spAutoFit/>
-          </a:bodyPr>
-          <a:lstStyle/>
-          <a:p>
-            <a:r>
-              <a:rPr lang="en-US" sz="2000" dirty="0">
+            </a:fontRef>
+          </p:style>
+        </p:cxnSp>
+        <p:grpSp>
+          <p:nvGrpSpPr>
+            <p:cNvPr id="3" name="グループ化 2"/>
+            <p:cNvGrpSpPr/>
+            <p:nvPr/>
+          </p:nvGrpSpPr>
+          <p:grpSpPr>
+            <a:xfrm>
+              <a:off x="1120791" y="1294532"/>
+              <a:ext cx="7802848" cy="2510374"/>
+              <a:chOff x="1120791" y="1294532"/>
+              <a:chExt cx="7802848" cy="2510374"/>
+            </a:xfrm>
+          </p:grpSpPr>
+          <p:sp>
+            <p:nvSpPr>
+              <p:cNvPr id="51" name="テキスト ボックス 50">
+                <a:extLst>
+                  <a:ext uri="{FF2B5EF4-FFF2-40B4-BE49-F238E27FC236}">
+                    <a16:creationId xmlns:a16="http://schemas.microsoft.com/office/drawing/2014/main" id="{3E9CB4A5-DAAA-49B8-B36B-EB6B4B68E300}"/>
+                  </a:ext>
+                </a:extLst>
+              </p:cNvPr>
+              <p:cNvSpPr txBox="1"/>
+              <p:nvPr/>
+            </p:nvSpPr>
+            <p:spPr>
+              <a:xfrm>
+                <a:off x="6793137" y="2833964"/>
+                <a:ext cx="2130502" cy="523220"/>
+              </a:xfrm>
+              <a:prstGeom prst="rect">
+                <a:avLst/>
+              </a:prstGeom>
+              <a:noFill/>
+            </p:spPr>
+            <p:txBody>
+              <a:bodyPr wrap="square" rtlCol="0">
+                <a:spAutoFit/>
+              </a:bodyPr>
+              <a:lstStyle/>
+              <a:p>
+                <a:r>
+                  <a:rPr lang="en-US" sz="2800" dirty="0" err="1">
+                    <a:latin typeface="Symbol" panose="05050102010706020507" pitchFamily="18" charset="2"/>
+                  </a:rPr>
+                  <a:t>q</a:t>
+                </a:r>
+                <a:r>
+                  <a:rPr lang="en-US" sz="2800" baseline="-25000" dirty="0" err="1"/>
+                  <a:t>x</a:t>
+                </a:r>
+                <a:r>
+                  <a:rPr lang="en-US" sz="2800" dirty="0"/>
+                  <a:t> = 0</a:t>
+                </a:r>
+                <a:endParaRPr lang="en-US" dirty="0"/>
+              </a:p>
+            </p:txBody>
+          </p:sp>
+          <p:sp>
+            <p:nvSpPr>
+              <p:cNvPr id="56" name="テキスト ボックス 55">
+                <a:extLst>
+                  <a:ext uri="{FF2B5EF4-FFF2-40B4-BE49-F238E27FC236}">
+                    <a16:creationId xmlns:a16="http://schemas.microsoft.com/office/drawing/2014/main" id="{B930D934-1BDC-44A0-9E9F-E69D7ADD5DFC}"/>
+                  </a:ext>
+                </a:extLst>
+              </p:cNvPr>
+              <p:cNvSpPr txBox="1"/>
+              <p:nvPr/>
+            </p:nvSpPr>
+            <p:spPr>
+              <a:xfrm>
+                <a:off x="8030278" y="1714032"/>
+                <a:ext cx="762316" cy="400110"/>
+              </a:xfrm>
+              <a:prstGeom prst="rect">
+                <a:avLst/>
+              </a:prstGeom>
+              <a:noFill/>
+              <a:ln>
+                <a:noFill/>
+              </a:ln>
+            </p:spPr>
+            <p:txBody>
+              <a:bodyPr wrap="square" rtlCol="0">
+                <a:spAutoFit/>
+              </a:bodyPr>
+              <a:lstStyle/>
+              <a:p>
+                <a:r>
+                  <a:rPr lang="en-US" sz="2000" dirty="0">
+                    <a:solidFill>
+                      <a:srgbClr val="0070C0"/>
+                    </a:solidFill>
+                  </a:rPr>
+                  <a:t>m2</a:t>
+                </a:r>
+              </a:p>
+            </p:txBody>
+          </p:sp>
+          <p:sp>
+            <p:nvSpPr>
+              <p:cNvPr id="61" name="円弧 60">
+                <a:extLst>
+                  <a:ext uri="{FF2B5EF4-FFF2-40B4-BE49-F238E27FC236}">
+                    <a16:creationId xmlns:a16="http://schemas.microsoft.com/office/drawing/2014/main" id="{00B66DFE-51F7-4D7F-BB2E-2F436B5503A9}"/>
+                  </a:ext>
+                </a:extLst>
+              </p:cNvPr>
+              <p:cNvSpPr/>
+              <p:nvPr/>
+            </p:nvSpPr>
+            <p:spPr>
+              <a:xfrm>
+                <a:off x="8286175" y="2264489"/>
+                <a:ext cx="435793" cy="476161"/>
+              </a:xfrm>
+              <a:prstGeom prst="arc">
+                <a:avLst>
+                  <a:gd name="adj1" fmla="val 4879397"/>
+                  <a:gd name="adj2" fmla="val 16452864"/>
+                </a:avLst>
+              </a:prstGeom>
+              <a:ln w="38100">
                 <a:solidFill>
                   <a:srgbClr val="0070C0"/>
                 </a:solidFill>
-              </a:rPr>
-              <a:t>m1</a:t>
-            </a:r>
-          </a:p>
-        </p:txBody>
-      </p:sp>
-      <p:sp>
-        <p:nvSpPr>
-          <p:cNvPr id="49" name="円弧 48">
-            <a:extLst>
-              <a:ext uri="{FF2B5EF4-FFF2-40B4-BE49-F238E27FC236}">
-                <a16:creationId xmlns:a16="http://schemas.microsoft.com/office/drawing/2014/main" id="{00B66DFE-51F7-4D7F-BB2E-2F436B5503A9}"/>
-              </a:ext>
-            </a:extLst>
-          </p:cNvPr>
-          <p:cNvSpPr/>
-          <p:nvPr/>
-        </p:nvSpPr>
-        <p:spPr>
-          <a:xfrm>
-            <a:off x="1419078" y="2144554"/>
-            <a:ext cx="435793" cy="476161"/>
-          </a:xfrm>
-          <a:prstGeom prst="arc">
-            <a:avLst>
-              <a:gd name="adj1" fmla="val 4879397"/>
-              <a:gd name="adj2" fmla="val 16452864"/>
-            </a:avLst>
-          </a:prstGeom>
-          <a:ln w="38100">
-            <a:solidFill>
-              <a:srgbClr val="0070C0"/>
-            </a:solidFill>
-            <a:headEnd type="none" w="lg" len="lg"/>
-            <a:tailEnd type="triangle" w="lg" len="lg"/>
-          </a:ln>
-        </p:spPr>
-        <p:style>
-          <a:lnRef idx="1">
-            <a:schemeClr val="accent1"/>
-          </a:lnRef>
-          <a:fillRef idx="0">
-            <a:schemeClr val="accent1"/>
-          </a:fillRef>
-          <a:effectRef idx="0">
-            <a:schemeClr val="accent1"/>
-          </a:effectRef>
-          <a:fontRef idx="minor">
-            <a:schemeClr val="tx1"/>
-          </a:fontRef>
-        </p:style>
-        <p:txBody>
-          <a:bodyPr rtlCol="0" anchor="ctr"/>
-          <a:lstStyle/>
-          <a:p>
-            <a:pPr algn="ctr"/>
-            <a:endParaRPr lang="en-US" b="1" dirty="0">
-              <a:solidFill>
-                <a:srgbClr val="0070C0"/>
-              </a:solidFill>
-            </a:endParaRPr>
-          </a:p>
-        </p:txBody>
-      </p:sp>
-      <p:sp>
-        <p:nvSpPr>
-          <p:cNvPr id="50" name="正方形/長方形 49">
-            <a:extLst>
-              <a:ext uri="{FF2B5EF4-FFF2-40B4-BE49-F238E27FC236}">
-                <a16:creationId xmlns:a16="http://schemas.microsoft.com/office/drawing/2014/main" id="{FA8FC349-0A1A-4DC1-9A32-F2B72CED2998}"/>
-              </a:ext>
-            </a:extLst>
-          </p:cNvPr>
-          <p:cNvSpPr/>
-          <p:nvPr/>
-        </p:nvSpPr>
-        <p:spPr>
-          <a:xfrm>
-            <a:off x="7624135" y="2208965"/>
-            <a:ext cx="101027" cy="531685"/>
-          </a:xfrm>
-          <a:prstGeom prst="rect">
-            <a:avLst/>
-          </a:prstGeom>
-          <a:solidFill>
-            <a:schemeClr val="bg1"/>
-          </a:solidFill>
-          <a:ln w="19050">
-            <a:solidFill>
-              <a:schemeClr val="tx1"/>
-            </a:solidFill>
-          </a:ln>
-        </p:spPr>
-        <p:style>
-          <a:lnRef idx="2">
-            <a:schemeClr val="accent1">
-              <a:shade val="50000"/>
-            </a:schemeClr>
-          </a:lnRef>
-          <a:fillRef idx="1">
-            <a:schemeClr val="accent1"/>
-          </a:fillRef>
-          <a:effectRef idx="0">
-            <a:schemeClr val="accent1"/>
-          </a:effectRef>
-          <a:fontRef idx="minor">
-            <a:schemeClr val="lt1"/>
-          </a:fontRef>
-        </p:style>
-        <p:txBody>
-          <a:bodyPr rtlCol="0" anchor="ctr"/>
-          <a:lstStyle/>
-          <a:p>
-            <a:pPr algn="ctr"/>
-            <a:endParaRPr lang="en-US"/>
-          </a:p>
-        </p:txBody>
-      </p:sp>
-      <p:sp>
-        <p:nvSpPr>
-          <p:cNvPr id="51" name="テキスト ボックス 50">
-            <a:extLst>
-              <a:ext uri="{FF2B5EF4-FFF2-40B4-BE49-F238E27FC236}">
-                <a16:creationId xmlns:a16="http://schemas.microsoft.com/office/drawing/2014/main" id="{3E9CB4A5-DAAA-49B8-B36B-EB6B4B68E300}"/>
-              </a:ext>
-            </a:extLst>
-          </p:cNvPr>
-          <p:cNvSpPr txBox="1"/>
-          <p:nvPr/>
-        </p:nvSpPr>
-        <p:spPr>
-          <a:xfrm>
-            <a:off x="6793137" y="2833964"/>
-            <a:ext cx="2130502" cy="523220"/>
-          </a:xfrm>
-          <a:prstGeom prst="rect">
-            <a:avLst/>
-          </a:prstGeom>
-          <a:noFill/>
-        </p:spPr>
-        <p:txBody>
-          <a:bodyPr wrap="square" rtlCol="0">
-            <a:spAutoFit/>
-          </a:bodyPr>
-          <a:lstStyle/>
-          <a:p>
-            <a:r>
-              <a:rPr lang="en-US" sz="2800" dirty="0" err="1">
-                <a:latin typeface="Symbol" panose="05050102010706020507" pitchFamily="18" charset="2"/>
-              </a:rPr>
-              <a:t>q</a:t>
-            </a:r>
-            <a:r>
-              <a:rPr lang="en-US" sz="2800" baseline="-25000" dirty="0" err="1"/>
-              <a:t>x</a:t>
-            </a:r>
-            <a:r>
-              <a:rPr lang="en-US" sz="2800" dirty="0"/>
-              <a:t> = 0</a:t>
-            </a:r>
-            <a:endParaRPr lang="en-US" dirty="0"/>
-          </a:p>
-        </p:txBody>
-      </p:sp>
-      <p:sp>
-        <p:nvSpPr>
-          <p:cNvPr id="52" name="楕円 51">
-            <a:extLst>
-              <a:ext uri="{FF2B5EF4-FFF2-40B4-BE49-F238E27FC236}">
-                <a16:creationId xmlns:a16="http://schemas.microsoft.com/office/drawing/2014/main" id="{07295F35-8654-4CBB-9B43-F203FC0F1C6F}"/>
-              </a:ext>
-            </a:extLst>
-          </p:cNvPr>
-          <p:cNvSpPr/>
-          <p:nvPr/>
-        </p:nvSpPr>
-        <p:spPr>
-          <a:xfrm>
-            <a:off x="1786335" y="2387279"/>
-            <a:ext cx="246579" cy="208055"/>
-          </a:xfrm>
-          <a:prstGeom prst="ellipse">
-            <a:avLst/>
-          </a:prstGeom>
-          <a:solidFill>
-            <a:schemeClr val="bg1"/>
-          </a:solidFill>
-          <a:ln w="19050">
-            <a:solidFill>
-              <a:schemeClr val="tx1"/>
-            </a:solidFill>
-          </a:ln>
-        </p:spPr>
-        <p:style>
-          <a:lnRef idx="2">
-            <a:schemeClr val="accent1">
-              <a:shade val="50000"/>
-            </a:schemeClr>
-          </a:lnRef>
-          <a:fillRef idx="1">
-            <a:schemeClr val="accent1"/>
-          </a:fillRef>
-          <a:effectRef idx="0">
-            <a:schemeClr val="accent1"/>
-          </a:effectRef>
-          <a:fontRef idx="minor">
-            <a:schemeClr val="lt1"/>
-          </a:fontRef>
-        </p:style>
-        <p:txBody>
-          <a:bodyPr rtlCol="0" anchor="ctr"/>
-          <a:lstStyle/>
-          <a:p>
-            <a:pPr algn="ctr"/>
-            <a:endParaRPr lang="en-US"/>
-          </a:p>
-        </p:txBody>
-      </p:sp>
-      <p:sp>
-        <p:nvSpPr>
-          <p:cNvPr id="53" name="楕円 52">
-            <a:extLst>
-              <a:ext uri="{FF2B5EF4-FFF2-40B4-BE49-F238E27FC236}">
-                <a16:creationId xmlns:a16="http://schemas.microsoft.com/office/drawing/2014/main" id="{07295F35-8654-4CBB-9B43-F203FC0F1C6F}"/>
-              </a:ext>
-            </a:extLst>
-          </p:cNvPr>
-          <p:cNvSpPr/>
-          <p:nvPr/>
-        </p:nvSpPr>
-        <p:spPr>
-          <a:xfrm>
-            <a:off x="1785842" y="2091893"/>
-            <a:ext cx="246579" cy="208055"/>
-          </a:xfrm>
-          <a:prstGeom prst="ellipse">
-            <a:avLst/>
-          </a:prstGeom>
-          <a:solidFill>
-            <a:schemeClr val="bg1"/>
-          </a:solidFill>
-          <a:ln w="19050">
-            <a:solidFill>
-              <a:schemeClr val="tx1"/>
-            </a:solidFill>
-          </a:ln>
-        </p:spPr>
-        <p:style>
-          <a:lnRef idx="2">
-            <a:schemeClr val="accent1">
-              <a:shade val="50000"/>
-            </a:schemeClr>
-          </a:lnRef>
-          <a:fillRef idx="1">
-            <a:schemeClr val="accent1"/>
-          </a:fillRef>
-          <a:effectRef idx="0">
-            <a:schemeClr val="accent1"/>
-          </a:effectRef>
-          <a:fontRef idx="minor">
-            <a:schemeClr val="lt1"/>
-          </a:fontRef>
-        </p:style>
-        <p:txBody>
-          <a:bodyPr rtlCol="0" anchor="ctr"/>
-          <a:lstStyle/>
-          <a:p>
-            <a:pPr algn="ctr"/>
-            <a:endParaRPr lang="en-US"/>
-          </a:p>
-        </p:txBody>
-      </p:sp>
-      <p:sp>
-        <p:nvSpPr>
-          <p:cNvPr id="56" name="テキスト ボックス 55">
-            <a:extLst>
-              <a:ext uri="{FF2B5EF4-FFF2-40B4-BE49-F238E27FC236}">
-                <a16:creationId xmlns:a16="http://schemas.microsoft.com/office/drawing/2014/main" id="{B930D934-1BDC-44A0-9E9F-E69D7ADD5DFC}"/>
-              </a:ext>
-            </a:extLst>
-          </p:cNvPr>
-          <p:cNvSpPr txBox="1"/>
-          <p:nvPr/>
-        </p:nvSpPr>
-        <p:spPr>
-          <a:xfrm>
-            <a:off x="8030278" y="1714032"/>
-            <a:ext cx="762316" cy="400110"/>
-          </a:xfrm>
-          <a:prstGeom prst="rect">
-            <a:avLst/>
-          </a:prstGeom>
-          <a:noFill/>
-          <a:ln>
-            <a:noFill/>
-          </a:ln>
-        </p:spPr>
-        <p:txBody>
-          <a:bodyPr wrap="square" rtlCol="0">
-            <a:spAutoFit/>
-          </a:bodyPr>
-          <a:lstStyle/>
-          <a:p>
-            <a:r>
-              <a:rPr lang="en-US" sz="2000" dirty="0">
+                <a:headEnd type="none" w="lg" len="lg"/>
+                <a:tailEnd type="triangle" w="lg" len="lg"/>
+              </a:ln>
+            </p:spPr>
+            <p:style>
+              <a:lnRef idx="1">
+                <a:schemeClr val="accent1"/>
+              </a:lnRef>
+              <a:fillRef idx="0">
+                <a:schemeClr val="accent1"/>
+              </a:fillRef>
+              <a:effectRef idx="0">
+                <a:schemeClr val="accent1"/>
+              </a:effectRef>
+              <a:fontRef idx="minor">
+                <a:schemeClr val="tx1"/>
+              </a:fontRef>
+            </p:style>
+            <p:txBody>
+              <a:bodyPr rtlCol="0" anchor="ctr"/>
+              <a:lstStyle/>
+              <a:p>
+                <a:pPr algn="ctr"/>
+                <a:endParaRPr lang="en-US" b="1" dirty="0">
+                  <a:solidFill>
+                    <a:srgbClr val="0070C0"/>
+                  </a:solidFill>
+                </a:endParaRPr>
+              </a:p>
+            </p:txBody>
+          </p:sp>
+          <p:grpSp>
+            <p:nvGrpSpPr>
+              <p:cNvPr id="2" name="グループ化 1"/>
+              <p:cNvGrpSpPr/>
+              <p:nvPr/>
+            </p:nvGrpSpPr>
+            <p:grpSpPr>
+              <a:xfrm>
+                <a:off x="1120791" y="1294532"/>
+                <a:ext cx="6862874" cy="2510374"/>
+                <a:chOff x="1120791" y="1294532"/>
+                <a:chExt cx="6862874" cy="2510374"/>
+              </a:xfrm>
+            </p:grpSpPr>
+            <p:cxnSp>
+              <p:nvCxnSpPr>
+                <p:cNvPr id="4" name="直線コネクタ 3">
+                  <a:extLst>
+                    <a:ext uri="{FF2B5EF4-FFF2-40B4-BE49-F238E27FC236}">
+                      <a16:creationId xmlns:a16="http://schemas.microsoft.com/office/drawing/2014/main" id="{3CD1C8E3-45F2-44CD-B6EE-98D55282B5DE}"/>
+                    </a:ext>
+                  </a:extLst>
+                </p:cNvPr>
+                <p:cNvCxnSpPr/>
+                <p:nvPr/>
+              </p:nvCxnSpPr>
+              <p:spPr>
+                <a:xfrm>
+                  <a:off x="2178619" y="2404141"/>
+                  <a:ext cx="5465851" cy="0"/>
+                </a:xfrm>
+                <a:prstGeom prst="line">
+                  <a:avLst/>
+                </a:prstGeom>
+                <a:ln w="38100">
+                  <a:solidFill>
+                    <a:schemeClr val="tx1"/>
+                  </a:solidFill>
+                </a:ln>
+              </p:spPr>
+              <p:style>
+                <a:lnRef idx="1">
+                  <a:schemeClr val="accent1"/>
+                </a:lnRef>
+                <a:fillRef idx="0">
+                  <a:schemeClr val="accent1"/>
+                </a:fillRef>
+                <a:effectRef idx="0">
+                  <a:schemeClr val="accent1"/>
+                </a:effectRef>
+                <a:fontRef idx="minor">
+                  <a:schemeClr val="tx1"/>
+                </a:fontRef>
+              </p:style>
+            </p:cxnSp>
+            <p:cxnSp>
+              <p:nvCxnSpPr>
+                <p:cNvPr id="8" name="直線コネクタ 7">
+                  <a:extLst>
+                    <a:ext uri="{FF2B5EF4-FFF2-40B4-BE49-F238E27FC236}">
+                      <a16:creationId xmlns:a16="http://schemas.microsoft.com/office/drawing/2014/main" id="{AACE190F-1D8D-4A68-87CB-FA2258938F6C}"/>
+                    </a:ext>
+                  </a:extLst>
+                </p:cNvPr>
+                <p:cNvCxnSpPr/>
+                <p:nvPr/>
+              </p:nvCxnSpPr>
+              <p:spPr>
+                <a:xfrm>
+                  <a:off x="2178618" y="1294532"/>
+                  <a:ext cx="0" cy="883578"/>
+                </a:xfrm>
+                <a:prstGeom prst="line">
+                  <a:avLst/>
+                </a:prstGeom>
+              </p:spPr>
+              <p:style>
+                <a:lnRef idx="1">
+                  <a:schemeClr val="accent1"/>
+                </a:lnRef>
+                <a:fillRef idx="0">
+                  <a:schemeClr val="accent1"/>
+                </a:fillRef>
+                <a:effectRef idx="0">
+                  <a:schemeClr val="accent1"/>
+                </a:effectRef>
+                <a:fontRef idx="minor">
+                  <a:schemeClr val="tx1"/>
+                </a:fontRef>
+              </p:style>
+            </p:cxnSp>
+            <p:cxnSp>
+              <p:nvCxnSpPr>
+                <p:cNvPr id="9" name="直線コネクタ 8">
+                  <a:extLst>
+                    <a:ext uri="{FF2B5EF4-FFF2-40B4-BE49-F238E27FC236}">
+                      <a16:creationId xmlns:a16="http://schemas.microsoft.com/office/drawing/2014/main" id="{2C563AF7-92C7-4996-9E68-3B55739E060A}"/>
+                    </a:ext>
+                  </a:extLst>
+                </p:cNvPr>
+                <p:cNvCxnSpPr/>
+                <p:nvPr/>
+              </p:nvCxnSpPr>
+              <p:spPr>
+                <a:xfrm>
+                  <a:off x="7644470" y="1304806"/>
+                  <a:ext cx="0" cy="883578"/>
+                </a:xfrm>
+                <a:prstGeom prst="line">
+                  <a:avLst/>
+                </a:prstGeom>
+              </p:spPr>
+              <p:style>
+                <a:lnRef idx="1">
+                  <a:schemeClr val="accent1"/>
+                </a:lnRef>
+                <a:fillRef idx="0">
+                  <a:schemeClr val="accent1"/>
+                </a:fillRef>
+                <a:effectRef idx="0">
+                  <a:schemeClr val="accent1"/>
+                </a:effectRef>
+                <a:fontRef idx="minor">
+                  <a:schemeClr val="tx1"/>
+                </a:fontRef>
+              </p:style>
+            </p:cxnSp>
+            <p:cxnSp>
+              <p:nvCxnSpPr>
+                <p:cNvPr id="10" name="直線矢印コネクタ 9">
+                  <a:extLst>
+                    <a:ext uri="{FF2B5EF4-FFF2-40B4-BE49-F238E27FC236}">
+                      <a16:creationId xmlns:a16="http://schemas.microsoft.com/office/drawing/2014/main" id="{90E48464-C16D-41DE-BE95-26C8E94E0B8F}"/>
+                    </a:ext>
+                  </a:extLst>
+                </p:cNvPr>
+                <p:cNvCxnSpPr/>
+                <p:nvPr/>
+              </p:nvCxnSpPr>
+              <p:spPr>
+                <a:xfrm>
+                  <a:off x="2178618" y="1736321"/>
+                  <a:ext cx="5465852" cy="0"/>
+                </a:xfrm>
+                <a:prstGeom prst="straightConnector1">
+                  <a:avLst/>
+                </a:prstGeom>
+                <a:ln>
+                  <a:headEnd type="triangle" w="lg" len="lg"/>
+                  <a:tailEnd type="triangle" w="lg" len="lg"/>
+                </a:ln>
+              </p:spPr>
+              <p:style>
+                <a:lnRef idx="1">
+                  <a:schemeClr val="accent1"/>
+                </a:lnRef>
+                <a:fillRef idx="0">
+                  <a:schemeClr val="accent1"/>
+                </a:fillRef>
+                <a:effectRef idx="0">
+                  <a:schemeClr val="accent1"/>
+                </a:effectRef>
+                <a:fontRef idx="minor">
+                  <a:schemeClr val="tx1"/>
+                </a:fontRef>
+              </p:style>
+            </p:cxnSp>
+            <p:sp>
+              <p:nvSpPr>
+                <p:cNvPr id="11" name="テキスト ボックス 10">
+                  <a:extLst>
+                    <a:ext uri="{FF2B5EF4-FFF2-40B4-BE49-F238E27FC236}">
+                      <a16:creationId xmlns:a16="http://schemas.microsoft.com/office/drawing/2014/main" id="{9DBD36F3-FED0-4AF3-9B5D-621122A83677}"/>
+                    </a:ext>
+                  </a:extLst>
+                </p:cNvPr>
+                <p:cNvSpPr txBox="1"/>
+                <p:nvPr/>
+              </p:nvSpPr>
+              <p:spPr>
+                <a:xfrm>
+                  <a:off x="4325917" y="1294532"/>
+                  <a:ext cx="739740" cy="523220"/>
+                </a:xfrm>
+                <a:prstGeom prst="rect">
+                  <a:avLst/>
+                </a:prstGeom>
+                <a:noFill/>
+              </p:spPr>
+              <p:txBody>
+                <a:bodyPr wrap="square" rtlCol="0">
+                  <a:spAutoFit/>
+                </a:bodyPr>
+                <a:lstStyle/>
+                <a:p>
+                  <a:pPr algn="ctr"/>
+                  <a:r>
+                    <a:rPr lang="en-US" sz="2800" dirty="0"/>
+                    <a:t>L</a:t>
+                  </a:r>
+                </a:p>
+              </p:txBody>
+            </p:sp>
+            <p:sp>
+              <p:nvSpPr>
+                <p:cNvPr id="17" name="テキスト ボックス 16">
+                  <a:extLst>
+                    <a:ext uri="{FF2B5EF4-FFF2-40B4-BE49-F238E27FC236}">
+                      <a16:creationId xmlns:a16="http://schemas.microsoft.com/office/drawing/2014/main" id="{3E9CB4A5-DAAA-49B8-B36B-EB6B4B68E300}"/>
+                    </a:ext>
+                  </a:extLst>
+                </p:cNvPr>
+                <p:cNvSpPr txBox="1"/>
+                <p:nvPr/>
+              </p:nvSpPr>
+              <p:spPr>
+                <a:xfrm>
+                  <a:off x="1330552" y="3281686"/>
+                  <a:ext cx="1485526" cy="523220"/>
+                </a:xfrm>
+                <a:prstGeom prst="rect">
+                  <a:avLst/>
+                </a:prstGeom>
+                <a:noFill/>
+              </p:spPr>
+              <p:txBody>
+                <a:bodyPr wrap="square" rtlCol="0">
+                  <a:spAutoFit/>
+                </a:bodyPr>
+                <a:lstStyle/>
+                <a:p>
+                  <a:r>
+                    <a:rPr lang="en-US" sz="2800" dirty="0" err="1">
+                      <a:latin typeface="Symbol" panose="05050102010706020507" pitchFamily="18" charset="2"/>
+                    </a:rPr>
+                    <a:t>d</a:t>
+                  </a:r>
+                  <a:r>
+                    <a:rPr lang="en-US" sz="2800" baseline="-25000" dirty="0" err="1"/>
+                    <a:t>Y</a:t>
+                  </a:r>
+                  <a:r>
+                    <a:rPr lang="en-US" sz="2800" baseline="-25000" dirty="0"/>
+                    <a:t> </a:t>
+                  </a:r>
+                  <a:r>
+                    <a:rPr lang="en-US" sz="2800" dirty="0"/>
+                    <a:t>,</a:t>
+                  </a:r>
+                  <a:r>
+                    <a:rPr lang="en-US" sz="2800" dirty="0" err="1">
+                      <a:latin typeface="Symbol" panose="05050102010706020507" pitchFamily="18" charset="2"/>
+                    </a:rPr>
+                    <a:t>q</a:t>
+                  </a:r>
+                  <a:r>
+                    <a:rPr lang="en-US" sz="2800" baseline="-25000" dirty="0" err="1"/>
+                    <a:t>x</a:t>
+                  </a:r>
+                  <a:r>
+                    <a:rPr lang="en-US" sz="2800" dirty="0"/>
+                    <a:t> = 0</a:t>
+                  </a:r>
+                  <a:endParaRPr lang="en-US" dirty="0"/>
+                </a:p>
+              </p:txBody>
+            </p:sp>
+            <p:sp>
+              <p:nvSpPr>
+                <p:cNvPr id="19" name="正方形/長方形 18">
+                  <a:extLst>
+                    <a:ext uri="{FF2B5EF4-FFF2-40B4-BE49-F238E27FC236}">
+                      <a16:creationId xmlns:a16="http://schemas.microsoft.com/office/drawing/2014/main" id="{FA8FC349-0A1A-4DC1-9A32-F2B72CED2998}"/>
+                    </a:ext>
+                  </a:extLst>
+                </p:cNvPr>
+                <p:cNvSpPr/>
+                <p:nvPr/>
+              </p:nvSpPr>
+              <p:spPr>
+                <a:xfrm>
+                  <a:off x="2042980" y="2113408"/>
+                  <a:ext cx="101027" cy="531685"/>
+                </a:xfrm>
+                <a:prstGeom prst="rect">
+                  <a:avLst/>
+                </a:prstGeom>
                 <a:solidFill>
-                  <a:srgbClr val="0070C0"/>
+                  <a:schemeClr val="bg1"/>
                 </a:solidFill>
-              </a:rPr>
-              <a:t>m2</a:t>
-            </a:r>
-          </a:p>
-        </p:txBody>
-      </p:sp>
-      <p:sp>
-        <p:nvSpPr>
-          <p:cNvPr id="61" name="円弧 60">
-            <a:extLst>
-              <a:ext uri="{FF2B5EF4-FFF2-40B4-BE49-F238E27FC236}">
-                <a16:creationId xmlns:a16="http://schemas.microsoft.com/office/drawing/2014/main" id="{00B66DFE-51F7-4D7F-BB2E-2F436B5503A9}"/>
-              </a:ext>
-            </a:extLst>
-          </p:cNvPr>
-          <p:cNvSpPr/>
-          <p:nvPr/>
-        </p:nvSpPr>
-        <p:spPr>
-          <a:xfrm>
-            <a:off x="8286175" y="2264489"/>
-            <a:ext cx="435793" cy="476161"/>
-          </a:xfrm>
-          <a:prstGeom prst="arc">
-            <a:avLst>
-              <a:gd name="adj1" fmla="val 4879397"/>
-              <a:gd name="adj2" fmla="val 16452864"/>
-            </a:avLst>
-          </a:prstGeom>
-          <a:ln w="38100">
-            <a:solidFill>
-              <a:srgbClr val="0070C0"/>
-            </a:solidFill>
-            <a:headEnd type="none" w="lg" len="lg"/>
-            <a:tailEnd type="triangle" w="lg" len="lg"/>
-          </a:ln>
-        </p:spPr>
-        <p:style>
-          <a:lnRef idx="1">
-            <a:schemeClr val="accent1"/>
-          </a:lnRef>
-          <a:fillRef idx="0">
-            <a:schemeClr val="accent1"/>
-          </a:fillRef>
-          <a:effectRef idx="0">
-            <a:schemeClr val="accent1"/>
-          </a:effectRef>
-          <a:fontRef idx="minor">
-            <a:schemeClr val="tx1"/>
-          </a:fontRef>
-        </p:style>
-        <p:txBody>
-          <a:bodyPr rtlCol="0" anchor="ctr"/>
-          <a:lstStyle/>
-          <a:p>
-            <a:pPr algn="ctr"/>
-            <a:endParaRPr lang="en-US" b="1" dirty="0">
-              <a:solidFill>
-                <a:srgbClr val="0070C0"/>
-              </a:solidFill>
-            </a:endParaRPr>
-          </a:p>
-        </p:txBody>
-      </p:sp>
-      <p:sp>
-        <p:nvSpPr>
-          <p:cNvPr id="64" name="楕円 63">
-            <a:extLst>
-              <a:ext uri="{FF2B5EF4-FFF2-40B4-BE49-F238E27FC236}">
-                <a16:creationId xmlns:a16="http://schemas.microsoft.com/office/drawing/2014/main" id="{07295F35-8654-4CBB-9B43-F203FC0F1C6F}"/>
-              </a:ext>
-            </a:extLst>
-          </p:cNvPr>
-          <p:cNvSpPr/>
-          <p:nvPr/>
-        </p:nvSpPr>
-        <p:spPr>
-          <a:xfrm>
-            <a:off x="7737086" y="2213306"/>
-            <a:ext cx="246579" cy="208055"/>
-          </a:xfrm>
-          <a:prstGeom prst="ellipse">
-            <a:avLst/>
-          </a:prstGeom>
-          <a:solidFill>
-            <a:schemeClr val="bg1"/>
-          </a:solidFill>
-          <a:ln w="19050">
-            <a:solidFill>
-              <a:schemeClr val="tx1"/>
-            </a:solidFill>
-          </a:ln>
-        </p:spPr>
-        <p:style>
-          <a:lnRef idx="2">
-            <a:schemeClr val="accent1">
-              <a:shade val="50000"/>
-            </a:schemeClr>
-          </a:lnRef>
-          <a:fillRef idx="1">
-            <a:schemeClr val="accent1"/>
-          </a:fillRef>
-          <a:effectRef idx="0">
-            <a:schemeClr val="accent1"/>
-          </a:effectRef>
-          <a:fontRef idx="minor">
-            <a:schemeClr val="lt1"/>
-          </a:fontRef>
-        </p:style>
-        <p:txBody>
-          <a:bodyPr rtlCol="0" anchor="ctr"/>
-          <a:lstStyle/>
-          <a:p>
-            <a:pPr algn="ctr"/>
-            <a:endParaRPr lang="en-US"/>
-          </a:p>
-        </p:txBody>
-      </p:sp>
-      <p:sp>
-        <p:nvSpPr>
-          <p:cNvPr id="65" name="楕円 64">
-            <a:extLst>
-              <a:ext uri="{FF2B5EF4-FFF2-40B4-BE49-F238E27FC236}">
-                <a16:creationId xmlns:a16="http://schemas.microsoft.com/office/drawing/2014/main" id="{07295F35-8654-4CBB-9B43-F203FC0F1C6F}"/>
-              </a:ext>
-            </a:extLst>
-          </p:cNvPr>
-          <p:cNvSpPr/>
-          <p:nvPr/>
-        </p:nvSpPr>
-        <p:spPr>
-          <a:xfrm>
-            <a:off x="7725162" y="2512779"/>
-            <a:ext cx="246579" cy="208055"/>
-          </a:xfrm>
-          <a:prstGeom prst="ellipse">
-            <a:avLst/>
-          </a:prstGeom>
-          <a:solidFill>
-            <a:schemeClr val="bg1"/>
-          </a:solidFill>
-          <a:ln w="19050">
-            <a:solidFill>
-              <a:schemeClr val="tx1"/>
-            </a:solidFill>
-          </a:ln>
-        </p:spPr>
-        <p:style>
-          <a:lnRef idx="2">
-            <a:schemeClr val="accent1">
-              <a:shade val="50000"/>
-            </a:schemeClr>
-          </a:lnRef>
-          <a:fillRef idx="1">
-            <a:schemeClr val="accent1"/>
-          </a:fillRef>
-          <a:effectRef idx="0">
-            <a:schemeClr val="accent1"/>
-          </a:effectRef>
-          <a:fontRef idx="minor">
-            <a:schemeClr val="lt1"/>
-          </a:fontRef>
-        </p:style>
-        <p:txBody>
-          <a:bodyPr rtlCol="0" anchor="ctr"/>
-          <a:lstStyle/>
-          <a:p>
-            <a:pPr algn="ctr"/>
-            <a:endParaRPr lang="en-US"/>
-          </a:p>
-        </p:txBody>
-      </p:sp>
+                <a:ln w="19050">
+                  <a:solidFill>
+                    <a:schemeClr val="tx1"/>
+                  </a:solidFill>
+                </a:ln>
+              </p:spPr>
+              <p:style>
+                <a:lnRef idx="2">
+                  <a:schemeClr val="accent1">
+                    <a:shade val="50000"/>
+                  </a:schemeClr>
+                </a:lnRef>
+                <a:fillRef idx="1">
+                  <a:schemeClr val="accent1"/>
+                </a:fillRef>
+                <a:effectRef idx="0">
+                  <a:schemeClr val="accent1"/>
+                </a:effectRef>
+                <a:fontRef idx="minor">
+                  <a:schemeClr val="lt1"/>
+                </a:fontRef>
+              </p:style>
+              <p:txBody>
+                <a:bodyPr rtlCol="0" anchor="ctr"/>
+                <a:lstStyle/>
+                <a:p>
+                  <a:pPr algn="ctr"/>
+                  <a:endParaRPr lang="en-US"/>
+                </a:p>
+              </p:txBody>
+            </p:sp>
+            <p:cxnSp>
+              <p:nvCxnSpPr>
+                <p:cNvPr id="22" name="直線コネクタ 21">
+                  <a:extLst>
+                    <a:ext uri="{FF2B5EF4-FFF2-40B4-BE49-F238E27FC236}">
+                      <a16:creationId xmlns:a16="http://schemas.microsoft.com/office/drawing/2014/main" id="{9A88F1BD-3667-49FF-92DF-A109FD11FB00}"/>
+                    </a:ext>
+                  </a:extLst>
+                </p:cNvPr>
+                <p:cNvCxnSpPr/>
+                <p:nvPr/>
+              </p:nvCxnSpPr>
+              <p:spPr>
+                <a:xfrm>
+                  <a:off x="2361840" y="1857893"/>
+                  <a:ext cx="0" cy="468000"/>
+                </a:xfrm>
+                <a:prstGeom prst="line">
+                  <a:avLst/>
+                </a:prstGeom>
+              </p:spPr>
+              <p:style>
+                <a:lnRef idx="1">
+                  <a:schemeClr val="accent1"/>
+                </a:lnRef>
+                <a:fillRef idx="0">
+                  <a:schemeClr val="accent1"/>
+                </a:fillRef>
+                <a:effectRef idx="0">
+                  <a:schemeClr val="accent1"/>
+                </a:effectRef>
+                <a:fontRef idx="minor">
+                  <a:schemeClr val="tx1"/>
+                </a:fontRef>
+              </p:style>
+            </p:cxnSp>
+            <p:cxnSp>
+              <p:nvCxnSpPr>
+                <p:cNvPr id="24" name="直線矢印コネクタ 23">
+                  <a:extLst>
+                    <a:ext uri="{FF2B5EF4-FFF2-40B4-BE49-F238E27FC236}">
+                      <a16:creationId xmlns:a16="http://schemas.microsoft.com/office/drawing/2014/main" id="{CD4C849C-F257-4CAA-966C-5C2662D4F3F7}"/>
+                    </a:ext>
+                  </a:extLst>
+                </p:cNvPr>
+                <p:cNvCxnSpPr>
+                  <a:cxnSpLocks/>
+                </p:cNvCxnSpPr>
+                <p:nvPr/>
+              </p:nvCxnSpPr>
+              <p:spPr>
+                <a:xfrm flipH="1">
+                  <a:off x="2361836" y="1981201"/>
+                  <a:ext cx="525696" cy="0"/>
+                </a:xfrm>
+                <a:prstGeom prst="straightConnector1">
+                  <a:avLst/>
+                </a:prstGeom>
+                <a:ln>
+                  <a:tailEnd type="triangle" w="lg" len="lg"/>
+                </a:ln>
+              </p:spPr>
+              <p:style>
+                <a:lnRef idx="1">
+                  <a:schemeClr val="accent1"/>
+                </a:lnRef>
+                <a:fillRef idx="0">
+                  <a:schemeClr val="accent1"/>
+                </a:fillRef>
+                <a:effectRef idx="0">
+                  <a:schemeClr val="accent1"/>
+                </a:effectRef>
+                <a:fontRef idx="minor">
+                  <a:schemeClr val="tx1"/>
+                </a:fontRef>
+              </p:style>
+            </p:cxnSp>
+            <p:sp>
+              <p:nvSpPr>
+                <p:cNvPr id="25" name="テキスト ボックス 24">
+                  <a:extLst>
+                    <a:ext uri="{FF2B5EF4-FFF2-40B4-BE49-F238E27FC236}">
+                      <a16:creationId xmlns:a16="http://schemas.microsoft.com/office/drawing/2014/main" id="{C60D50AD-91A2-44AD-AC9E-98A4F88D2366}"/>
+                    </a:ext>
+                  </a:extLst>
+                </p:cNvPr>
+                <p:cNvSpPr txBox="1"/>
+                <p:nvPr/>
+              </p:nvSpPr>
+              <p:spPr>
+                <a:xfrm>
+                  <a:off x="1319870" y="1702690"/>
+                  <a:ext cx="435793" cy="523220"/>
+                </a:xfrm>
+                <a:prstGeom prst="rect">
+                  <a:avLst/>
+                </a:prstGeom>
+                <a:noFill/>
+              </p:spPr>
+              <p:txBody>
+                <a:bodyPr wrap="square" rtlCol="0">
+                  <a:spAutoFit/>
+                </a:bodyPr>
+                <a:lstStyle/>
+                <a:p>
+                  <a:r>
+                    <a:rPr lang="en-US" sz="2800" dirty="0"/>
+                    <a:t>r</a:t>
+                  </a:r>
+                </a:p>
+              </p:txBody>
+            </p:sp>
+            <p:sp>
+              <p:nvSpPr>
+                <p:cNvPr id="26" name="テキスト ボックス 25">
+                  <a:extLst>
+                    <a:ext uri="{FF2B5EF4-FFF2-40B4-BE49-F238E27FC236}">
+                      <a16:creationId xmlns:a16="http://schemas.microsoft.com/office/drawing/2014/main" id="{16D33FDB-F8CE-406D-8865-513A02049D38}"/>
+                    </a:ext>
+                  </a:extLst>
+                </p:cNvPr>
+                <p:cNvSpPr txBox="1"/>
+                <p:nvPr/>
+              </p:nvSpPr>
+              <p:spPr>
+                <a:xfrm>
+                  <a:off x="2427761" y="2512779"/>
+                  <a:ext cx="435793" cy="523220"/>
+                </a:xfrm>
+                <a:prstGeom prst="rect">
+                  <a:avLst/>
+                </a:prstGeom>
+                <a:noFill/>
+              </p:spPr>
+              <p:txBody>
+                <a:bodyPr wrap="square" rtlCol="0">
+                  <a:spAutoFit/>
+                </a:bodyPr>
+                <a:lstStyle/>
+                <a:p>
+                  <a:r>
+                    <a:rPr lang="en-US" sz="2800" dirty="0">
+                      <a:solidFill>
+                        <a:srgbClr val="FF0000"/>
+                      </a:solidFill>
+                    </a:rPr>
+                    <a:t>M</a:t>
+                  </a:r>
+                </a:p>
+              </p:txBody>
+            </p:sp>
+            <p:sp>
+              <p:nvSpPr>
+                <p:cNvPr id="42" name="円弧 41">
+                  <a:extLst>
+                    <a:ext uri="{FF2B5EF4-FFF2-40B4-BE49-F238E27FC236}">
+                      <a16:creationId xmlns:a16="http://schemas.microsoft.com/office/drawing/2014/main" id="{9F57B048-A174-498D-B131-3C5346DA9DB5}"/>
+                    </a:ext>
+                  </a:extLst>
+                </p:cNvPr>
+                <p:cNvSpPr/>
+                <p:nvPr/>
+              </p:nvSpPr>
+              <p:spPr>
+                <a:xfrm flipH="1">
+                  <a:off x="2208798" y="2149199"/>
+                  <a:ext cx="435793" cy="476161"/>
+                </a:xfrm>
+                <a:prstGeom prst="arc">
+                  <a:avLst>
+                    <a:gd name="adj1" fmla="val 4879397"/>
+                    <a:gd name="adj2" fmla="val 16452864"/>
+                  </a:avLst>
+                </a:prstGeom>
+                <a:ln w="38100">
+                  <a:solidFill>
+                    <a:srgbClr val="FF0000"/>
+                  </a:solidFill>
+                  <a:headEnd type="none" w="lg" len="lg"/>
+                  <a:tailEnd type="triangle" w="lg" len="lg"/>
+                </a:ln>
+              </p:spPr>
+              <p:style>
+                <a:lnRef idx="1">
+                  <a:schemeClr val="accent1"/>
+                </a:lnRef>
+                <a:fillRef idx="0">
+                  <a:schemeClr val="accent1"/>
+                </a:fillRef>
+                <a:effectRef idx="0">
+                  <a:schemeClr val="accent1"/>
+                </a:effectRef>
+                <a:fontRef idx="minor">
+                  <a:schemeClr val="tx1"/>
+                </a:fontRef>
+              </p:style>
+              <p:txBody>
+                <a:bodyPr rtlCol="0" anchor="ctr"/>
+                <a:lstStyle/>
+                <a:p>
+                  <a:pPr algn="ctr"/>
+                  <a:endParaRPr lang="en-US" b="1" dirty="0"/>
+                </a:p>
+              </p:txBody>
+            </p:sp>
+            <p:sp>
+              <p:nvSpPr>
+                <p:cNvPr id="48" name="テキスト ボックス 47">
+                  <a:extLst>
+                    <a:ext uri="{FF2B5EF4-FFF2-40B4-BE49-F238E27FC236}">
+                      <a16:creationId xmlns:a16="http://schemas.microsoft.com/office/drawing/2014/main" id="{B930D934-1BDC-44A0-9E9F-E69D7ADD5DFC}"/>
+                    </a:ext>
+                  </a:extLst>
+                </p:cNvPr>
+                <p:cNvSpPr txBox="1"/>
+                <p:nvPr/>
+              </p:nvSpPr>
+              <p:spPr>
+                <a:xfrm>
+                  <a:off x="1120791" y="2667774"/>
+                  <a:ext cx="762316" cy="400110"/>
+                </a:xfrm>
+                <a:prstGeom prst="rect">
+                  <a:avLst/>
+                </a:prstGeom>
+                <a:noFill/>
+                <a:ln>
+                  <a:noFill/>
+                </a:ln>
+              </p:spPr>
+              <p:txBody>
+                <a:bodyPr wrap="square" rtlCol="0">
+                  <a:spAutoFit/>
+                </a:bodyPr>
+                <a:lstStyle/>
+                <a:p>
+                  <a:r>
+                    <a:rPr lang="en-US" sz="2000" dirty="0">
+                      <a:solidFill>
+                        <a:srgbClr val="0070C0"/>
+                      </a:solidFill>
+                    </a:rPr>
+                    <a:t>m1</a:t>
+                  </a:r>
+                </a:p>
+              </p:txBody>
+            </p:sp>
+            <p:sp>
+              <p:nvSpPr>
+                <p:cNvPr id="49" name="円弧 48">
+                  <a:extLst>
+                    <a:ext uri="{FF2B5EF4-FFF2-40B4-BE49-F238E27FC236}">
+                      <a16:creationId xmlns:a16="http://schemas.microsoft.com/office/drawing/2014/main" id="{00B66DFE-51F7-4D7F-BB2E-2F436B5503A9}"/>
+                    </a:ext>
+                  </a:extLst>
+                </p:cNvPr>
+                <p:cNvSpPr/>
+                <p:nvPr/>
+              </p:nvSpPr>
+              <p:spPr>
+                <a:xfrm>
+                  <a:off x="1419078" y="2144554"/>
+                  <a:ext cx="435793" cy="476161"/>
+                </a:xfrm>
+                <a:prstGeom prst="arc">
+                  <a:avLst>
+                    <a:gd name="adj1" fmla="val 4879397"/>
+                    <a:gd name="adj2" fmla="val 16452864"/>
+                  </a:avLst>
+                </a:prstGeom>
+                <a:ln w="38100">
+                  <a:solidFill>
+                    <a:srgbClr val="0070C0"/>
+                  </a:solidFill>
+                  <a:headEnd type="none" w="lg" len="lg"/>
+                  <a:tailEnd type="triangle" w="lg" len="lg"/>
+                </a:ln>
+              </p:spPr>
+              <p:style>
+                <a:lnRef idx="1">
+                  <a:schemeClr val="accent1"/>
+                </a:lnRef>
+                <a:fillRef idx="0">
+                  <a:schemeClr val="accent1"/>
+                </a:fillRef>
+                <a:effectRef idx="0">
+                  <a:schemeClr val="accent1"/>
+                </a:effectRef>
+                <a:fontRef idx="minor">
+                  <a:schemeClr val="tx1"/>
+                </a:fontRef>
+              </p:style>
+              <p:txBody>
+                <a:bodyPr rtlCol="0" anchor="ctr"/>
+                <a:lstStyle/>
+                <a:p>
+                  <a:pPr algn="ctr"/>
+                  <a:endParaRPr lang="en-US" b="1" dirty="0">
+                    <a:solidFill>
+                      <a:srgbClr val="0070C0"/>
+                    </a:solidFill>
+                  </a:endParaRPr>
+                </a:p>
+              </p:txBody>
+            </p:sp>
+            <p:sp>
+              <p:nvSpPr>
+                <p:cNvPr id="50" name="正方形/長方形 49">
+                  <a:extLst>
+                    <a:ext uri="{FF2B5EF4-FFF2-40B4-BE49-F238E27FC236}">
+                      <a16:creationId xmlns:a16="http://schemas.microsoft.com/office/drawing/2014/main" id="{FA8FC349-0A1A-4DC1-9A32-F2B72CED2998}"/>
+                    </a:ext>
+                  </a:extLst>
+                </p:cNvPr>
+                <p:cNvSpPr/>
+                <p:nvPr/>
+              </p:nvSpPr>
+              <p:spPr>
+                <a:xfrm>
+                  <a:off x="7624135" y="2208965"/>
+                  <a:ext cx="101027" cy="531685"/>
+                </a:xfrm>
+                <a:prstGeom prst="rect">
+                  <a:avLst/>
+                </a:prstGeom>
+                <a:solidFill>
+                  <a:schemeClr val="bg1"/>
+                </a:solidFill>
+                <a:ln w="19050">
+                  <a:solidFill>
+                    <a:schemeClr val="tx1"/>
+                  </a:solidFill>
+                </a:ln>
+              </p:spPr>
+              <p:style>
+                <a:lnRef idx="2">
+                  <a:schemeClr val="accent1">
+                    <a:shade val="50000"/>
+                  </a:schemeClr>
+                </a:lnRef>
+                <a:fillRef idx="1">
+                  <a:schemeClr val="accent1"/>
+                </a:fillRef>
+                <a:effectRef idx="0">
+                  <a:schemeClr val="accent1"/>
+                </a:effectRef>
+                <a:fontRef idx="minor">
+                  <a:schemeClr val="lt1"/>
+                </a:fontRef>
+              </p:style>
+              <p:txBody>
+                <a:bodyPr rtlCol="0" anchor="ctr"/>
+                <a:lstStyle/>
+                <a:p>
+                  <a:pPr algn="ctr"/>
+                  <a:endParaRPr lang="en-US"/>
+                </a:p>
+              </p:txBody>
+            </p:sp>
+            <p:sp>
+              <p:nvSpPr>
+                <p:cNvPr id="52" name="楕円 51">
+                  <a:extLst>
+                    <a:ext uri="{FF2B5EF4-FFF2-40B4-BE49-F238E27FC236}">
+                      <a16:creationId xmlns:a16="http://schemas.microsoft.com/office/drawing/2014/main" id="{07295F35-8654-4CBB-9B43-F203FC0F1C6F}"/>
+                    </a:ext>
+                  </a:extLst>
+                </p:cNvPr>
+                <p:cNvSpPr/>
+                <p:nvPr/>
+              </p:nvSpPr>
+              <p:spPr>
+                <a:xfrm>
+                  <a:off x="1786335" y="2387279"/>
+                  <a:ext cx="246579" cy="208055"/>
+                </a:xfrm>
+                <a:prstGeom prst="ellipse">
+                  <a:avLst/>
+                </a:prstGeom>
+                <a:solidFill>
+                  <a:schemeClr val="bg1"/>
+                </a:solidFill>
+                <a:ln w="19050">
+                  <a:solidFill>
+                    <a:schemeClr val="tx1"/>
+                  </a:solidFill>
+                </a:ln>
+              </p:spPr>
+              <p:style>
+                <a:lnRef idx="2">
+                  <a:schemeClr val="accent1">
+                    <a:shade val="50000"/>
+                  </a:schemeClr>
+                </a:lnRef>
+                <a:fillRef idx="1">
+                  <a:schemeClr val="accent1"/>
+                </a:fillRef>
+                <a:effectRef idx="0">
+                  <a:schemeClr val="accent1"/>
+                </a:effectRef>
+                <a:fontRef idx="minor">
+                  <a:schemeClr val="lt1"/>
+                </a:fontRef>
+              </p:style>
+              <p:txBody>
+                <a:bodyPr rtlCol="0" anchor="ctr"/>
+                <a:lstStyle/>
+                <a:p>
+                  <a:pPr algn="ctr"/>
+                  <a:endParaRPr lang="en-US"/>
+                </a:p>
+              </p:txBody>
+            </p:sp>
+            <p:sp>
+              <p:nvSpPr>
+                <p:cNvPr id="53" name="楕円 52">
+                  <a:extLst>
+                    <a:ext uri="{FF2B5EF4-FFF2-40B4-BE49-F238E27FC236}">
+                      <a16:creationId xmlns:a16="http://schemas.microsoft.com/office/drawing/2014/main" id="{07295F35-8654-4CBB-9B43-F203FC0F1C6F}"/>
+                    </a:ext>
+                  </a:extLst>
+                </p:cNvPr>
+                <p:cNvSpPr/>
+                <p:nvPr/>
+              </p:nvSpPr>
+              <p:spPr>
+                <a:xfrm>
+                  <a:off x="1785842" y="2091893"/>
+                  <a:ext cx="246579" cy="208055"/>
+                </a:xfrm>
+                <a:prstGeom prst="ellipse">
+                  <a:avLst/>
+                </a:prstGeom>
+                <a:solidFill>
+                  <a:schemeClr val="bg1"/>
+                </a:solidFill>
+                <a:ln w="19050">
+                  <a:solidFill>
+                    <a:schemeClr val="tx1"/>
+                  </a:solidFill>
+                </a:ln>
+              </p:spPr>
+              <p:style>
+                <a:lnRef idx="2">
+                  <a:schemeClr val="accent1">
+                    <a:shade val="50000"/>
+                  </a:schemeClr>
+                </a:lnRef>
+                <a:fillRef idx="1">
+                  <a:schemeClr val="accent1"/>
+                </a:fillRef>
+                <a:effectRef idx="0">
+                  <a:schemeClr val="accent1"/>
+                </a:effectRef>
+                <a:fontRef idx="minor">
+                  <a:schemeClr val="lt1"/>
+                </a:fontRef>
+              </p:style>
+              <p:txBody>
+                <a:bodyPr rtlCol="0" anchor="ctr"/>
+                <a:lstStyle/>
+                <a:p>
+                  <a:pPr algn="ctr"/>
+                  <a:endParaRPr lang="en-US"/>
+                </a:p>
+              </p:txBody>
+            </p:sp>
+            <p:sp>
+              <p:nvSpPr>
+                <p:cNvPr id="64" name="楕円 63">
+                  <a:extLst>
+                    <a:ext uri="{FF2B5EF4-FFF2-40B4-BE49-F238E27FC236}">
+                      <a16:creationId xmlns:a16="http://schemas.microsoft.com/office/drawing/2014/main" id="{07295F35-8654-4CBB-9B43-F203FC0F1C6F}"/>
+                    </a:ext>
+                  </a:extLst>
+                </p:cNvPr>
+                <p:cNvSpPr/>
+                <p:nvPr/>
+              </p:nvSpPr>
+              <p:spPr>
+                <a:xfrm>
+                  <a:off x="7737086" y="2213306"/>
+                  <a:ext cx="246579" cy="208055"/>
+                </a:xfrm>
+                <a:prstGeom prst="ellipse">
+                  <a:avLst/>
+                </a:prstGeom>
+                <a:solidFill>
+                  <a:schemeClr val="bg1"/>
+                </a:solidFill>
+                <a:ln w="19050">
+                  <a:solidFill>
+                    <a:schemeClr val="tx1"/>
+                  </a:solidFill>
+                </a:ln>
+              </p:spPr>
+              <p:style>
+                <a:lnRef idx="2">
+                  <a:schemeClr val="accent1">
+                    <a:shade val="50000"/>
+                  </a:schemeClr>
+                </a:lnRef>
+                <a:fillRef idx="1">
+                  <a:schemeClr val="accent1"/>
+                </a:fillRef>
+                <a:effectRef idx="0">
+                  <a:schemeClr val="accent1"/>
+                </a:effectRef>
+                <a:fontRef idx="minor">
+                  <a:schemeClr val="lt1"/>
+                </a:fontRef>
+              </p:style>
+              <p:txBody>
+                <a:bodyPr rtlCol="0" anchor="ctr"/>
+                <a:lstStyle/>
+                <a:p>
+                  <a:pPr algn="ctr"/>
+                  <a:endParaRPr lang="en-US"/>
+                </a:p>
+              </p:txBody>
+            </p:sp>
+            <p:sp>
+              <p:nvSpPr>
+                <p:cNvPr id="65" name="楕円 64">
+                  <a:extLst>
+                    <a:ext uri="{FF2B5EF4-FFF2-40B4-BE49-F238E27FC236}">
+                      <a16:creationId xmlns:a16="http://schemas.microsoft.com/office/drawing/2014/main" id="{07295F35-8654-4CBB-9B43-F203FC0F1C6F}"/>
+                    </a:ext>
+                  </a:extLst>
+                </p:cNvPr>
+                <p:cNvSpPr/>
+                <p:nvPr/>
+              </p:nvSpPr>
+              <p:spPr>
+                <a:xfrm>
+                  <a:off x="7725162" y="2512779"/>
+                  <a:ext cx="246579" cy="208055"/>
+                </a:xfrm>
+                <a:prstGeom prst="ellipse">
+                  <a:avLst/>
+                </a:prstGeom>
+                <a:solidFill>
+                  <a:schemeClr val="bg1"/>
+                </a:solidFill>
+                <a:ln w="19050">
+                  <a:solidFill>
+                    <a:schemeClr val="tx1"/>
+                  </a:solidFill>
+                </a:ln>
+              </p:spPr>
+              <p:style>
+                <a:lnRef idx="2">
+                  <a:schemeClr val="accent1">
+                    <a:shade val="50000"/>
+                  </a:schemeClr>
+                </a:lnRef>
+                <a:fillRef idx="1">
+                  <a:schemeClr val="accent1"/>
+                </a:fillRef>
+                <a:effectRef idx="0">
+                  <a:schemeClr val="accent1"/>
+                </a:effectRef>
+                <a:fontRef idx="minor">
+                  <a:schemeClr val="lt1"/>
+                </a:fontRef>
+              </p:style>
+              <p:txBody>
+                <a:bodyPr rtlCol="0" anchor="ctr"/>
+                <a:lstStyle/>
+                <a:p>
+                  <a:pPr algn="ctr"/>
+                  <a:endParaRPr lang="en-US"/>
+                </a:p>
+              </p:txBody>
+            </p:sp>
+          </p:grpSp>
+        </p:grpSp>
+      </p:grpSp>
       <p:sp>
         <p:nvSpPr>
           <p:cNvPr id="15" name="テキスト ボックス 14"/>
@@ -9056,7 +9111,7 @@
         </p:nvGrpSpPr>
         <p:grpSpPr>
           <a:xfrm>
-            <a:off x="9806350" y="3752411"/>
+            <a:off x="8090894" y="4022122"/>
             <a:ext cx="909953" cy="871131"/>
             <a:chOff x="5286657" y="1730026"/>
             <a:chExt cx="909953" cy="871131"/>
@@ -9329,7 +9384,7 @@
         </p:nvGrpSpPr>
         <p:grpSpPr>
           <a:xfrm>
-            <a:off x="7546674" y="670011"/>
+            <a:off x="7546674" y="1177400"/>
             <a:ext cx="4024104" cy="2646169"/>
             <a:chOff x="1177745" y="1236257"/>
             <a:chExt cx="4024104" cy="2646169"/>
@@ -10889,7 +10944,7 @@
         </p:nvSpPr>
         <p:spPr>
           <a:xfrm>
-            <a:off x="5807152" y="343232"/>
+            <a:off x="6681889" y="293954"/>
             <a:ext cx="3788217" cy="369332"/>
           </a:xfrm>
           <a:prstGeom prst="rect">
@@ -10937,7 +10992,7 @@
         </p:nvSpPr>
         <p:spPr>
           <a:xfrm>
-            <a:off x="425812" y="2554465"/>
+            <a:off x="502655" y="563854"/>
             <a:ext cx="6689652" cy="1754326"/>
           </a:xfrm>
           <a:prstGeom prst="rect">
@@ -11050,7 +11105,1021 @@
       </p:grpSpPr>
       <p:sp>
         <p:nvSpPr>
-          <p:cNvPr id="15" name="テキスト ボックス 14"/>
+          <p:cNvPr id="45" name="テキスト ボックス 44"/>
+          <p:cNvSpPr txBox="1"/>
+          <p:nvPr/>
+        </p:nvSpPr>
+        <p:spPr>
+          <a:xfrm>
+            <a:off x="5183708" y="1301570"/>
+            <a:ext cx="6383479" cy="646331"/>
+          </a:xfrm>
+          <a:prstGeom prst="rect">
+            <a:avLst/>
+          </a:prstGeom>
+          <a:noFill/>
+        </p:spPr>
+        <p:txBody>
+          <a:bodyPr wrap="none" rtlCol="0">
+            <a:spAutoFit/>
+          </a:bodyPr>
+          <a:lstStyle/>
+          <a:p>
+            <a:r>
+              <a:rPr kumimoji="1" lang="ja-JP" altLang="en-US" dirty="0"/>
+              <a:t>部品</a:t>
+            </a:r>
+            <a:r>
+              <a:rPr kumimoji="1" lang="ja-JP" altLang="en-US" dirty="0" smtClean="0"/>
+              <a:t>のシェルモデルにモーメント</a:t>
+            </a:r>
+            <a:r>
+              <a:rPr kumimoji="1" lang="en-US" altLang="ja-JP" dirty="0" smtClean="0"/>
+              <a:t>M</a:t>
+            </a:r>
+            <a:r>
+              <a:rPr kumimoji="1" lang="ja-JP" altLang="en-US" dirty="0" smtClean="0"/>
+              <a:t>を与えて弾性解析を行い</a:t>
+            </a:r>
+            <a:endParaRPr kumimoji="1" lang="en-US" altLang="ja-JP" dirty="0" smtClean="0"/>
+          </a:p>
+          <a:p>
+            <a:r>
+              <a:rPr kumimoji="1" lang="ja-JP" altLang="en-US" dirty="0" smtClean="0"/>
+              <a:t>後、</a:t>
+            </a:r>
+            <a:r>
+              <a:rPr kumimoji="1" lang="en-US" altLang="ja-JP" dirty="0" smtClean="0"/>
+              <a:t>r</a:t>
+            </a:r>
+            <a:r>
+              <a:rPr kumimoji="1" lang="ja-JP" altLang="en-US" dirty="0" err="1"/>
+              <a:t>で</a:t>
+            </a:r>
+            <a:r>
+              <a:rPr kumimoji="1" lang="ja-JP" altLang="en-US" dirty="0" err="1" smtClean="0"/>
+              <a:t>の</a:t>
+            </a:r>
+            <a:r>
+              <a:rPr kumimoji="1" lang="ja-JP" altLang="en-US" dirty="0" smtClean="0"/>
+              <a:t>変形角</a:t>
+            </a:r>
+            <a:r>
+              <a:rPr kumimoji="1" lang="en-US" altLang="ja-JP" dirty="0" smtClean="0"/>
+              <a:t>θ1,θ2</a:t>
+            </a:r>
+            <a:r>
+              <a:rPr kumimoji="1" lang="ja-JP" altLang="en-US" dirty="0" smtClean="0"/>
+              <a:t>を求める</a:t>
+            </a:r>
+            <a:endParaRPr kumimoji="1" lang="en-US" altLang="ja-JP" dirty="0" smtClean="0"/>
+          </a:p>
+        </p:txBody>
+      </p:sp>
+      <p:grpSp>
+        <p:nvGrpSpPr>
+          <p:cNvPr id="48" name="グループ化 47"/>
+          <p:cNvGrpSpPr/>
+          <p:nvPr/>
+        </p:nvGrpSpPr>
+        <p:grpSpPr>
+          <a:xfrm>
+            <a:off x="453596" y="806239"/>
+            <a:ext cx="4419757" cy="1727070"/>
+            <a:chOff x="541389" y="1493124"/>
+            <a:chExt cx="4419757" cy="1727070"/>
+          </a:xfrm>
+        </p:grpSpPr>
+        <p:grpSp>
+          <p:nvGrpSpPr>
+            <p:cNvPr id="46" name="グループ化 45"/>
+            <p:cNvGrpSpPr/>
+            <p:nvPr/>
+          </p:nvGrpSpPr>
+          <p:grpSpPr>
+            <a:xfrm>
+              <a:off x="541389" y="1493124"/>
+              <a:ext cx="4419757" cy="1727070"/>
+              <a:chOff x="541389" y="1493124"/>
+              <a:chExt cx="4419757" cy="1727070"/>
+            </a:xfrm>
+          </p:grpSpPr>
+          <p:grpSp>
+            <p:nvGrpSpPr>
+              <p:cNvPr id="41" name="グループ化 40"/>
+              <p:cNvGrpSpPr/>
+              <p:nvPr/>
+            </p:nvGrpSpPr>
+            <p:grpSpPr>
+              <a:xfrm>
+                <a:off x="541389" y="1493124"/>
+                <a:ext cx="4419757" cy="1727070"/>
+                <a:chOff x="459970" y="1480598"/>
+                <a:chExt cx="4419757" cy="1727070"/>
+              </a:xfrm>
+            </p:grpSpPr>
+            <p:sp>
+              <p:nvSpPr>
+                <p:cNvPr id="3" name="フリーフォーム 2"/>
+                <p:cNvSpPr/>
+                <p:nvPr/>
+              </p:nvSpPr>
+              <p:spPr>
+                <a:xfrm>
+                  <a:off x="459970" y="1480598"/>
+                  <a:ext cx="4419757" cy="1727070"/>
+                </a:xfrm>
+                <a:custGeom>
+                  <a:avLst/>
+                  <a:gdLst>
+                    <a:gd name="connsiteX0" fmla="*/ 3493 w 4419757"/>
+                    <a:gd name="connsiteY0" fmla="*/ 849243 h 1727070"/>
+                    <a:gd name="connsiteX1" fmla="*/ 1168413 w 4419757"/>
+                    <a:gd name="connsiteY1" fmla="*/ 1726065 h 1727070"/>
+                    <a:gd name="connsiteX2" fmla="*/ 2715377 w 4419757"/>
+                    <a:gd name="connsiteY2" fmla="*/ 1030871 h 1727070"/>
+                    <a:gd name="connsiteX3" fmla="*/ 3867772 w 4419757"/>
+                    <a:gd name="connsiteY3" fmla="*/ 1350284 h 1727070"/>
+                    <a:gd name="connsiteX4" fmla="*/ 4318709 w 4419757"/>
+                    <a:gd name="connsiteY4" fmla="*/ 22525 h 1727070"/>
+                    <a:gd name="connsiteX5" fmla="*/ 1976342 w 4419757"/>
+                    <a:gd name="connsiteY5" fmla="*/ 479725 h 1727070"/>
+                    <a:gd name="connsiteX6" fmla="*/ 848999 w 4419757"/>
+                    <a:gd name="connsiteY6" fmla="*/ 16262 h 1727070"/>
+                    <a:gd name="connsiteX7" fmla="*/ 3493 w 4419757"/>
+                    <a:gd name="connsiteY7" fmla="*/ 849243 h 1727070"/>
+                  </a:gdLst>
+                  <a:ahLst/>
+                  <a:cxnLst>
+                    <a:cxn ang="0">
+                      <a:pos x="connsiteX0" y="connsiteY0"/>
+                    </a:cxn>
+                    <a:cxn ang="0">
+                      <a:pos x="connsiteX1" y="connsiteY1"/>
+                    </a:cxn>
+                    <a:cxn ang="0">
+                      <a:pos x="connsiteX2" y="connsiteY2"/>
+                    </a:cxn>
+                    <a:cxn ang="0">
+                      <a:pos x="connsiteX3" y="connsiteY3"/>
+                    </a:cxn>
+                    <a:cxn ang="0">
+                      <a:pos x="connsiteX4" y="connsiteY4"/>
+                    </a:cxn>
+                    <a:cxn ang="0">
+                      <a:pos x="connsiteX5" y="connsiteY5"/>
+                    </a:cxn>
+                    <a:cxn ang="0">
+                      <a:pos x="connsiteX6" y="connsiteY6"/>
+                    </a:cxn>
+                    <a:cxn ang="0">
+                      <a:pos x="connsiteX7" y="connsiteY7"/>
+                    </a:cxn>
+                  </a:cxnLst>
+                  <a:rect l="l" t="t" r="r" b="b"/>
+                  <a:pathLst>
+                    <a:path w="4419757" h="1727070">
+                      <a:moveTo>
+                        <a:pt x="3493" y="849243"/>
+                      </a:moveTo>
+                      <a:cubicBezTo>
+                        <a:pt x="56729" y="1134210"/>
+                        <a:pt x="716432" y="1695794"/>
+                        <a:pt x="1168413" y="1726065"/>
+                      </a:cubicBezTo>
+                      <a:cubicBezTo>
+                        <a:pt x="1620394" y="1756336"/>
+                        <a:pt x="2265484" y="1093501"/>
+                        <a:pt x="2715377" y="1030871"/>
+                      </a:cubicBezTo>
+                      <a:cubicBezTo>
+                        <a:pt x="3165270" y="968241"/>
+                        <a:pt x="3600550" y="1518342"/>
+                        <a:pt x="3867772" y="1350284"/>
+                      </a:cubicBezTo>
+                      <a:cubicBezTo>
+                        <a:pt x="4134994" y="1182226"/>
+                        <a:pt x="4633947" y="167618"/>
+                        <a:pt x="4318709" y="22525"/>
+                      </a:cubicBezTo>
+                      <a:cubicBezTo>
+                        <a:pt x="4003471" y="-122568"/>
+                        <a:pt x="2554627" y="480769"/>
+                        <a:pt x="1976342" y="479725"/>
+                      </a:cubicBezTo>
+                      <a:cubicBezTo>
+                        <a:pt x="1398057" y="478681"/>
+                        <a:pt x="1179895" y="-44280"/>
+                        <a:pt x="848999" y="16262"/>
+                      </a:cubicBezTo>
+                      <a:cubicBezTo>
+                        <a:pt x="518103" y="76804"/>
+                        <a:pt x="-49743" y="564276"/>
+                        <a:pt x="3493" y="849243"/>
+                      </a:cubicBezTo>
+                      <a:close/>
+                    </a:path>
+                  </a:pathLst>
+                </a:custGeom>
+                <a:solidFill>
+                  <a:schemeClr val="accent1">
+                    <a:lumMod val="20000"/>
+                    <a:lumOff val="80000"/>
+                  </a:schemeClr>
+                </a:solidFill>
+              </p:spPr>
+              <p:style>
+                <a:lnRef idx="2">
+                  <a:schemeClr val="accent1"/>
+                </a:lnRef>
+                <a:fillRef idx="1">
+                  <a:schemeClr val="lt1"/>
+                </a:fillRef>
+                <a:effectRef idx="0">
+                  <a:schemeClr val="accent1"/>
+                </a:effectRef>
+                <a:fontRef idx="minor">
+                  <a:schemeClr val="dk1"/>
+                </a:fontRef>
+              </p:style>
+              <p:txBody>
+                <a:bodyPr rtlCol="0" anchor="ctr"/>
+                <a:lstStyle/>
+                <a:p>
+                  <a:pPr algn="ctr"/>
+                  <a:endParaRPr kumimoji="1" lang="ja-JP" altLang="en-US"/>
+                </a:p>
+              </p:txBody>
+            </p:sp>
+            <p:cxnSp>
+              <p:nvCxnSpPr>
+                <p:cNvPr id="7" name="直線コネクタ 6"/>
+                <p:cNvCxnSpPr/>
+                <p:nvPr/>
+              </p:nvCxnSpPr>
+              <p:spPr>
+                <a:xfrm flipV="1">
+                  <a:off x="1290180" y="2123162"/>
+                  <a:ext cx="839245" cy="607513"/>
+                </a:xfrm>
+                <a:prstGeom prst="line">
+                  <a:avLst/>
+                </a:prstGeom>
+                <a:ln w="57150">
+                  <a:solidFill>
+                    <a:srgbClr val="FF0000"/>
+                  </a:solidFill>
+                </a:ln>
+              </p:spPr>
+              <p:style>
+                <a:lnRef idx="1">
+                  <a:schemeClr val="accent2"/>
+                </a:lnRef>
+                <a:fillRef idx="0">
+                  <a:schemeClr val="accent2"/>
+                </a:fillRef>
+                <a:effectRef idx="0">
+                  <a:schemeClr val="accent2"/>
+                </a:effectRef>
+                <a:fontRef idx="minor">
+                  <a:schemeClr val="tx1"/>
+                </a:fontRef>
+              </p:style>
+            </p:cxnSp>
+            <p:cxnSp>
+              <p:nvCxnSpPr>
+                <p:cNvPr id="11" name="直線コネクタ 10"/>
+                <p:cNvCxnSpPr/>
+                <p:nvPr/>
+              </p:nvCxnSpPr>
+              <p:spPr>
+                <a:xfrm>
+                  <a:off x="1121079" y="2549047"/>
+                  <a:ext cx="313151" cy="356991"/>
+                </a:xfrm>
+                <a:prstGeom prst="line">
+                  <a:avLst/>
+                </a:prstGeom>
+                <a:ln w="9525" cap="flat" cmpd="sng" algn="ctr">
+                  <a:solidFill>
+                    <a:schemeClr val="dk1"/>
+                  </a:solidFill>
+                  <a:prstDash val="dash"/>
+                  <a:round/>
+                  <a:headEnd type="none" w="med" len="med"/>
+                  <a:tailEnd type="none" w="med" len="med"/>
+                </a:ln>
+              </p:spPr>
+              <p:style>
+                <a:lnRef idx="0">
+                  <a:scrgbClr r="0" g="0" b="0"/>
+                </a:lnRef>
+                <a:fillRef idx="0">
+                  <a:scrgbClr r="0" g="0" b="0"/>
+                </a:fillRef>
+                <a:effectRef idx="0">
+                  <a:scrgbClr r="0" g="0" b="0"/>
+                </a:effectRef>
+                <a:fontRef idx="minor">
+                  <a:schemeClr val="tx1"/>
+                </a:fontRef>
+              </p:style>
+            </p:cxnSp>
+            <p:cxnSp>
+              <p:nvCxnSpPr>
+                <p:cNvPr id="14" name="直線コネクタ 13"/>
+                <p:cNvCxnSpPr/>
+                <p:nvPr/>
+              </p:nvCxnSpPr>
+              <p:spPr>
+                <a:xfrm>
+                  <a:off x="1985375" y="1947799"/>
+                  <a:ext cx="313151" cy="356991"/>
+                </a:xfrm>
+                <a:prstGeom prst="line">
+                  <a:avLst/>
+                </a:prstGeom>
+                <a:ln w="9525" cap="flat" cmpd="sng" algn="ctr">
+                  <a:solidFill>
+                    <a:schemeClr val="dk1"/>
+                  </a:solidFill>
+                  <a:prstDash val="dash"/>
+                  <a:round/>
+                  <a:headEnd type="none" w="med" len="med"/>
+                  <a:tailEnd type="none" w="med" len="med"/>
+                </a:ln>
+              </p:spPr>
+              <p:style>
+                <a:lnRef idx="0">
+                  <a:scrgbClr r="0" g="0" b="0"/>
+                </a:lnRef>
+                <a:fillRef idx="0">
+                  <a:scrgbClr r="0" g="0" b="0"/>
+                </a:fillRef>
+                <a:effectRef idx="0">
+                  <a:scrgbClr r="0" g="0" b="0"/>
+                </a:effectRef>
+                <a:fontRef idx="minor">
+                  <a:schemeClr val="tx1"/>
+                </a:fontRef>
+              </p:style>
+            </p:cxnSp>
+            <p:cxnSp>
+              <p:nvCxnSpPr>
+                <p:cNvPr id="16" name="直線コネクタ 15"/>
+                <p:cNvCxnSpPr/>
+                <p:nvPr/>
+              </p:nvCxnSpPr>
+              <p:spPr>
+                <a:xfrm flipV="1">
+                  <a:off x="1434230" y="2304790"/>
+                  <a:ext cx="864296" cy="608019"/>
+                </a:xfrm>
+                <a:prstGeom prst="line">
+                  <a:avLst/>
+                </a:prstGeom>
+                <a:ln w="9525" cap="flat" cmpd="sng" algn="ctr">
+                  <a:solidFill>
+                    <a:schemeClr val="dk1"/>
+                  </a:solidFill>
+                  <a:prstDash val="dash"/>
+                  <a:round/>
+                  <a:headEnd type="none" w="med" len="med"/>
+                  <a:tailEnd type="none" w="med" len="med"/>
+                </a:ln>
+              </p:spPr>
+              <p:style>
+                <a:lnRef idx="0">
+                  <a:scrgbClr r="0" g="0" b="0"/>
+                </a:lnRef>
+                <a:fillRef idx="0">
+                  <a:scrgbClr r="0" g="0" b="0"/>
+                </a:fillRef>
+                <a:effectRef idx="0">
+                  <a:scrgbClr r="0" g="0" b="0"/>
+                </a:effectRef>
+                <a:fontRef idx="minor">
+                  <a:schemeClr val="tx1"/>
+                </a:fontRef>
+              </p:style>
+            </p:cxnSp>
+            <p:cxnSp>
+              <p:nvCxnSpPr>
+                <p:cNvPr id="19" name="直線コネクタ 18"/>
+                <p:cNvCxnSpPr/>
+                <p:nvPr/>
+              </p:nvCxnSpPr>
+              <p:spPr>
+                <a:xfrm flipV="1">
+                  <a:off x="1121079" y="1934761"/>
+                  <a:ext cx="864296" cy="608019"/>
+                </a:xfrm>
+                <a:prstGeom prst="line">
+                  <a:avLst/>
+                </a:prstGeom>
+                <a:ln w="9525" cap="flat" cmpd="sng" algn="ctr">
+                  <a:solidFill>
+                    <a:schemeClr val="dk1"/>
+                  </a:solidFill>
+                  <a:prstDash val="dash"/>
+                  <a:round/>
+                  <a:headEnd type="none" w="med" len="med"/>
+                  <a:tailEnd type="none" w="med" len="med"/>
+                </a:ln>
+              </p:spPr>
+              <p:style>
+                <a:lnRef idx="0">
+                  <a:scrgbClr r="0" g="0" b="0"/>
+                </a:lnRef>
+                <a:fillRef idx="0">
+                  <a:scrgbClr r="0" g="0" b="0"/>
+                </a:fillRef>
+                <a:effectRef idx="0">
+                  <a:scrgbClr r="0" g="0" b="0"/>
+                </a:effectRef>
+                <a:fontRef idx="minor">
+                  <a:schemeClr val="tx1"/>
+                </a:fontRef>
+              </p:style>
+            </p:cxnSp>
+            <p:sp>
+              <p:nvSpPr>
+                <p:cNvPr id="20" name="テキスト ボックス 19"/>
+                <p:cNvSpPr txBox="1"/>
+                <p:nvPr/>
+              </p:nvSpPr>
+              <p:spPr>
+                <a:xfrm>
+                  <a:off x="2194940" y="1934761"/>
+                  <a:ext cx="1309461" cy="369332"/>
+                </a:xfrm>
+                <a:prstGeom prst="rect">
+                  <a:avLst/>
+                </a:prstGeom>
+                <a:noFill/>
+              </p:spPr>
+              <p:txBody>
+                <a:bodyPr wrap="none" rtlCol="0">
+                  <a:spAutoFit/>
+                </a:bodyPr>
+                <a:lstStyle/>
+                <a:p>
+                  <a:r>
+                    <a:rPr kumimoji="1" lang="en-US" altLang="ja-JP" dirty="0" smtClean="0">
+                      <a:solidFill>
+                        <a:srgbClr val="FF0000"/>
+                      </a:solidFill>
+                    </a:rPr>
+                    <a:t>Heating line</a:t>
+                  </a:r>
+                  <a:endParaRPr kumimoji="1" lang="ja-JP" altLang="en-US" dirty="0">
+                    <a:solidFill>
+                      <a:srgbClr val="FF0000"/>
+                    </a:solidFill>
+                  </a:endParaRPr>
+                </a:p>
+              </p:txBody>
+            </p:sp>
+            <p:cxnSp>
+              <p:nvCxnSpPr>
+                <p:cNvPr id="22" name="直線コネクタ 21"/>
+                <p:cNvCxnSpPr/>
+                <p:nvPr/>
+              </p:nvCxnSpPr>
+              <p:spPr>
+                <a:xfrm flipH="1">
+                  <a:off x="1024002" y="2542780"/>
+                  <a:ext cx="97078" cy="81920"/>
+                </a:xfrm>
+                <a:prstGeom prst="line">
+                  <a:avLst/>
+                </a:prstGeom>
+              </p:spPr>
+              <p:style>
+                <a:lnRef idx="1">
+                  <a:schemeClr val="accent1"/>
+                </a:lnRef>
+                <a:fillRef idx="0">
+                  <a:schemeClr val="accent1"/>
+                </a:fillRef>
+                <a:effectRef idx="0">
+                  <a:schemeClr val="accent1"/>
+                </a:effectRef>
+                <a:fontRef idx="minor">
+                  <a:schemeClr val="tx1"/>
+                </a:fontRef>
+              </p:style>
+            </p:cxnSp>
+            <p:cxnSp>
+              <p:nvCxnSpPr>
+                <p:cNvPr id="24" name="直線コネクタ 23"/>
+                <p:cNvCxnSpPr/>
+                <p:nvPr/>
+              </p:nvCxnSpPr>
+              <p:spPr>
+                <a:xfrm flipH="1">
+                  <a:off x="1157874" y="2727542"/>
+                  <a:ext cx="116893" cy="90814"/>
+                </a:xfrm>
+                <a:prstGeom prst="line">
+                  <a:avLst/>
+                </a:prstGeom>
+              </p:spPr>
+              <p:style>
+                <a:lnRef idx="1">
+                  <a:schemeClr val="accent1"/>
+                </a:lnRef>
+                <a:fillRef idx="0">
+                  <a:schemeClr val="accent1"/>
+                </a:fillRef>
+                <a:effectRef idx="0">
+                  <a:schemeClr val="accent1"/>
+                </a:effectRef>
+                <a:fontRef idx="minor">
+                  <a:schemeClr val="tx1"/>
+                </a:fontRef>
+              </p:style>
+            </p:cxnSp>
+            <p:cxnSp>
+              <p:nvCxnSpPr>
+                <p:cNvPr id="30" name="直線矢印コネクタ 29"/>
+                <p:cNvCxnSpPr/>
+                <p:nvPr/>
+              </p:nvCxnSpPr>
+              <p:spPr>
+                <a:xfrm>
+                  <a:off x="950231" y="2652132"/>
+                  <a:ext cx="197646" cy="226473"/>
+                </a:xfrm>
+                <a:prstGeom prst="straightConnector1">
+                  <a:avLst/>
+                </a:prstGeom>
+                <a:ln>
+                  <a:headEnd type="triangle"/>
+                  <a:tailEnd type="triangle"/>
+                </a:ln>
+              </p:spPr>
+              <p:style>
+                <a:lnRef idx="1">
+                  <a:schemeClr val="accent1"/>
+                </a:lnRef>
+                <a:fillRef idx="0">
+                  <a:schemeClr val="accent1"/>
+                </a:fillRef>
+                <a:effectRef idx="0">
+                  <a:schemeClr val="accent1"/>
+                </a:effectRef>
+                <a:fontRef idx="minor">
+                  <a:schemeClr val="tx1"/>
+                </a:fontRef>
+              </p:style>
+            </p:cxnSp>
+            <p:sp>
+              <p:nvSpPr>
+                <p:cNvPr id="31" name="テキスト ボックス 30"/>
+                <p:cNvSpPr txBox="1"/>
+                <p:nvPr/>
+              </p:nvSpPr>
+              <p:spPr>
+                <a:xfrm>
+                  <a:off x="836605" y="2649079"/>
+                  <a:ext cx="256802" cy="338554"/>
+                </a:xfrm>
+                <a:prstGeom prst="rect">
+                  <a:avLst/>
+                </a:prstGeom>
+                <a:noFill/>
+              </p:spPr>
+              <p:txBody>
+                <a:bodyPr wrap="none" rtlCol="0">
+                  <a:spAutoFit/>
+                </a:bodyPr>
+                <a:lstStyle/>
+                <a:p>
+                  <a:r>
+                    <a:rPr kumimoji="1" lang="en-US" altLang="ja-JP" sz="1600" dirty="0" smtClean="0"/>
+                    <a:t>r</a:t>
+                  </a:r>
+                  <a:endParaRPr kumimoji="1" lang="ja-JP" altLang="en-US" sz="1600" dirty="0"/>
+                </a:p>
+              </p:txBody>
+            </p:sp>
+            <p:cxnSp>
+              <p:nvCxnSpPr>
+                <p:cNvPr id="32" name="直線コネクタ 31"/>
+                <p:cNvCxnSpPr/>
+                <p:nvPr/>
+              </p:nvCxnSpPr>
+              <p:spPr>
+                <a:xfrm flipH="1">
+                  <a:off x="1310274" y="2879942"/>
+                  <a:ext cx="116893" cy="90814"/>
+                </a:xfrm>
+                <a:prstGeom prst="line">
+                  <a:avLst/>
+                </a:prstGeom>
+              </p:spPr>
+              <p:style>
+                <a:lnRef idx="1">
+                  <a:schemeClr val="accent1"/>
+                </a:lnRef>
+                <a:fillRef idx="0">
+                  <a:schemeClr val="accent1"/>
+                </a:fillRef>
+                <a:effectRef idx="0">
+                  <a:schemeClr val="accent1"/>
+                </a:effectRef>
+                <a:fontRef idx="minor">
+                  <a:schemeClr val="tx1"/>
+                </a:fontRef>
+              </p:style>
+            </p:cxnSp>
+            <p:cxnSp>
+              <p:nvCxnSpPr>
+                <p:cNvPr id="33" name="直線矢印コネクタ 32"/>
+                <p:cNvCxnSpPr/>
+                <p:nvPr/>
+              </p:nvCxnSpPr>
+              <p:spPr>
+                <a:xfrm>
+                  <a:off x="1102631" y="2804532"/>
+                  <a:ext cx="197646" cy="226473"/>
+                </a:xfrm>
+                <a:prstGeom prst="straightConnector1">
+                  <a:avLst/>
+                </a:prstGeom>
+                <a:ln>
+                  <a:headEnd type="triangle"/>
+                  <a:tailEnd type="triangle"/>
+                </a:ln>
+              </p:spPr>
+              <p:style>
+                <a:lnRef idx="1">
+                  <a:schemeClr val="accent1"/>
+                </a:lnRef>
+                <a:fillRef idx="0">
+                  <a:schemeClr val="accent1"/>
+                </a:fillRef>
+                <a:effectRef idx="0">
+                  <a:schemeClr val="accent1"/>
+                </a:effectRef>
+                <a:fontRef idx="minor">
+                  <a:schemeClr val="tx1"/>
+                </a:fontRef>
+              </p:style>
+            </p:cxnSp>
+            <p:sp>
+              <p:nvSpPr>
+                <p:cNvPr id="37" name="円弧 36">
+                  <a:extLst>
+                    <a:ext uri="{FF2B5EF4-FFF2-40B4-BE49-F238E27FC236}">
+                      <a16:creationId xmlns:a16="http://schemas.microsoft.com/office/drawing/2014/main" id="{00B66DFE-51F7-4D7F-BB2E-2F436B5503A9}"/>
+                    </a:ext>
+                  </a:extLst>
+                </p:cNvPr>
+                <p:cNvSpPr/>
+                <p:nvPr/>
+              </p:nvSpPr>
+              <p:spPr>
+                <a:xfrm rot="7037132">
+                  <a:off x="1069817" y="2319973"/>
+                  <a:ext cx="354137" cy="338203"/>
+                </a:xfrm>
+                <a:prstGeom prst="arc">
+                  <a:avLst>
+                    <a:gd name="adj1" fmla="val 4879397"/>
+                    <a:gd name="adj2" fmla="val 16452864"/>
+                  </a:avLst>
+                </a:prstGeom>
+                <a:ln w="38100">
+                  <a:solidFill>
+                    <a:srgbClr val="0070C0"/>
+                  </a:solidFill>
+                  <a:headEnd type="none" w="lg" len="lg"/>
+                  <a:tailEnd type="triangle" w="lg" len="lg"/>
+                </a:ln>
+              </p:spPr>
+              <p:style>
+                <a:lnRef idx="1">
+                  <a:schemeClr val="accent1"/>
+                </a:lnRef>
+                <a:fillRef idx="0">
+                  <a:schemeClr val="accent1"/>
+                </a:fillRef>
+                <a:effectRef idx="0">
+                  <a:schemeClr val="accent1"/>
+                </a:effectRef>
+                <a:fontRef idx="minor">
+                  <a:schemeClr val="tx1"/>
+                </a:fontRef>
+              </p:style>
+              <p:txBody>
+                <a:bodyPr rtlCol="0" anchor="ctr"/>
+                <a:lstStyle/>
+                <a:p>
+                  <a:pPr algn="ctr"/>
+                  <a:endParaRPr lang="en-US" b="1" dirty="0">
+                    <a:solidFill>
+                      <a:srgbClr val="0070C0"/>
+                    </a:solidFill>
+                  </a:endParaRPr>
+                </a:p>
+              </p:txBody>
+            </p:sp>
+            <p:sp>
+              <p:nvSpPr>
+                <p:cNvPr id="38" name="円弧 37">
+                  <a:extLst>
+                    <a:ext uri="{FF2B5EF4-FFF2-40B4-BE49-F238E27FC236}">
+                      <a16:creationId xmlns:a16="http://schemas.microsoft.com/office/drawing/2014/main" id="{00B66DFE-51F7-4D7F-BB2E-2F436B5503A9}"/>
+                    </a:ext>
+                  </a:extLst>
+                </p:cNvPr>
+                <p:cNvSpPr/>
+                <p:nvPr/>
+              </p:nvSpPr>
+              <p:spPr>
+                <a:xfrm rot="7037132">
+                  <a:off x="1435229" y="2039681"/>
+                  <a:ext cx="354137" cy="338203"/>
+                </a:xfrm>
+                <a:prstGeom prst="arc">
+                  <a:avLst>
+                    <a:gd name="adj1" fmla="val 4879397"/>
+                    <a:gd name="adj2" fmla="val 16452864"/>
+                  </a:avLst>
+                </a:prstGeom>
+                <a:ln w="38100">
+                  <a:solidFill>
+                    <a:srgbClr val="0070C0"/>
+                  </a:solidFill>
+                  <a:headEnd type="none" w="lg" len="lg"/>
+                  <a:tailEnd type="triangle" w="lg" len="lg"/>
+                </a:ln>
+              </p:spPr>
+              <p:style>
+                <a:lnRef idx="1">
+                  <a:schemeClr val="accent1"/>
+                </a:lnRef>
+                <a:fillRef idx="0">
+                  <a:schemeClr val="accent1"/>
+                </a:fillRef>
+                <a:effectRef idx="0">
+                  <a:schemeClr val="accent1"/>
+                </a:effectRef>
+                <a:fontRef idx="minor">
+                  <a:schemeClr val="tx1"/>
+                </a:fontRef>
+              </p:style>
+              <p:txBody>
+                <a:bodyPr rtlCol="0" anchor="ctr"/>
+                <a:lstStyle/>
+                <a:p>
+                  <a:pPr algn="ctr"/>
+                  <a:endParaRPr lang="en-US" b="1" dirty="0">
+                    <a:solidFill>
+                      <a:srgbClr val="0070C0"/>
+                    </a:solidFill>
+                  </a:endParaRPr>
+                </a:p>
+              </p:txBody>
+            </p:sp>
+            <p:sp>
+              <p:nvSpPr>
+                <p:cNvPr id="39" name="円弧 38">
+                  <a:extLst>
+                    <a:ext uri="{FF2B5EF4-FFF2-40B4-BE49-F238E27FC236}">
+                      <a16:creationId xmlns:a16="http://schemas.microsoft.com/office/drawing/2014/main" id="{00B66DFE-51F7-4D7F-BB2E-2F436B5503A9}"/>
+                    </a:ext>
+                  </a:extLst>
+                </p:cNvPr>
+                <p:cNvSpPr/>
+                <p:nvPr/>
+              </p:nvSpPr>
+              <p:spPr>
+                <a:xfrm rot="7037132" flipV="1">
+                  <a:off x="1457602" y="2667089"/>
+                  <a:ext cx="394293" cy="355763"/>
+                </a:xfrm>
+                <a:prstGeom prst="arc">
+                  <a:avLst>
+                    <a:gd name="adj1" fmla="val 4879397"/>
+                    <a:gd name="adj2" fmla="val 16452864"/>
+                  </a:avLst>
+                </a:prstGeom>
+                <a:ln w="38100">
+                  <a:solidFill>
+                    <a:srgbClr val="0070C0"/>
+                  </a:solidFill>
+                  <a:headEnd type="none" w="lg" len="lg"/>
+                  <a:tailEnd type="triangle" w="lg" len="lg"/>
+                </a:ln>
+              </p:spPr>
+              <p:style>
+                <a:lnRef idx="1">
+                  <a:schemeClr val="accent1"/>
+                </a:lnRef>
+                <a:fillRef idx="0">
+                  <a:schemeClr val="accent1"/>
+                </a:fillRef>
+                <a:effectRef idx="0">
+                  <a:schemeClr val="accent1"/>
+                </a:effectRef>
+                <a:fontRef idx="minor">
+                  <a:schemeClr val="tx1"/>
+                </a:fontRef>
+              </p:style>
+              <p:txBody>
+                <a:bodyPr rtlCol="0" anchor="ctr"/>
+                <a:lstStyle/>
+                <a:p>
+                  <a:pPr algn="ctr"/>
+                  <a:endParaRPr lang="en-US" b="1" dirty="0">
+                    <a:solidFill>
+                      <a:srgbClr val="0070C0"/>
+                    </a:solidFill>
+                  </a:endParaRPr>
+                </a:p>
+              </p:txBody>
+            </p:sp>
+            <p:sp>
+              <p:nvSpPr>
+                <p:cNvPr id="40" name="円弧 39">
+                  <a:extLst>
+                    <a:ext uri="{FF2B5EF4-FFF2-40B4-BE49-F238E27FC236}">
+                      <a16:creationId xmlns:a16="http://schemas.microsoft.com/office/drawing/2014/main" id="{00B66DFE-51F7-4D7F-BB2E-2F436B5503A9}"/>
+                    </a:ext>
+                  </a:extLst>
+                </p:cNvPr>
+                <p:cNvSpPr/>
+                <p:nvPr/>
+              </p:nvSpPr>
+              <p:spPr>
+                <a:xfrm rot="7037132" flipV="1">
+                  <a:off x="1840020" y="2404033"/>
+                  <a:ext cx="394293" cy="355763"/>
+                </a:xfrm>
+                <a:prstGeom prst="arc">
+                  <a:avLst>
+                    <a:gd name="adj1" fmla="val 4879397"/>
+                    <a:gd name="adj2" fmla="val 16452864"/>
+                  </a:avLst>
+                </a:prstGeom>
+                <a:ln w="38100">
+                  <a:solidFill>
+                    <a:srgbClr val="0070C0"/>
+                  </a:solidFill>
+                  <a:headEnd type="none" w="lg" len="lg"/>
+                  <a:tailEnd type="triangle" w="lg" len="lg"/>
+                </a:ln>
+              </p:spPr>
+              <p:style>
+                <a:lnRef idx="1">
+                  <a:schemeClr val="accent1"/>
+                </a:lnRef>
+                <a:fillRef idx="0">
+                  <a:schemeClr val="accent1"/>
+                </a:fillRef>
+                <a:effectRef idx="0">
+                  <a:schemeClr val="accent1"/>
+                </a:effectRef>
+                <a:fontRef idx="minor">
+                  <a:schemeClr val="tx1"/>
+                </a:fontRef>
+              </p:style>
+              <p:txBody>
+                <a:bodyPr rtlCol="0" anchor="ctr"/>
+                <a:lstStyle/>
+                <a:p>
+                  <a:pPr algn="ctr"/>
+                  <a:endParaRPr lang="en-US" b="1" dirty="0">
+                    <a:solidFill>
+                      <a:srgbClr val="0070C0"/>
+                    </a:solidFill>
+                  </a:endParaRPr>
+                </a:p>
+              </p:txBody>
+            </p:sp>
+          </p:grpSp>
+          <p:sp>
+            <p:nvSpPr>
+              <p:cNvPr id="42" name="テキスト ボックス 41"/>
+              <p:cNvSpPr txBox="1"/>
+              <p:nvPr/>
+            </p:nvSpPr>
+            <p:spPr>
+              <a:xfrm>
+                <a:off x="1683932" y="1726591"/>
+                <a:ext cx="488515" cy="307777"/>
+              </a:xfrm>
+              <a:prstGeom prst="rect">
+                <a:avLst/>
+              </a:prstGeom>
+              <a:noFill/>
+            </p:spPr>
+            <p:txBody>
+              <a:bodyPr wrap="square" rtlCol="0">
+                <a:spAutoFit/>
+              </a:bodyPr>
+              <a:lstStyle/>
+              <a:p>
+                <a:r>
+                  <a:rPr kumimoji="1" lang="en-US" altLang="ja-JP" sz="1400" dirty="0" smtClean="0">
+                    <a:solidFill>
+                      <a:srgbClr val="00B050"/>
+                    </a:solidFill>
+                  </a:rPr>
+                  <a:t>θ1</a:t>
+                </a:r>
+                <a:endParaRPr kumimoji="1" lang="ja-JP" altLang="en-US" sz="1400" dirty="0">
+                  <a:solidFill>
+                    <a:srgbClr val="00B050"/>
+                  </a:solidFill>
+                </a:endParaRPr>
+              </a:p>
+            </p:txBody>
+          </p:sp>
+          <p:sp>
+            <p:nvSpPr>
+              <p:cNvPr id="43" name="テキスト ボックス 42"/>
+              <p:cNvSpPr txBox="1"/>
+              <p:nvPr/>
+            </p:nvSpPr>
+            <p:spPr>
+              <a:xfrm>
+                <a:off x="2283856" y="2276025"/>
+                <a:ext cx="488515" cy="307777"/>
+              </a:xfrm>
+              <a:prstGeom prst="rect">
+                <a:avLst/>
+              </a:prstGeom>
+              <a:noFill/>
+            </p:spPr>
+            <p:txBody>
+              <a:bodyPr wrap="square" rtlCol="0">
+                <a:spAutoFit/>
+              </a:bodyPr>
+              <a:lstStyle/>
+              <a:p>
+                <a:r>
+                  <a:rPr kumimoji="1" lang="en-US" altLang="ja-JP" sz="1400" dirty="0" smtClean="0">
+                    <a:solidFill>
+                      <a:srgbClr val="00B050"/>
+                    </a:solidFill>
+                  </a:rPr>
+                  <a:t>θ2</a:t>
+                </a:r>
+                <a:endParaRPr kumimoji="1" lang="ja-JP" altLang="en-US" sz="1400" dirty="0">
+                  <a:solidFill>
+                    <a:srgbClr val="00B050"/>
+                  </a:solidFill>
+                </a:endParaRPr>
+              </a:p>
+            </p:txBody>
+          </p:sp>
+        </p:grpSp>
+        <p:sp>
+          <p:nvSpPr>
+            <p:cNvPr id="47" name="テキスト ボックス 46"/>
+            <p:cNvSpPr txBox="1"/>
+            <p:nvPr/>
+          </p:nvSpPr>
+          <p:spPr>
+            <a:xfrm>
+              <a:off x="925281" y="2079925"/>
+              <a:ext cx="250521" cy="307777"/>
+            </a:xfrm>
+            <a:prstGeom prst="rect">
+              <a:avLst/>
+            </a:prstGeom>
+            <a:noFill/>
+          </p:spPr>
+          <p:txBody>
+            <a:bodyPr wrap="square" rtlCol="0">
+              <a:spAutoFit/>
+            </a:bodyPr>
+            <a:lstStyle/>
+            <a:p>
+              <a:r>
+                <a:rPr kumimoji="1" lang="en-US" altLang="ja-JP" sz="1400" dirty="0" smtClean="0">
+                  <a:solidFill>
+                    <a:schemeClr val="accent1"/>
+                  </a:solidFill>
+                </a:rPr>
+                <a:t>M</a:t>
+              </a:r>
+              <a:endParaRPr kumimoji="1" lang="ja-JP" altLang="en-US" sz="1400" dirty="0">
+                <a:solidFill>
+                  <a:schemeClr val="accent1"/>
+                </a:solidFill>
+              </a:endParaRPr>
+            </a:p>
+          </p:txBody>
+        </p:sp>
+      </p:grpSp>
+      <p:sp>
+        <p:nvSpPr>
+          <p:cNvPr id="27" name="テキスト ボックス 26"/>
           <p:cNvSpPr txBox="1"/>
           <p:nvPr/>
         </p:nvSpPr>
@@ -11090,10 +12159,1337 @@
           </a:p>
         </p:txBody>
       </p:sp>
+      <p:sp>
+        <p:nvSpPr>
+          <p:cNvPr id="2" name="テキスト ボックス 1"/>
+          <p:cNvSpPr txBox="1"/>
+          <p:nvPr/>
+        </p:nvSpPr>
+        <p:spPr>
+          <a:xfrm>
+            <a:off x="5085917" y="3411831"/>
+            <a:ext cx="6032421" cy="646331"/>
+          </a:xfrm>
+          <a:prstGeom prst="rect">
+            <a:avLst/>
+          </a:prstGeom>
+          <a:noFill/>
+        </p:spPr>
+        <p:txBody>
+          <a:bodyPr wrap="none" rtlCol="0">
+            <a:spAutoFit/>
+          </a:bodyPr>
+          <a:lstStyle/>
+          <a:p>
+            <a:r>
+              <a:rPr kumimoji="1" lang="ja-JP" altLang="en-US" dirty="0" smtClean="0"/>
+              <a:t>加熱部だけのシェルモデルを作成し、</a:t>
+            </a:r>
+            <a:endParaRPr kumimoji="1" lang="en-US" altLang="ja-JP" dirty="0" smtClean="0"/>
+          </a:p>
+          <a:p>
+            <a:r>
+              <a:rPr kumimoji="1" lang="ja-JP" altLang="en-US" dirty="0" smtClean="0"/>
+              <a:t>強制変位</a:t>
+            </a:r>
+            <a:r>
+              <a:rPr kumimoji="1" lang="en-US" altLang="ja-JP" dirty="0" smtClean="0"/>
+              <a:t>θ1,θ2</a:t>
+            </a:r>
+            <a:r>
+              <a:rPr kumimoji="1" lang="ja-JP" altLang="en-US" dirty="0" smtClean="0"/>
+              <a:t>を与え中央での曲げモーメント</a:t>
+            </a:r>
+            <a:r>
+              <a:rPr kumimoji="1" lang="ja-JP" altLang="en-US" dirty="0" err="1" smtClean="0"/>
+              <a:t>ｍ</a:t>
+            </a:r>
+            <a:r>
+              <a:rPr kumimoji="1" lang="ja-JP" altLang="en-US" dirty="0" smtClean="0"/>
+              <a:t>を求める</a:t>
+            </a:r>
+            <a:endParaRPr kumimoji="1" lang="en-US" altLang="ja-JP" dirty="0" smtClean="0"/>
+          </a:p>
+        </p:txBody>
+      </p:sp>
+      <mc:AlternateContent xmlns:mc="http://schemas.openxmlformats.org/markup-compatibility/2006" xmlns:a14="http://schemas.microsoft.com/office/drawing/2010/main">
+        <mc:Choice Requires="a14">
+          <p:sp>
+            <p:nvSpPr>
+              <p:cNvPr id="68" name="テキスト ボックス 67"/>
+              <p:cNvSpPr txBox="1"/>
+              <p:nvPr/>
+            </p:nvSpPr>
+            <p:spPr>
+              <a:xfrm>
+                <a:off x="5085917" y="5085568"/>
+                <a:ext cx="4032386" cy="537776"/>
+              </a:xfrm>
+              <a:prstGeom prst="rect">
+                <a:avLst/>
+              </a:prstGeom>
+              <a:noFill/>
+            </p:spPr>
+            <p:txBody>
+              <a:bodyPr wrap="none" rtlCol="0">
+                <a:spAutoFit/>
+              </a:bodyPr>
+              <a:lstStyle/>
+              <a:p>
+                <a:r>
+                  <a:rPr kumimoji="1" lang="ja-JP" altLang="en-US" dirty="0" smtClean="0">
+                    <a:ea typeface="Cambria Math" panose="02040503050406030204" pitchFamily="18" charset="0"/>
+                  </a:rPr>
+                  <a:t>非</a:t>
+                </a:r>
+                <a14:m>
+                  <m:oMath xmlns:m="http://schemas.openxmlformats.org/officeDocument/2006/math">
+                    <m:r>
+                      <a:rPr kumimoji="1" lang="ja-JP" altLang="en-US" i="1" smtClean="0">
+                        <a:latin typeface="Cambria Math" panose="02040503050406030204" pitchFamily="18" charset="0"/>
+                        <a:ea typeface="Cambria Math" panose="02040503050406030204" pitchFamily="18" charset="0"/>
+                      </a:rPr>
+                      <m:t>加熱部</m:t>
+                    </m:r>
+                    <m:r>
+                      <a:rPr kumimoji="1" lang="ja-JP" altLang="en-US" i="1">
+                        <a:latin typeface="Cambria Math" panose="02040503050406030204" pitchFamily="18" charset="0"/>
+                        <a:ea typeface="Cambria Math" panose="02040503050406030204" pitchFamily="18" charset="0"/>
+                      </a:rPr>
+                      <m:t>の</m:t>
+                    </m:r>
+                    <m:r>
+                      <a:rPr kumimoji="1" lang="ja-JP" altLang="en-US" i="1" smtClean="0">
+                        <a:latin typeface="Cambria Math" panose="02040503050406030204" pitchFamily="18" charset="0"/>
+                        <a:ea typeface="Cambria Math" panose="02040503050406030204" pitchFamily="18" charset="0"/>
+                      </a:rPr>
+                      <m:t>曲げ剛性</m:t>
+                    </m:r>
+                    <m:r>
+                      <a:rPr kumimoji="1" lang="en-US" altLang="ja-JP" i="1" smtClean="0">
+                        <a:latin typeface="Cambria Math" panose="02040503050406030204" pitchFamily="18" charset="0"/>
+                        <a:ea typeface="Cambria Math" panose="02040503050406030204" pitchFamily="18" charset="0"/>
+                      </a:rPr>
+                      <m:t>=</m:t>
+                    </m:r>
+                    <m:f>
+                      <m:fPr>
+                        <m:ctrlPr>
+                          <a:rPr kumimoji="1" lang="en-US" altLang="ja-JP" i="1" smtClean="0">
+                            <a:latin typeface="Cambria Math" panose="02040503050406030204" pitchFamily="18" charset="0"/>
+                          </a:rPr>
+                        </m:ctrlPr>
+                      </m:fPr>
+                      <m:num>
+                        <m:sSub>
+                          <m:sSubPr>
+                            <m:ctrlPr>
+                              <a:rPr kumimoji="1" lang="en-US" altLang="ja-JP" i="1" smtClean="0">
+                                <a:latin typeface="Cambria Math" panose="02040503050406030204" pitchFamily="18" charset="0"/>
+                              </a:rPr>
+                            </m:ctrlPr>
+                          </m:sSubPr>
+                          <m:e>
+                            <m:r>
+                              <a:rPr kumimoji="1" lang="en-US" altLang="ja-JP" b="0" i="1" smtClean="0">
+                                <a:latin typeface="Cambria Math" panose="02040503050406030204" pitchFamily="18" charset="0"/>
+                              </a:rPr>
+                              <m:t>𝑀</m:t>
+                            </m:r>
+                          </m:e>
+                          <m:sub>
+                            <m:r>
+                              <a:rPr kumimoji="1" lang="en-US" altLang="ja-JP" b="0" i="1" smtClean="0">
+                                <a:latin typeface="Cambria Math" panose="02040503050406030204" pitchFamily="18" charset="0"/>
+                              </a:rPr>
+                              <m:t>𝑛𝑒𝑡</m:t>
+                            </m:r>
+                          </m:sub>
+                        </m:sSub>
+                      </m:num>
+                      <m:den>
+                        <m:sSub>
+                          <m:sSubPr>
+                            <m:ctrlPr>
+                              <a:rPr kumimoji="1" lang="en-US" altLang="ja-JP" i="1" smtClean="0">
+                                <a:latin typeface="Cambria Math" panose="02040503050406030204" pitchFamily="18" charset="0"/>
+                              </a:rPr>
+                            </m:ctrlPr>
+                          </m:sSubPr>
+                          <m:e>
+                            <m:r>
+                              <a:rPr kumimoji="1" lang="ja-JP" altLang="en-US" i="1" smtClean="0">
+                                <a:latin typeface="Cambria Math" panose="02040503050406030204" pitchFamily="18" charset="0"/>
+                              </a:rPr>
+                              <m:t>𝜃</m:t>
+                            </m:r>
+                          </m:e>
+                          <m:sub>
+                            <m:r>
+                              <a:rPr kumimoji="1" lang="en-US" altLang="ja-JP" b="0" i="1" smtClean="0">
+                                <a:latin typeface="Cambria Math" panose="02040503050406030204" pitchFamily="18" charset="0"/>
+                              </a:rPr>
+                              <m:t>1</m:t>
+                            </m:r>
+                          </m:sub>
+                        </m:sSub>
+                        <m:r>
+                          <a:rPr kumimoji="1" lang="en-US" altLang="ja-JP" i="1">
+                            <a:latin typeface="Cambria Math" panose="02040503050406030204" pitchFamily="18" charset="0"/>
+                            <a:ea typeface="Cambria Math" panose="02040503050406030204" pitchFamily="18" charset="0"/>
+                          </a:rPr>
+                          <m:t>+</m:t>
+                        </m:r>
+                        <m:sSub>
+                          <m:sSubPr>
+                            <m:ctrlPr>
+                              <a:rPr kumimoji="1" lang="en-US" altLang="ja-JP" i="1" smtClean="0">
+                                <a:latin typeface="Cambria Math" panose="02040503050406030204" pitchFamily="18" charset="0"/>
+                                <a:ea typeface="Cambria Math" panose="02040503050406030204" pitchFamily="18" charset="0"/>
+                              </a:rPr>
+                            </m:ctrlPr>
+                          </m:sSubPr>
+                          <m:e>
+                            <m:r>
+                              <a:rPr kumimoji="1" lang="ja-JP" altLang="en-US" i="1" smtClean="0">
+                                <a:latin typeface="Cambria Math" panose="02040503050406030204" pitchFamily="18" charset="0"/>
+                                <a:ea typeface="Cambria Math" panose="02040503050406030204" pitchFamily="18" charset="0"/>
+                              </a:rPr>
+                              <m:t>𝜃</m:t>
+                            </m:r>
+                          </m:e>
+                          <m:sub>
+                            <m:r>
+                              <a:rPr kumimoji="1" lang="en-US" altLang="ja-JP" b="0" i="1" smtClean="0">
+                                <a:latin typeface="Cambria Math" panose="02040503050406030204" pitchFamily="18" charset="0"/>
+                                <a:ea typeface="Cambria Math" panose="02040503050406030204" pitchFamily="18" charset="0"/>
+                              </a:rPr>
+                              <m:t>2</m:t>
+                            </m:r>
+                          </m:sub>
+                        </m:sSub>
+                      </m:den>
+                    </m:f>
+                    <m:r>
+                      <a:rPr kumimoji="1" lang="en-US" altLang="ja-JP" i="1">
+                        <a:latin typeface="Cambria Math" panose="02040503050406030204" pitchFamily="18" charset="0"/>
+                        <a:ea typeface="Cambria Math" panose="02040503050406030204" pitchFamily="18" charset="0"/>
+                      </a:rPr>
+                      <m:t>=</m:t>
+                    </m:r>
+                    <m:f>
+                      <m:fPr>
+                        <m:ctrlPr>
+                          <a:rPr kumimoji="1" lang="en-US" altLang="ja-JP" i="1" smtClean="0">
+                            <a:latin typeface="Cambria Math" panose="02040503050406030204" pitchFamily="18" charset="0"/>
+                            <a:ea typeface="Cambria Math" panose="02040503050406030204" pitchFamily="18" charset="0"/>
+                          </a:rPr>
+                        </m:ctrlPr>
+                      </m:fPr>
+                      <m:num>
+                        <m:r>
+                          <a:rPr kumimoji="1" lang="en-US" altLang="ja-JP" b="0" i="1" smtClean="0">
+                            <a:latin typeface="Cambria Math" panose="02040503050406030204" pitchFamily="18" charset="0"/>
+                            <a:ea typeface="Cambria Math" panose="02040503050406030204" pitchFamily="18" charset="0"/>
+                          </a:rPr>
+                          <m:t>2</m:t>
+                        </m:r>
+                        <m:d>
+                          <m:dPr>
+                            <m:ctrlPr>
+                              <a:rPr kumimoji="1" lang="en-US" altLang="ja-JP" b="0" i="1" smtClean="0">
+                                <a:latin typeface="Cambria Math" panose="02040503050406030204" pitchFamily="18" charset="0"/>
+                                <a:ea typeface="Cambria Math" panose="02040503050406030204" pitchFamily="18" charset="0"/>
+                              </a:rPr>
+                            </m:ctrlPr>
+                          </m:dPr>
+                          <m:e>
+                            <m:r>
+                              <a:rPr kumimoji="1" lang="en-US" altLang="ja-JP" b="0" i="1" smtClean="0">
+                                <a:latin typeface="Cambria Math" panose="02040503050406030204" pitchFamily="18" charset="0"/>
+                                <a:ea typeface="Cambria Math" panose="02040503050406030204" pitchFamily="18" charset="0"/>
+                              </a:rPr>
+                              <m:t>𝑀</m:t>
+                            </m:r>
+                            <m:r>
+                              <a:rPr kumimoji="1" lang="en-US" altLang="ja-JP" b="0" i="1" smtClean="0">
+                                <a:latin typeface="Cambria Math" panose="02040503050406030204" pitchFamily="18" charset="0"/>
+                                <a:ea typeface="Cambria Math" panose="02040503050406030204" pitchFamily="18" charset="0"/>
+                              </a:rPr>
+                              <m:t>−</m:t>
+                            </m:r>
+                            <m:r>
+                              <a:rPr kumimoji="1" lang="en-US" altLang="ja-JP" b="0" i="1" smtClean="0">
+                                <a:latin typeface="Cambria Math" panose="02040503050406030204" pitchFamily="18" charset="0"/>
+                                <a:ea typeface="Cambria Math" panose="02040503050406030204" pitchFamily="18" charset="0"/>
+                              </a:rPr>
+                              <m:t>𝑚</m:t>
+                            </m:r>
+                          </m:e>
+                        </m:d>
+                      </m:num>
+                      <m:den>
+                        <m:sSub>
+                          <m:sSubPr>
+                            <m:ctrlPr>
+                              <a:rPr kumimoji="1" lang="en-US" altLang="ja-JP" i="1">
+                                <a:latin typeface="Cambria Math" panose="02040503050406030204" pitchFamily="18" charset="0"/>
+                              </a:rPr>
+                            </m:ctrlPr>
+                          </m:sSubPr>
+                          <m:e>
+                            <m:r>
+                              <a:rPr kumimoji="1" lang="ja-JP" altLang="en-US" i="1">
+                                <a:latin typeface="Cambria Math" panose="02040503050406030204" pitchFamily="18" charset="0"/>
+                              </a:rPr>
+                              <m:t>𝜃</m:t>
+                            </m:r>
+                          </m:e>
+                          <m:sub>
+                            <m:r>
+                              <a:rPr kumimoji="1" lang="en-US" altLang="ja-JP" i="1">
+                                <a:latin typeface="Cambria Math" panose="02040503050406030204" pitchFamily="18" charset="0"/>
+                              </a:rPr>
+                              <m:t>1</m:t>
+                            </m:r>
+                          </m:sub>
+                        </m:sSub>
+                        <m:r>
+                          <a:rPr kumimoji="1" lang="en-US" altLang="ja-JP" i="1">
+                            <a:latin typeface="Cambria Math" panose="02040503050406030204" pitchFamily="18" charset="0"/>
+                            <a:ea typeface="Cambria Math" panose="02040503050406030204" pitchFamily="18" charset="0"/>
+                          </a:rPr>
+                          <m:t>+</m:t>
+                        </m:r>
+                        <m:sSub>
+                          <m:sSubPr>
+                            <m:ctrlPr>
+                              <a:rPr kumimoji="1" lang="en-US" altLang="ja-JP" i="1">
+                                <a:latin typeface="Cambria Math" panose="02040503050406030204" pitchFamily="18" charset="0"/>
+                                <a:ea typeface="Cambria Math" panose="02040503050406030204" pitchFamily="18" charset="0"/>
+                              </a:rPr>
+                            </m:ctrlPr>
+                          </m:sSubPr>
+                          <m:e>
+                            <m:r>
+                              <a:rPr kumimoji="1" lang="ja-JP" altLang="en-US" i="1">
+                                <a:latin typeface="Cambria Math" panose="02040503050406030204" pitchFamily="18" charset="0"/>
+                                <a:ea typeface="Cambria Math" panose="02040503050406030204" pitchFamily="18" charset="0"/>
+                              </a:rPr>
+                              <m:t>𝜃</m:t>
+                            </m:r>
+                          </m:e>
+                          <m:sub>
+                            <m:r>
+                              <a:rPr kumimoji="1" lang="en-US" altLang="ja-JP" i="1">
+                                <a:latin typeface="Cambria Math" panose="02040503050406030204" pitchFamily="18" charset="0"/>
+                                <a:ea typeface="Cambria Math" panose="02040503050406030204" pitchFamily="18" charset="0"/>
+                              </a:rPr>
+                              <m:t>2</m:t>
+                            </m:r>
+                          </m:sub>
+                        </m:sSub>
+                      </m:den>
+                    </m:f>
+                  </m:oMath>
+                </a14:m>
+                <a:endParaRPr kumimoji="1" lang="ja-JP" altLang="en-US" dirty="0"/>
+              </a:p>
+            </p:txBody>
+          </p:sp>
+        </mc:Choice>
+        <mc:Fallback xmlns="">
+          <p:sp>
+            <p:nvSpPr>
+              <p:cNvPr id="68" name="テキスト ボックス 67"/>
+              <p:cNvSpPr txBox="1">
+                <a:spLocks noRot="1" noChangeAspect="1" noMove="1" noResize="1" noEditPoints="1" noAdjustHandles="1" noChangeArrowheads="1" noChangeShapeType="1" noTextEdit="1"/>
+              </p:cNvSpPr>
+              <p:nvPr/>
+            </p:nvSpPr>
+            <p:spPr>
+              <a:xfrm>
+                <a:off x="5085917" y="5085568"/>
+                <a:ext cx="4032386" cy="537776"/>
+              </a:xfrm>
+              <a:prstGeom prst="rect">
+                <a:avLst/>
+              </a:prstGeom>
+              <a:blipFill>
+                <a:blip r:embed="rId2"/>
+                <a:stretch>
+                  <a:fillRect l="-1208"/>
+                </a:stretch>
+              </a:blipFill>
+            </p:spPr>
+            <p:txBody>
+              <a:bodyPr/>
+              <a:lstStyle/>
+              <a:p>
+                <a:r>
+                  <a:rPr lang="ja-JP" altLang="en-US">
+                    <a:noFill/>
+                  </a:rPr>
+                  <a:t> </a:t>
+                </a:r>
+              </a:p>
+            </p:txBody>
+          </p:sp>
+        </mc:Fallback>
+      </mc:AlternateContent>
+      <p:grpSp>
+        <p:nvGrpSpPr>
+          <p:cNvPr id="73" name="グループ化 72"/>
+          <p:cNvGrpSpPr/>
+          <p:nvPr/>
+        </p:nvGrpSpPr>
+        <p:grpSpPr>
+          <a:xfrm>
+            <a:off x="585627" y="3000510"/>
+            <a:ext cx="3709385" cy="1798791"/>
+            <a:chOff x="846470" y="3148367"/>
+            <a:chExt cx="3709385" cy="1798791"/>
+          </a:xfrm>
+        </p:grpSpPr>
+        <p:grpSp>
+          <p:nvGrpSpPr>
+            <p:cNvPr id="67" name="グループ化 66"/>
+            <p:cNvGrpSpPr/>
+            <p:nvPr/>
+          </p:nvGrpSpPr>
+          <p:grpSpPr>
+            <a:xfrm>
+              <a:off x="846470" y="3148367"/>
+              <a:ext cx="3709385" cy="1798791"/>
+              <a:chOff x="731932" y="3158095"/>
+              <a:chExt cx="3709385" cy="1798791"/>
+            </a:xfrm>
+          </p:grpSpPr>
+          <p:grpSp>
+            <p:nvGrpSpPr>
+              <p:cNvPr id="61" name="グループ化 60"/>
+              <p:cNvGrpSpPr/>
+              <p:nvPr/>
+            </p:nvGrpSpPr>
+            <p:grpSpPr>
+              <a:xfrm>
+                <a:off x="731932" y="3158095"/>
+                <a:ext cx="3709385" cy="1426947"/>
+                <a:chOff x="575356" y="3247477"/>
+                <a:chExt cx="3709385" cy="1426947"/>
+              </a:xfrm>
+            </p:grpSpPr>
+            <p:grpSp>
+              <p:nvGrpSpPr>
+                <p:cNvPr id="29" name="グループ化 28"/>
+                <p:cNvGrpSpPr/>
+                <p:nvPr/>
+              </p:nvGrpSpPr>
+              <p:grpSpPr>
+                <a:xfrm>
+                  <a:off x="575356" y="3247477"/>
+                  <a:ext cx="3709385" cy="1426947"/>
+                  <a:chOff x="488375" y="4121063"/>
+                  <a:chExt cx="3709385" cy="1426947"/>
+                </a:xfrm>
+              </p:grpSpPr>
+              <p:sp>
+                <p:nvSpPr>
+                  <p:cNvPr id="10" name="フリーフォーム 9"/>
+                  <p:cNvSpPr/>
+                  <p:nvPr/>
+                </p:nvSpPr>
+                <p:spPr>
+                  <a:xfrm>
+                    <a:off x="1247635" y="4678205"/>
+                    <a:ext cx="1716066" cy="691924"/>
+                  </a:xfrm>
+                  <a:custGeom>
+                    <a:avLst/>
+                    <a:gdLst>
+                      <a:gd name="connsiteX0" fmla="*/ 0 w 1716066"/>
+                      <a:gd name="connsiteY0" fmla="*/ 0 h 691924"/>
+                      <a:gd name="connsiteX1" fmla="*/ 720246 w 1716066"/>
+                      <a:gd name="connsiteY1" fmla="*/ 688931 h 691924"/>
+                      <a:gd name="connsiteX2" fmla="*/ 1716066 w 1716066"/>
+                      <a:gd name="connsiteY2" fmla="*/ 263047 h 691924"/>
+                    </a:gdLst>
+                    <a:ahLst/>
+                    <a:cxnLst>
+                      <a:cxn ang="0">
+                        <a:pos x="connsiteX0" y="connsiteY0"/>
+                      </a:cxn>
+                      <a:cxn ang="0">
+                        <a:pos x="connsiteX1" y="connsiteY1"/>
+                      </a:cxn>
+                      <a:cxn ang="0">
+                        <a:pos x="connsiteX2" y="connsiteY2"/>
+                      </a:cxn>
+                    </a:cxnLst>
+                    <a:rect l="l" t="t" r="r" b="b"/>
+                    <a:pathLst>
+                      <a:path w="1716066" h="691924">
+                        <a:moveTo>
+                          <a:pt x="0" y="0"/>
+                        </a:moveTo>
+                        <a:cubicBezTo>
+                          <a:pt x="217117" y="322545"/>
+                          <a:pt x="434235" y="645090"/>
+                          <a:pt x="720246" y="688931"/>
+                        </a:cubicBezTo>
+                        <a:cubicBezTo>
+                          <a:pt x="1006257" y="732772"/>
+                          <a:pt x="1431099" y="280792"/>
+                          <a:pt x="1716066" y="263047"/>
+                        </a:cubicBezTo>
+                      </a:path>
+                    </a:pathLst>
+                  </a:custGeom>
+                  <a:ln w="38100"/>
+                </p:spPr>
+                <p:style>
+                  <a:lnRef idx="1">
+                    <a:schemeClr val="dk1"/>
+                  </a:lnRef>
+                  <a:fillRef idx="0">
+                    <a:schemeClr val="dk1"/>
+                  </a:fillRef>
+                  <a:effectRef idx="0">
+                    <a:schemeClr val="dk1"/>
+                  </a:effectRef>
+                  <a:fontRef idx="minor">
+                    <a:schemeClr val="tx1"/>
+                  </a:fontRef>
+                </p:style>
+                <p:txBody>
+                  <a:bodyPr rtlCol="0" anchor="ctr"/>
+                  <a:lstStyle/>
+                  <a:p>
+                    <a:pPr algn="ctr"/>
+                    <a:endParaRPr kumimoji="1" lang="ja-JP" altLang="en-US"/>
+                  </a:p>
+                </p:txBody>
+              </p:sp>
+              <p:grpSp>
+                <p:nvGrpSpPr>
+                  <p:cNvPr id="28" name="グループ化 27"/>
+                  <p:cNvGrpSpPr/>
+                  <p:nvPr/>
+                </p:nvGrpSpPr>
+                <p:grpSpPr>
+                  <a:xfrm>
+                    <a:off x="488375" y="4121063"/>
+                    <a:ext cx="3709385" cy="1426947"/>
+                    <a:chOff x="488375" y="4121063"/>
+                    <a:chExt cx="3709385" cy="1426947"/>
+                  </a:xfrm>
+                </p:grpSpPr>
+                <p:cxnSp>
+                  <p:nvCxnSpPr>
+                    <p:cNvPr id="13" name="直線コネクタ 12"/>
+                    <p:cNvCxnSpPr/>
+                    <p:nvPr/>
+                  </p:nvCxnSpPr>
+                  <p:spPr>
+                    <a:xfrm flipV="1">
+                      <a:off x="2963701" y="4766153"/>
+                      <a:ext cx="844211" cy="162839"/>
+                    </a:xfrm>
+                    <a:prstGeom prst="line">
+                      <a:avLst/>
+                    </a:prstGeom>
+                    <a:ln w="9525" cap="flat" cmpd="sng" algn="ctr">
+                      <a:solidFill>
+                        <a:schemeClr val="dk1"/>
+                      </a:solidFill>
+                      <a:prstDash val="dash"/>
+                      <a:round/>
+                      <a:headEnd type="none" w="med" len="med"/>
+                      <a:tailEnd type="none" w="med" len="med"/>
+                    </a:ln>
+                  </p:spPr>
+                  <p:style>
+                    <a:lnRef idx="0">
+                      <a:scrgbClr r="0" g="0" b="0"/>
+                    </a:lnRef>
+                    <a:fillRef idx="0">
+                      <a:scrgbClr r="0" g="0" b="0"/>
+                    </a:fillRef>
+                    <a:effectRef idx="0">
+                      <a:scrgbClr r="0" g="0" b="0"/>
+                    </a:effectRef>
+                    <a:fontRef idx="minor">
+                      <a:schemeClr val="tx1"/>
+                    </a:fontRef>
+                  </p:style>
+                </p:cxnSp>
+                <p:cxnSp>
+                  <p:nvCxnSpPr>
+                    <p:cNvPr id="53" name="直線コネクタ 52"/>
+                    <p:cNvCxnSpPr/>
+                    <p:nvPr/>
+                  </p:nvCxnSpPr>
+                  <p:spPr>
+                    <a:xfrm flipV="1">
+                      <a:off x="3007541" y="4932164"/>
+                      <a:ext cx="773604" cy="13252"/>
+                    </a:xfrm>
+                    <a:prstGeom prst="line">
+                      <a:avLst/>
+                    </a:prstGeom>
+                    <a:ln w="9525" cap="flat" cmpd="sng" algn="ctr">
+                      <a:solidFill>
+                        <a:schemeClr val="dk1"/>
+                      </a:solidFill>
+                      <a:prstDash val="dash"/>
+                      <a:round/>
+                      <a:headEnd type="none" w="med" len="med"/>
+                      <a:tailEnd type="none" w="med" len="med"/>
+                    </a:ln>
+                  </p:spPr>
+                  <p:style>
+                    <a:lnRef idx="0">
+                      <a:scrgbClr r="0" g="0" b="0"/>
+                    </a:lnRef>
+                    <a:fillRef idx="0">
+                      <a:scrgbClr r="0" g="0" b="0"/>
+                    </a:fillRef>
+                    <a:effectRef idx="0">
+                      <a:scrgbClr r="0" g="0" b="0"/>
+                    </a:effectRef>
+                    <a:fontRef idx="minor">
+                      <a:schemeClr val="tx1"/>
+                    </a:fontRef>
+                  </p:style>
+                </p:cxnSp>
+                <p:cxnSp>
+                  <p:nvCxnSpPr>
+                    <p:cNvPr id="54" name="直線コネクタ 53"/>
+                    <p:cNvCxnSpPr/>
+                    <p:nvPr/>
+                  </p:nvCxnSpPr>
+                  <p:spPr>
+                    <a:xfrm flipV="1">
+                      <a:off x="488375" y="4678205"/>
+                      <a:ext cx="773604" cy="13252"/>
+                    </a:xfrm>
+                    <a:prstGeom prst="line">
+                      <a:avLst/>
+                    </a:prstGeom>
+                    <a:ln w="9525" cap="flat" cmpd="sng" algn="ctr">
+                      <a:solidFill>
+                        <a:schemeClr val="dk1"/>
+                      </a:solidFill>
+                      <a:prstDash val="dash"/>
+                      <a:round/>
+                      <a:headEnd type="none" w="med" len="med"/>
+                      <a:tailEnd type="none" w="med" len="med"/>
+                    </a:ln>
+                  </p:spPr>
+                  <p:style>
+                    <a:lnRef idx="0">
+                      <a:scrgbClr r="0" g="0" b="0"/>
+                    </a:lnRef>
+                    <a:fillRef idx="0">
+                      <a:scrgbClr r="0" g="0" b="0"/>
+                    </a:fillRef>
+                    <a:effectRef idx="0">
+                      <a:scrgbClr r="0" g="0" b="0"/>
+                    </a:effectRef>
+                    <a:fontRef idx="minor">
+                      <a:schemeClr val="tx1"/>
+                    </a:fontRef>
+                  </p:style>
+                </p:cxnSp>
+                <p:cxnSp>
+                  <p:nvCxnSpPr>
+                    <p:cNvPr id="55" name="直線コネクタ 54"/>
+                    <p:cNvCxnSpPr>
+                      <a:endCxn id="10" idx="0"/>
+                    </p:cNvCxnSpPr>
+                    <p:nvPr/>
+                  </p:nvCxnSpPr>
+                  <p:spPr>
+                    <a:xfrm>
+                      <a:off x="920663" y="4121063"/>
+                      <a:ext cx="326972" cy="557142"/>
+                    </a:xfrm>
+                    <a:prstGeom prst="line">
+                      <a:avLst/>
+                    </a:prstGeom>
+                    <a:ln w="9525" cap="flat" cmpd="sng" algn="ctr">
+                      <a:solidFill>
+                        <a:schemeClr val="dk1"/>
+                      </a:solidFill>
+                      <a:prstDash val="dash"/>
+                      <a:round/>
+                      <a:headEnd type="none" w="med" len="med"/>
+                      <a:tailEnd type="none" w="med" len="med"/>
+                    </a:ln>
+                  </p:spPr>
+                  <p:style>
+                    <a:lnRef idx="0">
+                      <a:scrgbClr r="0" g="0" b="0"/>
+                    </a:lnRef>
+                    <a:fillRef idx="0">
+                      <a:scrgbClr r="0" g="0" b="0"/>
+                    </a:fillRef>
+                    <a:effectRef idx="0">
+                      <a:scrgbClr r="0" g="0" b="0"/>
+                    </a:effectRef>
+                    <a:fontRef idx="minor">
+                      <a:schemeClr val="tx1"/>
+                    </a:fontRef>
+                  </p:style>
+                </p:cxnSp>
+                <p:sp>
+                  <p:nvSpPr>
+                    <p:cNvPr id="56" name="テキスト ボックス 55"/>
+                    <p:cNvSpPr txBox="1"/>
+                    <p:nvPr/>
+                  </p:nvSpPr>
+                  <p:spPr>
+                    <a:xfrm>
+                      <a:off x="586093" y="4351721"/>
+                      <a:ext cx="488515" cy="307777"/>
+                    </a:xfrm>
+                    <a:prstGeom prst="rect">
+                      <a:avLst/>
+                    </a:prstGeom>
+                    <a:noFill/>
+                  </p:spPr>
+                  <p:txBody>
+                    <a:bodyPr wrap="square" rtlCol="0">
+                      <a:spAutoFit/>
+                    </a:bodyPr>
+                    <a:lstStyle/>
+                    <a:p>
+                      <a:r>
+                        <a:rPr kumimoji="1" lang="en-US" altLang="ja-JP" sz="1400" dirty="0" smtClean="0"/>
+                        <a:t>θ1</a:t>
+                      </a:r>
+                      <a:endParaRPr kumimoji="1" lang="ja-JP" altLang="en-US" sz="1400" dirty="0"/>
+                    </a:p>
+                  </p:txBody>
+                </p:sp>
+                <p:sp>
+                  <p:nvSpPr>
+                    <p:cNvPr id="57" name="テキスト ボックス 56"/>
+                    <p:cNvSpPr txBox="1"/>
+                    <p:nvPr/>
+                  </p:nvSpPr>
+                  <p:spPr>
+                    <a:xfrm>
+                      <a:off x="3709245" y="4691457"/>
+                      <a:ext cx="488515" cy="307777"/>
+                    </a:xfrm>
+                    <a:prstGeom prst="rect">
+                      <a:avLst/>
+                    </a:prstGeom>
+                    <a:noFill/>
+                  </p:spPr>
+                  <p:txBody>
+                    <a:bodyPr wrap="square" rtlCol="0">
+                      <a:spAutoFit/>
+                    </a:bodyPr>
+                    <a:lstStyle/>
+                    <a:p>
+                      <a:r>
+                        <a:rPr kumimoji="1" lang="en-US" altLang="ja-JP" sz="1400" dirty="0" smtClean="0"/>
+                        <a:t>θ2</a:t>
+                      </a:r>
+                      <a:endParaRPr kumimoji="1" lang="ja-JP" altLang="en-US" sz="1400" dirty="0"/>
+                    </a:p>
+                  </p:txBody>
+                </p:sp>
+                <p:sp>
+                  <p:nvSpPr>
+                    <p:cNvPr id="58" name="円弧 57">
+                      <a:extLst>
+                        <a:ext uri="{FF2B5EF4-FFF2-40B4-BE49-F238E27FC236}">
+                          <a16:creationId xmlns:a16="http://schemas.microsoft.com/office/drawing/2014/main" id="{00B66DFE-51F7-4D7F-BB2E-2F436B5503A9}"/>
+                        </a:ext>
+                      </a:extLst>
+                    </p:cNvPr>
+                    <p:cNvSpPr/>
+                    <p:nvPr/>
+                  </p:nvSpPr>
+                  <p:spPr>
+                    <a:xfrm rot="9383486" flipV="1">
+                      <a:off x="1630495" y="5192247"/>
+                      <a:ext cx="394293" cy="355763"/>
+                    </a:xfrm>
+                    <a:prstGeom prst="arc">
+                      <a:avLst>
+                        <a:gd name="adj1" fmla="val 4879397"/>
+                        <a:gd name="adj2" fmla="val 16452864"/>
+                      </a:avLst>
+                    </a:prstGeom>
+                    <a:ln w="38100">
+                      <a:solidFill>
+                        <a:srgbClr val="0070C0"/>
+                      </a:solidFill>
+                      <a:headEnd type="none" w="lg" len="lg"/>
+                      <a:tailEnd type="triangle" w="lg" len="lg"/>
+                    </a:ln>
+                  </p:spPr>
+                  <p:style>
+                    <a:lnRef idx="1">
+                      <a:schemeClr val="accent1"/>
+                    </a:lnRef>
+                    <a:fillRef idx="0">
+                      <a:schemeClr val="accent1"/>
+                    </a:fillRef>
+                    <a:effectRef idx="0">
+                      <a:schemeClr val="accent1"/>
+                    </a:effectRef>
+                    <a:fontRef idx="minor">
+                      <a:schemeClr val="tx1"/>
+                    </a:fontRef>
+                  </p:style>
+                  <p:txBody>
+                    <a:bodyPr rtlCol="0" anchor="ctr"/>
+                    <a:lstStyle/>
+                    <a:p>
+                      <a:pPr algn="ctr"/>
+                      <a:endParaRPr lang="en-US" b="1" dirty="0">
+                        <a:solidFill>
+                          <a:srgbClr val="0070C0"/>
+                        </a:solidFill>
+                      </a:endParaRPr>
+                    </a:p>
+                  </p:txBody>
+                </p:sp>
+                <p:sp>
+                  <p:nvSpPr>
+                    <p:cNvPr id="26" name="テキスト ボックス 25"/>
+                    <p:cNvSpPr txBox="1"/>
+                    <p:nvPr/>
+                  </p:nvSpPr>
+                  <p:spPr>
+                    <a:xfrm>
+                      <a:off x="1932030" y="4891920"/>
+                      <a:ext cx="454769" cy="338554"/>
+                    </a:xfrm>
+                    <a:prstGeom prst="rect">
+                      <a:avLst/>
+                    </a:prstGeom>
+                    <a:noFill/>
+                  </p:spPr>
+                  <p:txBody>
+                    <a:bodyPr wrap="square" rtlCol="0">
+                      <a:spAutoFit/>
+                    </a:bodyPr>
+                    <a:lstStyle/>
+                    <a:p>
+                      <a:r>
+                        <a:rPr kumimoji="1" lang="en-US" altLang="ja-JP" sz="1600" dirty="0" smtClean="0">
+                          <a:solidFill>
+                            <a:schemeClr val="accent1"/>
+                          </a:solidFill>
+                        </a:rPr>
+                        <a:t>m</a:t>
+                      </a:r>
+                      <a:endParaRPr kumimoji="1" lang="ja-JP" altLang="en-US" sz="1600" dirty="0">
+                        <a:solidFill>
+                          <a:schemeClr val="accent1"/>
+                        </a:solidFill>
+                      </a:endParaRPr>
+                    </a:p>
+                  </p:txBody>
+                </p:sp>
+              </p:grpSp>
+            </p:grpSp>
+            <p:sp>
+              <p:nvSpPr>
+                <p:cNvPr id="59" name="円弧 58"/>
+                <p:cNvSpPr/>
+                <p:nvPr/>
+              </p:nvSpPr>
+              <p:spPr>
+                <a:xfrm>
+                  <a:off x="3481324" y="3971759"/>
+                  <a:ext cx="107383" cy="171595"/>
+                </a:xfrm>
+                <a:prstGeom prst="arc">
+                  <a:avLst/>
+                </a:prstGeom>
+              </p:spPr>
+              <p:style>
+                <a:lnRef idx="1">
+                  <a:schemeClr val="dk1"/>
+                </a:lnRef>
+                <a:fillRef idx="0">
+                  <a:schemeClr val="dk1"/>
+                </a:fillRef>
+                <a:effectRef idx="0">
+                  <a:schemeClr val="dk1"/>
+                </a:effectRef>
+                <a:fontRef idx="minor">
+                  <a:schemeClr val="tx1"/>
+                </a:fontRef>
+              </p:style>
+              <p:txBody>
+                <a:bodyPr rtlCol="0" anchor="ctr"/>
+                <a:lstStyle/>
+                <a:p>
+                  <a:pPr algn="ctr"/>
+                  <a:endParaRPr kumimoji="1" lang="ja-JP" altLang="en-US"/>
+                </a:p>
+              </p:txBody>
+            </p:sp>
+            <p:sp>
+              <p:nvSpPr>
+                <p:cNvPr id="60" name="円弧 59"/>
+                <p:cNvSpPr/>
+                <p:nvPr/>
+              </p:nvSpPr>
+              <p:spPr>
+                <a:xfrm flipH="1">
+                  <a:off x="1049940" y="3534771"/>
+                  <a:ext cx="278498" cy="509159"/>
+                </a:xfrm>
+                <a:prstGeom prst="arc">
+                  <a:avLst>
+                    <a:gd name="adj1" fmla="val 16200000"/>
+                    <a:gd name="adj2" fmla="val 21350331"/>
+                  </a:avLst>
+                </a:prstGeom>
+              </p:spPr>
+              <p:style>
+                <a:lnRef idx="1">
+                  <a:schemeClr val="dk1"/>
+                </a:lnRef>
+                <a:fillRef idx="0">
+                  <a:schemeClr val="dk1"/>
+                </a:fillRef>
+                <a:effectRef idx="0">
+                  <a:schemeClr val="dk1"/>
+                </a:effectRef>
+                <a:fontRef idx="minor">
+                  <a:schemeClr val="tx1"/>
+                </a:fontRef>
+              </p:style>
+              <p:txBody>
+                <a:bodyPr rtlCol="0" anchor="ctr"/>
+                <a:lstStyle/>
+                <a:p>
+                  <a:pPr algn="ctr"/>
+                  <a:endParaRPr kumimoji="1" lang="ja-JP" altLang="en-US"/>
+                </a:p>
+              </p:txBody>
+            </p:sp>
+          </p:grpSp>
+          <p:cxnSp>
+            <p:nvCxnSpPr>
+              <p:cNvPr id="63" name="直線矢印コネクタ 62"/>
+              <p:cNvCxnSpPr/>
+              <p:nvPr/>
+            </p:nvCxnSpPr>
+            <p:spPr>
+              <a:xfrm flipV="1">
+                <a:off x="1505536" y="4643421"/>
+                <a:ext cx="1745562" cy="3875"/>
+              </a:xfrm>
+              <a:prstGeom prst="straightConnector1">
+                <a:avLst/>
+              </a:prstGeom>
+              <a:ln>
+                <a:headEnd type="triangle"/>
+                <a:tailEnd type="triangle"/>
+              </a:ln>
+            </p:spPr>
+            <p:style>
+              <a:lnRef idx="1">
+                <a:schemeClr val="dk1"/>
+              </a:lnRef>
+              <a:fillRef idx="0">
+                <a:schemeClr val="dk1"/>
+              </a:fillRef>
+              <a:effectRef idx="0">
+                <a:schemeClr val="dk1"/>
+              </a:effectRef>
+              <a:fontRef idx="minor">
+                <a:schemeClr val="tx1"/>
+              </a:fontRef>
+            </p:style>
+          </p:cxnSp>
+          <p:sp>
+            <p:nvSpPr>
+              <p:cNvPr id="66" name="テキスト ボックス 65"/>
+              <p:cNvSpPr txBox="1"/>
+              <p:nvPr/>
+            </p:nvSpPr>
+            <p:spPr>
+              <a:xfrm>
+                <a:off x="2179948" y="4649109"/>
+                <a:ext cx="338554" cy="307777"/>
+              </a:xfrm>
+              <a:prstGeom prst="rect">
+                <a:avLst/>
+              </a:prstGeom>
+              <a:noFill/>
+            </p:spPr>
+            <p:txBody>
+              <a:bodyPr wrap="none" rtlCol="0">
+                <a:spAutoFit/>
+              </a:bodyPr>
+              <a:lstStyle/>
+              <a:p>
+                <a:r>
+                  <a:rPr kumimoji="1" lang="en-US" altLang="ja-JP" sz="1400" dirty="0" smtClean="0"/>
+                  <a:t>2r</a:t>
+                </a:r>
+                <a:endParaRPr kumimoji="1" lang="ja-JP" altLang="en-US" sz="1400" dirty="0"/>
+              </a:p>
+            </p:txBody>
+          </p:sp>
+        </p:grpSp>
+        <p:sp>
+          <p:nvSpPr>
+            <p:cNvPr id="69" name="円弧 68">
+              <a:extLst>
+                <a:ext uri="{FF2B5EF4-FFF2-40B4-BE49-F238E27FC236}">
+                  <a16:creationId xmlns:a16="http://schemas.microsoft.com/office/drawing/2014/main" id="{00B66DFE-51F7-4D7F-BB2E-2F436B5503A9}"/>
+                </a:ext>
+              </a:extLst>
+            </p:cNvPr>
+            <p:cNvSpPr/>
+            <p:nvPr/>
+          </p:nvSpPr>
+          <p:spPr>
+            <a:xfrm rot="15404778" flipH="1" flipV="1">
+              <a:off x="1471451" y="3519269"/>
+              <a:ext cx="405555" cy="497068"/>
+            </a:xfrm>
+            <a:prstGeom prst="arc">
+              <a:avLst>
+                <a:gd name="adj1" fmla="val 4879397"/>
+                <a:gd name="adj2" fmla="val 16452864"/>
+              </a:avLst>
+            </a:prstGeom>
+            <a:ln w="38100">
+              <a:solidFill>
+                <a:schemeClr val="accent6"/>
+              </a:solidFill>
+              <a:headEnd type="none" w="lg" len="lg"/>
+              <a:tailEnd type="triangle" w="lg" len="lg"/>
+            </a:ln>
+          </p:spPr>
+          <p:style>
+            <a:lnRef idx="1">
+              <a:schemeClr val="accent1"/>
+            </a:lnRef>
+            <a:fillRef idx="0">
+              <a:schemeClr val="accent1"/>
+            </a:fillRef>
+            <a:effectRef idx="0">
+              <a:schemeClr val="accent1"/>
+            </a:effectRef>
+            <a:fontRef idx="minor">
+              <a:schemeClr val="tx1"/>
+            </a:fontRef>
+          </p:style>
+          <p:txBody>
+            <a:bodyPr rtlCol="0" anchor="ctr"/>
+            <a:lstStyle/>
+            <a:p>
+              <a:pPr algn="ctr"/>
+              <a:endParaRPr lang="en-US" b="1" dirty="0">
+                <a:solidFill>
+                  <a:srgbClr val="0070C0"/>
+                </a:solidFill>
+              </a:endParaRPr>
+            </a:p>
+          </p:txBody>
+        </p:sp>
+        <p:sp>
+          <p:nvSpPr>
+            <p:cNvPr id="70" name="円弧 69">
+              <a:extLst>
+                <a:ext uri="{FF2B5EF4-FFF2-40B4-BE49-F238E27FC236}">
+                  <a16:creationId xmlns:a16="http://schemas.microsoft.com/office/drawing/2014/main" id="{00B66DFE-51F7-4D7F-BB2E-2F436B5503A9}"/>
+                </a:ext>
+              </a:extLst>
+            </p:cNvPr>
+            <p:cNvSpPr/>
+            <p:nvPr/>
+          </p:nvSpPr>
+          <p:spPr>
+            <a:xfrm rot="19024545" flipH="1">
+              <a:off x="3019771" y="3750229"/>
+              <a:ext cx="433396" cy="481304"/>
+            </a:xfrm>
+            <a:prstGeom prst="arc">
+              <a:avLst>
+                <a:gd name="adj1" fmla="val 4879397"/>
+                <a:gd name="adj2" fmla="val 16452864"/>
+              </a:avLst>
+            </a:prstGeom>
+            <a:ln w="38100">
+              <a:solidFill>
+                <a:schemeClr val="accent6"/>
+              </a:solidFill>
+              <a:headEnd type="none" w="lg" len="lg"/>
+              <a:tailEnd type="triangle" w="lg" len="lg"/>
+            </a:ln>
+          </p:spPr>
+          <p:style>
+            <a:lnRef idx="1">
+              <a:schemeClr val="accent1"/>
+            </a:lnRef>
+            <a:fillRef idx="0">
+              <a:schemeClr val="accent1"/>
+            </a:fillRef>
+            <a:effectRef idx="0">
+              <a:schemeClr val="accent1"/>
+            </a:effectRef>
+            <a:fontRef idx="minor">
+              <a:schemeClr val="tx1"/>
+            </a:fontRef>
+          </p:style>
+          <p:txBody>
+            <a:bodyPr rtlCol="0" anchor="ctr"/>
+            <a:lstStyle/>
+            <a:p>
+              <a:pPr algn="ctr"/>
+              <a:endParaRPr lang="en-US" b="1" dirty="0">
+                <a:solidFill>
+                  <a:srgbClr val="0070C0"/>
+                </a:solidFill>
+              </a:endParaRPr>
+            </a:p>
+          </p:txBody>
+        </p:sp>
+        <p:sp>
+          <p:nvSpPr>
+            <p:cNvPr id="71" name="テキスト ボックス 70"/>
+            <p:cNvSpPr txBox="1"/>
+            <p:nvPr/>
+          </p:nvSpPr>
+          <p:spPr>
+            <a:xfrm>
+              <a:off x="3274220" y="3475374"/>
+              <a:ext cx="454769" cy="338554"/>
+            </a:xfrm>
+            <a:prstGeom prst="rect">
+              <a:avLst/>
+            </a:prstGeom>
+            <a:noFill/>
+          </p:spPr>
+          <p:txBody>
+            <a:bodyPr wrap="square" rtlCol="0">
+              <a:spAutoFit/>
+            </a:bodyPr>
+            <a:lstStyle/>
+            <a:p>
+              <a:r>
+                <a:rPr kumimoji="1" lang="en-US" altLang="ja-JP" sz="1600" dirty="0" smtClean="0">
+                  <a:solidFill>
+                    <a:schemeClr val="accent6"/>
+                  </a:solidFill>
+                </a:rPr>
+                <a:t>m</a:t>
+              </a:r>
+              <a:endParaRPr kumimoji="1" lang="ja-JP" altLang="en-US" sz="1600" dirty="0">
+                <a:solidFill>
+                  <a:schemeClr val="accent6"/>
+                </a:solidFill>
+              </a:endParaRPr>
+            </a:p>
+          </p:txBody>
+        </p:sp>
+        <p:sp>
+          <p:nvSpPr>
+            <p:cNvPr id="72" name="テキスト ボックス 71"/>
+            <p:cNvSpPr txBox="1"/>
+            <p:nvPr/>
+          </p:nvSpPr>
+          <p:spPr>
+            <a:xfrm>
+              <a:off x="1505104" y="3238066"/>
+              <a:ext cx="454769" cy="338554"/>
+            </a:xfrm>
+            <a:prstGeom prst="rect">
+              <a:avLst/>
+            </a:prstGeom>
+            <a:noFill/>
+          </p:spPr>
+          <p:txBody>
+            <a:bodyPr wrap="square" rtlCol="0">
+              <a:spAutoFit/>
+            </a:bodyPr>
+            <a:lstStyle/>
+            <a:p>
+              <a:r>
+                <a:rPr kumimoji="1" lang="en-US" altLang="ja-JP" sz="1600" dirty="0" smtClean="0">
+                  <a:solidFill>
+                    <a:schemeClr val="accent6"/>
+                  </a:solidFill>
+                </a:rPr>
+                <a:t>m</a:t>
+              </a:r>
+              <a:endParaRPr kumimoji="1" lang="ja-JP" altLang="en-US" sz="1600" dirty="0">
+                <a:solidFill>
+                  <a:schemeClr val="accent6"/>
+                </a:solidFill>
+              </a:endParaRPr>
+            </a:p>
+          </p:txBody>
+        </p:sp>
+      </p:grpSp>
+      <p:sp>
+        <p:nvSpPr>
+          <p:cNvPr id="74" name="下矢印 73"/>
+          <p:cNvSpPr/>
+          <p:nvPr/>
+        </p:nvSpPr>
+        <p:spPr>
+          <a:xfrm>
+            <a:off x="7421671" y="2250990"/>
+            <a:ext cx="501041" cy="662841"/>
+          </a:xfrm>
+          <a:prstGeom prst="downArrow">
+            <a:avLst/>
+          </a:prstGeom>
+        </p:spPr>
+        <p:style>
+          <a:lnRef idx="2">
+            <a:schemeClr val="accent2">
+              <a:shade val="50000"/>
+            </a:schemeClr>
+          </a:lnRef>
+          <a:fillRef idx="1">
+            <a:schemeClr val="accent2"/>
+          </a:fillRef>
+          <a:effectRef idx="0">
+            <a:schemeClr val="accent2"/>
+          </a:effectRef>
+          <a:fontRef idx="minor">
+            <a:schemeClr val="lt1"/>
+          </a:fontRef>
+        </p:style>
+        <p:txBody>
+          <a:bodyPr rtlCol="0" anchor="ctr"/>
+          <a:lstStyle/>
+          <a:p>
+            <a:pPr algn="ctr"/>
+            <a:endParaRPr kumimoji="1" lang="ja-JP" altLang="en-US"/>
+          </a:p>
+        </p:txBody>
+      </p:sp>
+      <p:sp>
+        <p:nvSpPr>
+          <p:cNvPr id="75" name="下矢印 74"/>
+          <p:cNvSpPr/>
+          <p:nvPr/>
+        </p:nvSpPr>
+        <p:spPr>
+          <a:xfrm>
+            <a:off x="7505178" y="4313991"/>
+            <a:ext cx="501041" cy="662841"/>
+          </a:xfrm>
+          <a:prstGeom prst="downArrow">
+            <a:avLst/>
+          </a:prstGeom>
+        </p:spPr>
+        <p:style>
+          <a:lnRef idx="2">
+            <a:schemeClr val="accent2">
+              <a:shade val="50000"/>
+            </a:schemeClr>
+          </a:lnRef>
+          <a:fillRef idx="1">
+            <a:schemeClr val="accent2"/>
+          </a:fillRef>
+          <a:effectRef idx="0">
+            <a:schemeClr val="accent2"/>
+          </a:effectRef>
+          <a:fontRef idx="minor">
+            <a:schemeClr val="lt1"/>
+          </a:fontRef>
+        </p:style>
+        <p:txBody>
+          <a:bodyPr rtlCol="0" anchor="ctr"/>
+          <a:lstStyle/>
+          <a:p>
+            <a:pPr algn="ctr"/>
+            <a:endParaRPr kumimoji="1" lang="ja-JP" altLang="en-US"/>
+          </a:p>
+        </p:txBody>
+      </p:sp>
     </p:spTree>
     <p:extLst>
       <p:ext uri="{BB962C8B-B14F-4D97-AF65-F5344CB8AC3E}">
-        <p14:creationId xmlns:p14="http://schemas.microsoft.com/office/powerpoint/2010/main" val="3537871666"/>
+        <p14:creationId xmlns:p14="http://schemas.microsoft.com/office/powerpoint/2010/main" val="2708004034"/>
+      </p:ext>
+    </p:extLst>
+  </p:cSld>
+  <p:clrMapOvr>
+    <a:masterClrMapping/>
+  </p:clrMapOvr>
+</p:sld>
+</file>
+
+<file path=ppt/slides/slide5.xml><?xml version="1.0" encoding="utf-8"?>
+<p:sld xmlns:a="http://schemas.openxmlformats.org/drawingml/2006/main" xmlns:r="http://schemas.openxmlformats.org/officeDocument/2006/relationships" xmlns:p="http://schemas.openxmlformats.org/presentationml/2006/main">
+  <p:cSld>
+    <p:spTree>
+      <p:nvGrpSpPr>
+        <p:cNvPr id="1" name=""/>
+        <p:cNvGrpSpPr/>
+        <p:nvPr/>
+      </p:nvGrpSpPr>
+      <p:grpSpPr>
+        <a:xfrm>
+          <a:off x="0" y="0"/>
+          <a:ext cx="0" cy="0"/>
+          <a:chOff x="0" y="0"/>
+          <a:chExt cx="0" cy="0"/>
+        </a:xfrm>
+      </p:grpSpPr>
+      <p:sp>
+        <p:nvSpPr>
+          <p:cNvPr id="15" name="テキスト ボックス 14"/>
+          <p:cNvSpPr txBox="1"/>
+          <p:nvPr/>
+        </p:nvSpPr>
+        <p:spPr>
+          <a:xfrm>
+            <a:off x="273717" y="356583"/>
+            <a:ext cx="3151825" cy="369332"/>
+          </a:xfrm>
+          <a:prstGeom prst="rect">
+            <a:avLst/>
+          </a:prstGeom>
+          <a:noFill/>
+        </p:spPr>
+        <p:txBody>
+          <a:bodyPr wrap="none" rtlCol="0">
+            <a:spAutoFit/>
+          </a:bodyPr>
+          <a:lstStyle/>
+          <a:p>
+            <a:r>
+              <a:rPr kumimoji="1" lang="ja-JP" altLang="en-US" dirty="0" smtClean="0"/>
+              <a:t>モーメント</a:t>
+            </a:r>
+            <a:r>
+              <a:rPr kumimoji="1" lang="en-US" altLang="ja-JP" dirty="0" smtClean="0"/>
+              <a:t>M</a:t>
+            </a:r>
+            <a:r>
+              <a:rPr kumimoji="1" lang="ja-JP" altLang="en-US" dirty="0" smtClean="0"/>
+              <a:t>の大きさの検討</a:t>
+            </a:r>
+            <a:endParaRPr kumimoji="1" lang="ja-JP" altLang="en-US" dirty="0"/>
+          </a:p>
+        </p:txBody>
+      </p:sp>
+    </p:spTree>
+    <p:extLst>
+      <p:ext uri="{BB962C8B-B14F-4D97-AF65-F5344CB8AC3E}">
+        <p14:creationId xmlns:p14="http://schemas.microsoft.com/office/powerpoint/2010/main" val="3136046202"/>
       </p:ext>
     </p:extLst>
   </p:cSld>

--- a/剛性計算方法.pptx
+++ b/剛性計算方法.pptx
@@ -8269,10 +8269,10 @@
           <a:lstStyle/>
           <a:p>
             <a:r>
-              <a:rPr kumimoji="1" lang="ja-JP" altLang="en-US" dirty="0" smtClean="0"/>
+              <a:rPr kumimoji="1" lang="ja-JP" altLang="en-US" dirty="0"/>
               <a:t>実験より加熱方向によって変形量が異なる事が分かった</a:t>
             </a:r>
-            <a:endParaRPr kumimoji="1" lang="en-US" altLang="ja-JP" dirty="0" smtClean="0"/>
+            <a:endParaRPr kumimoji="1" lang="en-US" altLang="ja-JP" dirty="0"/>
           </a:p>
         </p:txBody>
       </p:sp>
@@ -8508,7 +8508,7 @@
           <a:p>
             <a:pPr lvl="1"/>
             <a:r>
-              <a:rPr lang="en-US" altLang="ja-JP" sz="1200" dirty="0" smtClean="0">
+              <a:rPr lang="en-US" altLang="ja-JP" sz="1200" dirty="0">
                 <a:latin typeface="+mn-ea"/>
               </a:rPr>
               <a:t>10pass</a:t>
@@ -8549,20 +8549,16 @@
           <a:p>
             <a:r>
               <a:rPr kumimoji="1" lang="ja-JP" altLang="en-US" dirty="0"/>
-              <a:t>加熱条件</a:t>
-            </a:r>
-            <a:r>
-              <a:rPr kumimoji="1" lang="ja-JP" altLang="en-US" dirty="0" smtClean="0"/>
-              <a:t>が同じにもかかわらず、変形量が異なるので、</a:t>
-            </a:r>
-            <a:endParaRPr kumimoji="1" lang="en-US" altLang="ja-JP" dirty="0" smtClean="0"/>
+              <a:t>加熱条件が同じにもかかわらず、変形量が異なるので、</a:t>
+            </a:r>
+            <a:endParaRPr kumimoji="1" lang="en-US" altLang="ja-JP" dirty="0"/>
           </a:p>
           <a:p>
             <a:r>
-              <a:rPr kumimoji="1" lang="ja-JP" altLang="en-US" dirty="0" smtClean="0"/>
+              <a:rPr kumimoji="1" lang="ja-JP" altLang="en-US" dirty="0"/>
               <a:t>それぞれの方向に加熱した際の試験片の曲げ剛性を計算する</a:t>
             </a:r>
-            <a:endParaRPr kumimoji="1" lang="en-US" altLang="ja-JP" dirty="0" smtClean="0"/>
+            <a:endParaRPr kumimoji="1" lang="en-US" altLang="ja-JP" dirty="0"/>
           </a:p>
         </p:txBody>
       </p:sp>
@@ -8595,13 +8591,9 @@
           <a:p>
             <a:r>
               <a:rPr kumimoji="1" lang="ja-JP" altLang="en-US" dirty="0"/>
-              <a:t>解析結果</a:t>
-            </a:r>
-            <a:r>
-              <a:rPr kumimoji="1" lang="ja-JP" altLang="en-US" dirty="0" smtClean="0"/>
-              <a:t>より固有変形量も異なることが分かった</a:t>
-            </a:r>
-            <a:endParaRPr kumimoji="1" lang="en-US" altLang="ja-JP" dirty="0" smtClean="0"/>
+              <a:t>解析結果より固有変形量も異なることが分かった</a:t>
+            </a:r>
+            <a:endParaRPr kumimoji="1" lang="en-US" altLang="ja-JP" dirty="0"/>
           </a:p>
         </p:txBody>
       </p:sp>
@@ -8615,13 +8607,6 @@
   <p:clrMapOvr>
     <a:masterClrMapping/>
   </p:clrMapOvr>
-  <p:timing>
-    <p:tnLst>
-      <p:par>
-        <p:cTn id="1" dur="indefinite" restart="never" nodeType="tmRoot"/>
-      </p:par>
-    </p:tnLst>
-  </p:timing>
 </p:sld>
 </file>
 
@@ -10621,13 +10606,6 @@
   <p:clrMapOvr>
     <a:masterClrMapping/>
   </p:clrMapOvr>
-  <p:timing>
-    <p:tnLst>
-      <p:par>
-        <p:cTn id="1" dur="indefinite" restart="never" nodeType="tmRoot"/>
-      </p:par>
-    </p:tnLst>
-  </p:timing>
 </p:sld>
 </file>
 
@@ -12678,52 +12656,44 @@
           <a:p>
             <a:r>
               <a:rPr kumimoji="1" lang="ja-JP" altLang="en-US" dirty="0"/>
-              <a:t>部品</a:t>
-            </a:r>
-            <a:r>
-              <a:rPr kumimoji="1" lang="ja-JP" altLang="en-US" dirty="0" smtClean="0"/>
-              <a:t>のシェルモデルにモーメント</a:t>
-            </a:r>
-            <a:r>
-              <a:rPr kumimoji="1" lang="en-US" altLang="ja-JP" dirty="0" smtClean="0"/>
+              <a:t>部品のシェルモデルにモーメント</a:t>
+            </a:r>
+            <a:r>
+              <a:rPr kumimoji="1" lang="en-US" altLang="ja-JP" dirty="0"/>
               <a:t>M</a:t>
             </a:r>
             <a:r>
-              <a:rPr kumimoji="1" lang="ja-JP" altLang="en-US" dirty="0" smtClean="0"/>
+              <a:rPr kumimoji="1" lang="ja-JP" altLang="en-US" dirty="0"/>
               <a:t>を与えて弾性解析を行い</a:t>
             </a:r>
-            <a:endParaRPr kumimoji="1" lang="en-US" altLang="ja-JP" dirty="0" smtClean="0"/>
+            <a:endParaRPr kumimoji="1" lang="en-US" altLang="ja-JP" dirty="0"/>
           </a:p>
           <a:p>
             <a:r>
-              <a:rPr kumimoji="1" lang="ja-JP" altLang="en-US" dirty="0" smtClean="0"/>
+              <a:rPr kumimoji="1" lang="ja-JP" altLang="en-US" dirty="0"/>
               <a:t>後、</a:t>
             </a:r>
             <a:r>
-              <a:rPr kumimoji="1" lang="en-US" altLang="ja-JP" dirty="0" smtClean="0"/>
+              <a:rPr kumimoji="1" lang="en-US" altLang="ja-JP" dirty="0"/>
               <a:t>r</a:t>
             </a:r>
             <a:r>
               <a:rPr kumimoji="1" lang="ja-JP" altLang="en-US" dirty="0" err="1"/>
-              <a:t>で</a:t>
-            </a:r>
-            <a:r>
-              <a:rPr kumimoji="1" lang="ja-JP" altLang="en-US" dirty="0" err="1" smtClean="0"/>
-              <a:t>の</a:t>
-            </a:r>
-            <a:r>
-              <a:rPr kumimoji="1" lang="ja-JP" altLang="en-US" dirty="0" smtClean="0"/>
+              <a:t>での</a:t>
+            </a:r>
+            <a:r>
+              <a:rPr kumimoji="1" lang="ja-JP" altLang="en-US" dirty="0"/>
               <a:t>変形角</a:t>
             </a:r>
             <a:r>
-              <a:rPr kumimoji="1" lang="en-US" altLang="ja-JP" dirty="0" smtClean="0"/>
+              <a:rPr kumimoji="1" lang="en-US" altLang="ja-JP" dirty="0"/>
               <a:t>θ1,θ2</a:t>
             </a:r>
             <a:r>
-              <a:rPr kumimoji="1" lang="ja-JP" altLang="en-US" dirty="0" smtClean="0"/>
+              <a:rPr kumimoji="1" lang="ja-JP" altLang="en-US" dirty="0"/>
               <a:t>を求める</a:t>
             </a:r>
-            <a:endParaRPr kumimoji="1" lang="en-US" altLang="ja-JP" dirty="0" smtClean="0"/>
+            <a:endParaRPr kumimoji="1" lang="en-US" altLang="ja-JP" dirty="0"/>
           </a:p>
         </p:txBody>
       </p:sp>
@@ -13116,7 +13086,7 @@
                 <a:lstStyle/>
                 <a:p>
                   <a:r>
-                    <a:rPr kumimoji="1" lang="en-US" altLang="ja-JP" dirty="0" smtClean="0">
+                    <a:rPr kumimoji="1" lang="en-US" altLang="ja-JP" dirty="0">
                       <a:solidFill>
                         <a:srgbClr val="FF0000"/>
                       </a:solidFill>
@@ -13248,7 +13218,7 @@
                 <a:lstStyle/>
                 <a:p>
                   <a:r>
-                    <a:rPr kumimoji="1" lang="en-US" altLang="ja-JP" sz="1600" dirty="0" smtClean="0"/>
+                    <a:rPr kumimoji="1" lang="en-US" altLang="ja-JP" sz="1600" dirty="0"/>
                     <a:t>r</a:t>
                   </a:r>
                   <a:endParaRPr kumimoji="1" lang="ja-JP" altLang="en-US" sz="1600" dirty="0"/>
@@ -13575,7 +13545,7 @@
               <a:lstStyle/>
               <a:p>
                 <a:r>
-                  <a:rPr kumimoji="1" lang="en-US" altLang="ja-JP" sz="1400" dirty="0" smtClean="0">
+                  <a:rPr kumimoji="1" lang="en-US" altLang="ja-JP" sz="1400" dirty="0">
                     <a:solidFill>
                       <a:srgbClr val="00B050"/>
                     </a:solidFill>
@@ -13613,7 +13583,7 @@
               <a:lstStyle/>
               <a:p>
                 <a:r>
-                  <a:rPr kumimoji="1" lang="en-US" altLang="ja-JP" sz="1400" dirty="0" smtClean="0">
+                  <a:rPr kumimoji="1" lang="en-US" altLang="ja-JP" sz="1400" dirty="0">
                     <a:solidFill>
                       <a:srgbClr val="00B050"/>
                     </a:solidFill>
@@ -13652,7 +13622,7 @@
             <a:lstStyle/>
             <a:p>
               <a:r>
-                <a:rPr kumimoji="1" lang="en-US" altLang="ja-JP" sz="1400" dirty="0" smtClean="0">
+                <a:rPr kumimoji="1" lang="en-US" altLang="ja-JP" sz="1400" dirty="0">
                   <a:solidFill>
                     <a:schemeClr val="accent1"/>
                   </a:solidFill>
@@ -13733,33 +13703,33 @@
           <a:lstStyle/>
           <a:p>
             <a:r>
-              <a:rPr kumimoji="1" lang="ja-JP" altLang="en-US" dirty="0" smtClean="0"/>
+              <a:rPr kumimoji="1" lang="ja-JP" altLang="en-US" dirty="0"/>
               <a:t>加熱部だけのシェルモデルを作成し、</a:t>
             </a:r>
-            <a:endParaRPr kumimoji="1" lang="en-US" altLang="ja-JP" dirty="0" smtClean="0"/>
+            <a:endParaRPr kumimoji="1" lang="en-US" altLang="ja-JP" dirty="0"/>
           </a:p>
           <a:p>
             <a:r>
-              <a:rPr kumimoji="1" lang="ja-JP" altLang="en-US" dirty="0" smtClean="0"/>
+              <a:rPr kumimoji="1" lang="ja-JP" altLang="en-US" dirty="0"/>
               <a:t>強制変位</a:t>
             </a:r>
             <a:r>
-              <a:rPr kumimoji="1" lang="en-US" altLang="ja-JP" dirty="0" smtClean="0"/>
+              <a:rPr kumimoji="1" lang="en-US" altLang="ja-JP" dirty="0"/>
               <a:t>θ1,θ2</a:t>
             </a:r>
             <a:r>
-              <a:rPr kumimoji="1" lang="ja-JP" altLang="en-US" dirty="0" smtClean="0"/>
+              <a:rPr kumimoji="1" lang="ja-JP" altLang="en-US" dirty="0"/>
               <a:t>を与え中央での曲げモーメント</a:t>
             </a:r>
             <a:r>
-              <a:rPr kumimoji="1" lang="ja-JP" altLang="en-US" dirty="0" err="1" smtClean="0"/>
+              <a:rPr kumimoji="1" lang="ja-JP" altLang="en-US" dirty="0" err="1"/>
               <a:t>ｍ</a:t>
             </a:r>
             <a:r>
-              <a:rPr kumimoji="1" lang="ja-JP" altLang="en-US" dirty="0" smtClean="0"/>
+              <a:rPr kumimoji="1" lang="ja-JP" altLang="en-US" dirty="0"/>
               <a:t>を求める</a:t>
             </a:r>
-            <a:endParaRPr kumimoji="1" lang="en-US" altLang="ja-JP" dirty="0" smtClean="0"/>
+            <a:endParaRPr kumimoji="1" lang="en-US" altLang="ja-JP" dirty="0"/>
           </a:p>
         </p:txBody>
       </p:sp>
@@ -13788,7 +13758,7 @@
               <a:lstStyle/>
               <a:p>
                 <a:r>
-                  <a:rPr kumimoji="1" lang="ja-JP" altLang="en-US" dirty="0" smtClean="0">
+                  <a:rPr kumimoji="1" lang="ja-JP" altLang="en-US" dirty="0">
                     <a:ea typeface="Cambria Math" panose="02040503050406030204" pitchFamily="18" charset="0"/>
                   </a:rPr>
                   <a:t>非</a:t>
@@ -14416,7 +14386,7 @@
                     <a:lstStyle/>
                     <a:p>
                       <a:r>
-                        <a:rPr kumimoji="1" lang="en-US" altLang="ja-JP" sz="1400" dirty="0" smtClean="0"/>
+                        <a:rPr kumimoji="1" lang="en-US" altLang="ja-JP" sz="1400" dirty="0"/>
                         <a:t>θ1</a:t>
                       </a:r>
                       <a:endParaRPr kumimoji="1" lang="ja-JP" altLang="en-US" sz="1400" dirty="0"/>
@@ -14446,7 +14416,7 @@
                     <a:lstStyle/>
                     <a:p>
                       <a:r>
-                        <a:rPr kumimoji="1" lang="en-US" altLang="ja-JP" sz="1400" dirty="0" smtClean="0"/>
+                        <a:rPr kumimoji="1" lang="en-US" altLang="ja-JP" sz="1400" dirty="0"/>
                         <a:t>θ2</a:t>
                       </a:r>
                       <a:endParaRPr kumimoji="1" lang="ja-JP" altLang="en-US" sz="1400" dirty="0"/>
@@ -14592,7 +14562,7 @@
               <a:lstStyle/>
               <a:p>
                 <a:r>
-                  <a:rPr kumimoji="1" lang="en-US" altLang="ja-JP" sz="1400" dirty="0" smtClean="0"/>
+                  <a:rPr kumimoji="1" lang="en-US" altLang="ja-JP" sz="1400" dirty="0"/>
                   <a:t>2r</a:t>
                 </a:r>
                 <a:endParaRPr kumimoji="1" lang="ja-JP" altLang="en-US" sz="1400" dirty="0"/>
@@ -14739,7 +14709,7 @@
             <a:lstStyle/>
             <a:p>
               <a:r>
-                <a:rPr kumimoji="1" lang="en-US" altLang="ja-JP" sz="1600" dirty="0" smtClean="0">
+                <a:rPr kumimoji="1" lang="en-US" altLang="ja-JP" sz="1600" dirty="0">
                   <a:solidFill>
                     <a:schemeClr val="accent6"/>
                   </a:solidFill>
@@ -14777,7 +14747,7 @@
             <a:lstStyle/>
             <a:p>
               <a:r>
-                <a:rPr kumimoji="1" lang="en-US" altLang="ja-JP" sz="1600" dirty="0" smtClean="0">
+                <a:rPr kumimoji="1" lang="en-US" altLang="ja-JP" sz="1600" dirty="0">
                   <a:solidFill>
                     <a:schemeClr val="accent6"/>
                   </a:solidFill>
@@ -15740,7 +15710,7 @@
                       <a:lstStyle/>
                       <a:p>
                         <a:r>
-                          <a:rPr kumimoji="1" lang="en-US" altLang="ja-JP" dirty="0" smtClean="0"/>
+                          <a:rPr kumimoji="1" lang="en-US" altLang="ja-JP" dirty="0"/>
                           <a:t>50mm</a:t>
                         </a:r>
                         <a:endParaRPr kumimoji="1" lang="ja-JP" altLang="en-US" dirty="0"/>
@@ -15992,7 +15962,7 @@
                 <a:lstStyle/>
                 <a:p>
                   <a:r>
-                    <a:rPr kumimoji="1" lang="en-US" altLang="ja-JP" dirty="0" smtClean="0"/>
+                    <a:rPr kumimoji="1" lang="en-US" altLang="ja-JP" dirty="0"/>
                     <a:t>100mm</a:t>
                   </a:r>
                   <a:endParaRPr kumimoji="1" lang="ja-JP" altLang="en-US" dirty="0"/>
@@ -16347,27 +16317,19 @@
           <a:lstStyle/>
           <a:p>
             <a:r>
-              <a:rPr kumimoji="1" lang="en-US" altLang="ja-JP" dirty="0" smtClean="0"/>
+              <a:rPr kumimoji="1" lang="en-US" altLang="ja-JP" dirty="0"/>
               <a:t>1.</a:t>
             </a:r>
             <a:r>
-              <a:rPr kumimoji="1" lang="ja-JP" altLang="en-US" dirty="0" smtClean="0"/>
-              <a:t>上図のシェルモデル</a:t>
-            </a:r>
-            <a:r>
               <a:rPr kumimoji="1" lang="ja-JP" altLang="en-US" dirty="0"/>
-              <a:t>を用意し</a:t>
-            </a:r>
-            <a:r>
-              <a:rPr kumimoji="1" lang="ja-JP" altLang="en-US" dirty="0" smtClean="0"/>
-              <a:t>、</a:t>
-            </a:r>
-            <a:r>
-              <a:rPr kumimoji="1" lang="en-US" altLang="ja-JP" dirty="0" smtClean="0"/>
+              <a:t>上図のシェルモデルを用意し、</a:t>
+            </a:r>
+            <a:r>
+              <a:rPr kumimoji="1" lang="en-US" altLang="ja-JP" dirty="0"/>
               <a:t>y=r</a:t>
             </a:r>
             <a:r>
-              <a:rPr kumimoji="1" lang="ja-JP" altLang="en-US" dirty="0" smtClean="0"/>
+              <a:rPr kumimoji="1" lang="ja-JP" altLang="en-US" dirty="0"/>
               <a:t>にモーメント</a:t>
             </a:r>
             <a:r>
@@ -16383,18 +16345,14 @@
           <a:p>
             <a:r>
               <a:rPr kumimoji="1" lang="en-US" altLang="ja-JP" dirty="0"/>
-              <a:t>2</a:t>
-            </a:r>
-            <a:r>
-              <a:rPr kumimoji="1" lang="en-US" altLang="ja-JP" dirty="0" smtClean="0"/>
-              <a:t>.</a:t>
-            </a:r>
-            <a:r>
-              <a:rPr kumimoji="1" lang="ja-JP" altLang="en-US" dirty="0" smtClean="0"/>
+              <a:t>2.</a:t>
+            </a:r>
+            <a:r>
+              <a:rPr kumimoji="1" lang="ja-JP" altLang="en-US" dirty="0"/>
               <a:t>解析結果より</a:t>
             </a:r>
             <a:r>
-              <a:rPr kumimoji="1" lang="en-US" altLang="ja-JP" dirty="0" smtClean="0"/>
+              <a:rPr kumimoji="1" lang="en-US" altLang="ja-JP" dirty="0"/>
               <a:t>y=</a:t>
             </a:r>
             <a:r>
@@ -16402,53 +16360,49 @@
               <a:t>r</a:t>
             </a:r>
             <a:r>
-              <a:rPr kumimoji="1" lang="ja-JP" altLang="en-US" dirty="0" err="1" smtClean="0"/>
+              <a:rPr kumimoji="1" lang="ja-JP" altLang="en-US" dirty="0" err="1"/>
               <a:t>での</a:t>
             </a:r>
             <a:r>
               <a:rPr kumimoji="1" lang="ja-JP" altLang="en-US" dirty="0"/>
-              <a:t>変形</a:t>
-            </a:r>
-            <a:r>
-              <a:rPr kumimoji="1" lang="ja-JP" altLang="en-US" dirty="0" smtClean="0"/>
-              <a:t>角</a:t>
-            </a:r>
-            <a:r>
-              <a:rPr kumimoji="1" lang="en-US" altLang="ja-JP" dirty="0" smtClean="0"/>
+              <a:t>変形角</a:t>
+            </a:r>
+            <a:r>
+              <a:rPr kumimoji="1" lang="en-US" altLang="ja-JP" dirty="0"/>
               <a:t>θ</a:t>
             </a:r>
             <a:r>
-              <a:rPr kumimoji="1" lang="ja-JP" altLang="en-US" dirty="0" smtClean="0"/>
+              <a:rPr kumimoji="1" lang="ja-JP" altLang="en-US" dirty="0"/>
               <a:t>を求める</a:t>
             </a:r>
-            <a:endParaRPr kumimoji="1" lang="en-US" altLang="ja-JP" dirty="0" smtClean="0"/>
+            <a:endParaRPr kumimoji="1" lang="en-US" altLang="ja-JP" dirty="0"/>
           </a:p>
           <a:p>
             <a:r>
-              <a:rPr kumimoji="1" lang="en-US" altLang="ja-JP" dirty="0" smtClean="0"/>
+              <a:rPr kumimoji="1" lang="en-US" altLang="ja-JP" dirty="0"/>
               <a:t>3.</a:t>
             </a:r>
             <a:r>
-              <a:rPr kumimoji="1" lang="ja-JP" altLang="en-US" dirty="0" smtClean="0"/>
+              <a:rPr kumimoji="1" lang="ja-JP" altLang="en-US" dirty="0"/>
               <a:t>曲げ剛性</a:t>
             </a:r>
             <a:r>
-              <a:rPr kumimoji="1" lang="en-US" altLang="ja-JP" dirty="0" smtClean="0"/>
+              <a:rPr kumimoji="1" lang="en-US" altLang="ja-JP" dirty="0"/>
               <a:t>(=</a:t>
             </a:r>
             <a:r>
-              <a:rPr lang="en-US" altLang="ja-JP" dirty="0" smtClean="0"/>
+              <a:rPr lang="en-US" altLang="ja-JP" dirty="0"/>
               <a:t>M</a:t>
             </a:r>
             <a:r>
-              <a:rPr kumimoji="1" lang="en-US" altLang="ja-JP" dirty="0" smtClean="0"/>
+              <a:rPr kumimoji="1" lang="en-US" altLang="ja-JP" dirty="0"/>
               <a:t>/θ)</a:t>
             </a:r>
             <a:r>
-              <a:rPr kumimoji="1" lang="ja-JP" altLang="en-US" dirty="0" smtClean="0"/>
+              <a:rPr kumimoji="1" lang="ja-JP" altLang="en-US" dirty="0"/>
               <a:t>を計算する</a:t>
             </a:r>
-            <a:endParaRPr kumimoji="1" lang="en-US" altLang="ja-JP" dirty="0" smtClean="0"/>
+            <a:endParaRPr kumimoji="1" lang="en-US" altLang="ja-JP" dirty="0"/>
           </a:p>
         </p:txBody>
       </p:sp>
@@ -16475,14 +16429,13 @@
           <a:lstStyle/>
           <a:p>
             <a:r>
-              <a:rPr kumimoji="1" lang="en-US" altLang="ja-JP" dirty="0" smtClean="0"/>
+              <a:rPr kumimoji="1" lang="en-US" altLang="ja-JP" dirty="0"/>
               <a:t>0°</a:t>
             </a:r>
             <a:r>
-              <a:rPr kumimoji="1" lang="ja-JP" altLang="en-US" dirty="0" smtClean="0"/>
+              <a:rPr kumimoji="1" lang="ja-JP" altLang="en-US" dirty="0"/>
               <a:t>方向試験片</a:t>
             </a:r>
-            <a:endParaRPr kumimoji="1" lang="ja-JP" altLang="en-US" dirty="0"/>
           </a:p>
         </p:txBody>
       </p:sp>
@@ -17238,7 +17191,7 @@
                       <a:lstStyle/>
                       <a:p>
                         <a:r>
-                          <a:rPr kumimoji="1" lang="en-US" altLang="ja-JP" dirty="0" smtClean="0"/>
+                          <a:rPr kumimoji="1" lang="en-US" altLang="ja-JP" dirty="0"/>
                           <a:t>50mm</a:t>
                         </a:r>
                         <a:endParaRPr kumimoji="1" lang="ja-JP" altLang="en-US" dirty="0"/>
@@ -17595,7 +17548,7 @@
               <a:lstStyle/>
               <a:p>
                 <a:r>
-                  <a:rPr kumimoji="1" lang="en-US" altLang="ja-JP" dirty="0" smtClean="0"/>
+                  <a:rPr kumimoji="1" lang="en-US" altLang="ja-JP" dirty="0"/>
                   <a:t>100mm</a:t>
                 </a:r>
                 <a:endParaRPr kumimoji="1" lang="ja-JP" altLang="en-US" dirty="0"/>
@@ -18007,14 +17960,13 @@
           <a:lstStyle/>
           <a:p>
             <a:r>
-              <a:rPr kumimoji="1" lang="en-US" altLang="ja-JP" dirty="0" smtClean="0"/>
+              <a:rPr kumimoji="1" lang="en-US" altLang="ja-JP" dirty="0"/>
               <a:t>90°</a:t>
             </a:r>
             <a:r>
-              <a:rPr kumimoji="1" lang="ja-JP" altLang="en-US" dirty="0" smtClean="0"/>
+              <a:rPr kumimoji="1" lang="ja-JP" altLang="en-US" dirty="0"/>
               <a:t>方向試験片</a:t>
             </a:r>
-            <a:endParaRPr kumimoji="1" lang="ja-JP" altLang="en-US" dirty="0"/>
           </a:p>
         </p:txBody>
       </p:sp>
@@ -19038,18 +18990,13 @@
             <a:lstStyle/>
             <a:p>
               <a:r>
-                <a:rPr lang="en-US" sz="2000" dirty="0" smtClean="0">
+                <a:rPr lang="en-US" sz="2000" dirty="0">
                   <a:solidFill>
                     <a:srgbClr val="00B050"/>
                   </a:solidFill>
                 </a:rPr>
                 <a:t>m</a:t>
               </a:r>
-              <a:endParaRPr lang="en-US" sz="2000" dirty="0">
-                <a:solidFill>
-                  <a:srgbClr val="00B050"/>
-                </a:solidFill>
-              </a:endParaRPr>
             </a:p>
           </p:txBody>
         </p:sp>
@@ -19360,52 +19307,44 @@
           <a:p>
             <a:r>
               <a:rPr kumimoji="1" lang="ja-JP" altLang="en-US" dirty="0"/>
-              <a:t>部品</a:t>
-            </a:r>
-            <a:r>
-              <a:rPr kumimoji="1" lang="ja-JP" altLang="en-US" dirty="0" smtClean="0"/>
-              <a:t>のシェルモデルにモーメント</a:t>
-            </a:r>
-            <a:r>
-              <a:rPr kumimoji="1" lang="en-US" altLang="ja-JP" dirty="0" smtClean="0"/>
+              <a:t>部品のシェルモデルにモーメント</a:t>
+            </a:r>
+            <a:r>
+              <a:rPr kumimoji="1" lang="en-US" altLang="ja-JP" dirty="0"/>
               <a:t>M</a:t>
             </a:r>
             <a:r>
-              <a:rPr kumimoji="1" lang="ja-JP" altLang="en-US" dirty="0" smtClean="0"/>
+              <a:rPr kumimoji="1" lang="ja-JP" altLang="en-US" dirty="0"/>
               <a:t>を与えて弾性解析を行い</a:t>
             </a:r>
-            <a:endParaRPr kumimoji="1" lang="en-US" altLang="ja-JP" dirty="0" smtClean="0"/>
+            <a:endParaRPr kumimoji="1" lang="en-US" altLang="ja-JP" dirty="0"/>
           </a:p>
           <a:p>
             <a:r>
-              <a:rPr kumimoji="1" lang="ja-JP" altLang="en-US" dirty="0" smtClean="0"/>
+              <a:rPr kumimoji="1" lang="ja-JP" altLang="en-US" dirty="0"/>
               <a:t>後、</a:t>
             </a:r>
             <a:r>
-              <a:rPr kumimoji="1" lang="en-US" altLang="ja-JP" dirty="0" smtClean="0"/>
+              <a:rPr kumimoji="1" lang="en-US" altLang="ja-JP" dirty="0"/>
               <a:t>r</a:t>
             </a:r>
             <a:r>
               <a:rPr kumimoji="1" lang="ja-JP" altLang="en-US" dirty="0" err="1"/>
-              <a:t>で</a:t>
-            </a:r>
-            <a:r>
-              <a:rPr kumimoji="1" lang="ja-JP" altLang="en-US" dirty="0" err="1" smtClean="0"/>
-              <a:t>の</a:t>
-            </a:r>
-            <a:r>
-              <a:rPr kumimoji="1" lang="ja-JP" altLang="en-US" dirty="0" smtClean="0"/>
+              <a:t>での</a:t>
+            </a:r>
+            <a:r>
+              <a:rPr kumimoji="1" lang="ja-JP" altLang="en-US" dirty="0"/>
               <a:t>変形角</a:t>
             </a:r>
             <a:r>
-              <a:rPr kumimoji="1" lang="en-US" altLang="ja-JP" dirty="0" smtClean="0"/>
+              <a:rPr kumimoji="1" lang="en-US" altLang="ja-JP" dirty="0"/>
               <a:t>θ1,θ2</a:t>
             </a:r>
             <a:r>
-              <a:rPr kumimoji="1" lang="ja-JP" altLang="en-US" dirty="0" smtClean="0"/>
+              <a:rPr kumimoji="1" lang="ja-JP" altLang="en-US" dirty="0"/>
               <a:t>を求める</a:t>
             </a:r>
-            <a:endParaRPr kumimoji="1" lang="en-US" altLang="ja-JP" dirty="0" smtClean="0"/>
+            <a:endParaRPr kumimoji="1" lang="en-US" altLang="ja-JP" dirty="0"/>
           </a:p>
         </p:txBody>
       </p:sp>
@@ -19444,7 +19383,7 @@
               <a:t>部品</a:t>
             </a:r>
             <a:r>
-              <a:rPr kumimoji="1" lang="en-US" altLang="ja-JP" dirty="0" smtClean="0"/>
+              <a:rPr kumimoji="1" lang="en-US" altLang="ja-JP" dirty="0"/>
               <a:t>)ver2</a:t>
             </a:r>
             <a:endParaRPr kumimoji="1" lang="ja-JP" altLang="en-US" dirty="0"/>
@@ -19474,7 +19413,7 @@
           <a:lstStyle/>
           <a:p>
             <a:r>
-              <a:rPr kumimoji="1" lang="ja-JP" altLang="en-US" dirty="0" smtClean="0">
+              <a:rPr kumimoji="1" lang="ja-JP" altLang="en-US" dirty="0">
                 <a:solidFill>
                   <a:srgbClr val="FF0000"/>
                 </a:solidFill>
@@ -19482,7 +19421,7 @@
               <a:t>中央での曲げモーメント</a:t>
             </a:r>
             <a:r>
-              <a:rPr kumimoji="1" lang="ja-JP" altLang="en-US" dirty="0" err="1" smtClean="0">
+              <a:rPr kumimoji="1" lang="ja-JP" altLang="en-US" dirty="0" err="1">
                 <a:solidFill>
                   <a:srgbClr val="FF0000"/>
                 </a:solidFill>
@@ -19490,14 +19429,14 @@
               <a:t>ｍ</a:t>
             </a:r>
             <a:r>
-              <a:rPr kumimoji="1" lang="ja-JP" altLang="en-US" dirty="0" smtClean="0">
+              <a:rPr kumimoji="1" lang="ja-JP" altLang="en-US" dirty="0">
                 <a:solidFill>
                   <a:srgbClr val="FF0000"/>
                 </a:solidFill>
               </a:rPr>
               <a:t>を求める</a:t>
             </a:r>
-            <a:endParaRPr kumimoji="1" lang="en-US" altLang="ja-JP" dirty="0" smtClean="0">
+            <a:endParaRPr kumimoji="1" lang="en-US" altLang="ja-JP" dirty="0">
               <a:solidFill>
                 <a:srgbClr val="FF0000"/>
               </a:solidFill>
@@ -19530,7 +19469,7 @@
               <a:lstStyle/>
               <a:p>
                 <a:r>
-                  <a:rPr kumimoji="1" lang="ja-JP" altLang="en-US" dirty="0" smtClean="0">
+                  <a:rPr kumimoji="1" lang="ja-JP" altLang="en-US" dirty="0">
                     <a:ea typeface="Cambria Math" panose="02040503050406030204" pitchFamily="18" charset="0"/>
                   </a:rPr>
                   <a:t>非</a:t>
@@ -20304,7 +20243,7 @@
                 <a:lstStyle/>
                 <a:p>
                   <a:r>
-                    <a:rPr kumimoji="1" lang="en-US" altLang="ja-JP" dirty="0" smtClean="0">
+                    <a:rPr kumimoji="1" lang="en-US" altLang="ja-JP" dirty="0">
                       <a:solidFill>
                         <a:srgbClr val="FF0000"/>
                       </a:solidFill>
@@ -20436,7 +20375,7 @@
                 <a:lstStyle/>
                 <a:p>
                   <a:r>
-                    <a:rPr kumimoji="1" lang="en-US" altLang="ja-JP" sz="1600" dirty="0" smtClean="0"/>
+                    <a:rPr kumimoji="1" lang="en-US" altLang="ja-JP" sz="1600" dirty="0"/>
                     <a:t>r</a:t>
                   </a:r>
                   <a:endParaRPr kumimoji="1" lang="ja-JP" altLang="en-US" sz="1600" dirty="0"/>
@@ -20763,7 +20702,7 @@
               <a:lstStyle/>
               <a:p>
                 <a:r>
-                  <a:rPr kumimoji="1" lang="en-US" altLang="ja-JP" sz="1400" dirty="0" smtClean="0">
+                  <a:rPr kumimoji="1" lang="en-US" altLang="ja-JP" sz="1400" dirty="0">
                     <a:solidFill>
                       <a:srgbClr val="00B050"/>
                     </a:solidFill>
@@ -20801,7 +20740,7 @@
               <a:lstStyle/>
               <a:p>
                 <a:r>
-                  <a:rPr kumimoji="1" lang="en-US" altLang="ja-JP" sz="1400" dirty="0" smtClean="0">
+                  <a:rPr kumimoji="1" lang="en-US" altLang="ja-JP" sz="1400" dirty="0">
                     <a:solidFill>
                       <a:srgbClr val="00B050"/>
                     </a:solidFill>
@@ -20840,7 +20779,7 @@
             <a:lstStyle/>
             <a:p>
               <a:r>
-                <a:rPr kumimoji="1" lang="en-US" altLang="ja-JP" sz="1400" dirty="0" smtClean="0">
+                <a:rPr kumimoji="1" lang="en-US" altLang="ja-JP" sz="1400" dirty="0">
                   <a:solidFill>
                     <a:schemeClr val="accent1"/>
                   </a:solidFill>
@@ -20879,7 +20818,7 @@
           <a:lstStyle/>
           <a:p>
             <a:r>
-              <a:rPr kumimoji="1" lang="en-US" altLang="ja-JP" sz="1600" dirty="0" smtClean="0">
+              <a:rPr kumimoji="1" lang="en-US" altLang="ja-JP" sz="1600" dirty="0">
                 <a:solidFill>
                   <a:schemeClr val="accent6"/>
                 </a:solidFill>
@@ -20976,14 +20915,10 @@
           <a:p>
             <a:r>
               <a:rPr kumimoji="1" lang="ja-JP" altLang="en-US" dirty="0"/>
-              <a:t>部品</a:t>
-            </a:r>
-            <a:r>
-              <a:rPr kumimoji="1" lang="ja-JP" altLang="en-US" dirty="0" smtClean="0"/>
-              <a:t>の</a:t>
-            </a:r>
-            <a:r>
-              <a:rPr kumimoji="1" lang="ja-JP" altLang="en-US" dirty="0" err="1" smtClean="0"/>
+              <a:t>部品の</a:t>
+            </a:r>
+            <a:r>
+              <a:rPr kumimoji="1" lang="ja-JP" altLang="en-US" dirty="0" err="1"/>
               <a:t>周囲をを拘束</a:t>
             </a:r>
             <a:endParaRPr kumimoji="1" lang="ja-JP" altLang="en-US" dirty="0"/>
@@ -21013,7 +20948,7 @@
           <a:lstStyle/>
           <a:p>
             <a:r>
-              <a:rPr kumimoji="1" lang="en-US" altLang="ja-JP" sz="1400" dirty="0" smtClean="0">
+              <a:rPr kumimoji="1" lang="en-US" altLang="ja-JP" sz="1400" dirty="0">
                 <a:solidFill>
                   <a:schemeClr val="accent1"/>
                 </a:solidFill>
@@ -21895,7 +21830,7 @@
                       <a:lstStyle/>
                       <a:p>
                         <a:r>
-                          <a:rPr kumimoji="1" lang="en-US" altLang="ja-JP" dirty="0" smtClean="0"/>
+                          <a:rPr kumimoji="1" lang="en-US" altLang="ja-JP" dirty="0"/>
                           <a:t>50mm</a:t>
                         </a:r>
                         <a:endParaRPr kumimoji="1" lang="ja-JP" altLang="en-US" dirty="0"/>
@@ -22147,7 +22082,7 @@
                 <a:lstStyle/>
                 <a:p>
                   <a:r>
-                    <a:rPr kumimoji="1" lang="en-US" altLang="ja-JP" dirty="0" smtClean="0"/>
+                    <a:rPr kumimoji="1" lang="en-US" altLang="ja-JP" dirty="0"/>
                     <a:t>100mm</a:t>
                   </a:r>
                   <a:endParaRPr kumimoji="1" lang="ja-JP" altLang="en-US" dirty="0"/>
@@ -22502,27 +22437,19 @@
           <a:lstStyle/>
           <a:p>
             <a:r>
-              <a:rPr kumimoji="1" lang="en-US" altLang="ja-JP" dirty="0" smtClean="0"/>
+              <a:rPr kumimoji="1" lang="en-US" altLang="ja-JP" dirty="0"/>
               <a:t>1.</a:t>
             </a:r>
             <a:r>
-              <a:rPr kumimoji="1" lang="ja-JP" altLang="en-US" dirty="0" smtClean="0"/>
-              <a:t>上図のシェルモデル</a:t>
-            </a:r>
-            <a:r>
               <a:rPr kumimoji="1" lang="ja-JP" altLang="en-US" dirty="0"/>
-              <a:t>を用意し</a:t>
-            </a:r>
-            <a:r>
-              <a:rPr kumimoji="1" lang="ja-JP" altLang="en-US" dirty="0" smtClean="0"/>
-              <a:t>、</a:t>
-            </a:r>
-            <a:r>
-              <a:rPr kumimoji="1" lang="en-US" altLang="ja-JP" dirty="0" smtClean="0"/>
+              <a:t>上図のシェルモデルを用意し、</a:t>
+            </a:r>
+            <a:r>
+              <a:rPr kumimoji="1" lang="en-US" altLang="ja-JP" dirty="0"/>
               <a:t>y=L</a:t>
             </a:r>
             <a:r>
-              <a:rPr kumimoji="1" lang="ja-JP" altLang="en-US" dirty="0" smtClean="0"/>
+              <a:rPr kumimoji="1" lang="ja-JP" altLang="en-US" dirty="0"/>
               <a:t>にモーメント</a:t>
             </a:r>
             <a:r>
@@ -22538,22 +22465,18 @@
           <a:p>
             <a:r>
               <a:rPr kumimoji="1" lang="en-US" altLang="ja-JP" dirty="0"/>
-              <a:t>2</a:t>
-            </a:r>
-            <a:r>
-              <a:rPr kumimoji="1" lang="en-US" altLang="ja-JP" dirty="0" smtClean="0"/>
-              <a:t>.</a:t>
-            </a:r>
-            <a:r>
-              <a:rPr kumimoji="1" lang="ja-JP" altLang="en-US" dirty="0" smtClean="0"/>
+              <a:t>2.</a:t>
+            </a:r>
+            <a:r>
+              <a:rPr kumimoji="1" lang="ja-JP" altLang="en-US" dirty="0"/>
               <a:t>解析結果より</a:t>
             </a:r>
             <a:r>
-              <a:rPr kumimoji="1" lang="en-US" altLang="ja-JP" dirty="0" smtClean="0"/>
+              <a:rPr kumimoji="1" lang="en-US" altLang="ja-JP" dirty="0"/>
               <a:t>y=</a:t>
             </a:r>
             <a:r>
-              <a:rPr lang="en-US" altLang="ja-JP" dirty="0" smtClean="0"/>
+              <a:rPr lang="en-US" altLang="ja-JP" dirty="0"/>
               <a:t>L</a:t>
             </a:r>
             <a:r>
@@ -22562,48 +22485,44 @@
             </a:r>
             <a:r>
               <a:rPr kumimoji="1" lang="ja-JP" altLang="en-US" dirty="0"/>
-              <a:t>変形</a:t>
-            </a:r>
-            <a:r>
-              <a:rPr kumimoji="1" lang="ja-JP" altLang="en-US" dirty="0" smtClean="0"/>
-              <a:t>角</a:t>
-            </a:r>
-            <a:r>
-              <a:rPr kumimoji="1" lang="en-US" altLang="ja-JP" dirty="0" smtClean="0"/>
+              <a:t>変形角</a:t>
+            </a:r>
+            <a:r>
+              <a:rPr kumimoji="1" lang="en-US" altLang="ja-JP" dirty="0"/>
               <a:t>θ</a:t>
             </a:r>
             <a:r>
-              <a:rPr kumimoji="1" lang="ja-JP" altLang="en-US" dirty="0" smtClean="0"/>
+              <a:rPr kumimoji="1" lang="ja-JP" altLang="en-US" dirty="0"/>
               <a:t>を求める</a:t>
             </a:r>
-            <a:endParaRPr kumimoji="1" lang="en-US" altLang="ja-JP" dirty="0" smtClean="0"/>
+            <a:endParaRPr kumimoji="1" lang="en-US" altLang="ja-JP" dirty="0"/>
           </a:p>
           <a:p>
             <a:r>
-              <a:rPr kumimoji="1" lang="en-US" altLang="ja-JP" dirty="0" smtClean="0"/>
+              <a:rPr kumimoji="1" lang="en-US" altLang="ja-JP" dirty="0"/>
               <a:t>3.</a:t>
             </a:r>
             <a:r>
-              <a:rPr kumimoji="1" lang="ja-JP" altLang="en-US" dirty="0" smtClean="0"/>
+              <a:rPr kumimoji="1" lang="ja-JP" altLang="en-US" dirty="0"/>
               <a:t>曲げ剛性</a:t>
             </a:r>
             <a:r>
-              <a:rPr kumimoji="1" lang="en-US" altLang="ja-JP" dirty="0" smtClean="0"/>
+              <a:rPr kumimoji="1" lang="en-US" altLang="ja-JP" dirty="0"/>
               <a:t>(=</a:t>
             </a:r>
             <a:r>
-              <a:rPr lang="en-US" altLang="ja-JP" dirty="0" smtClean="0"/>
+              <a:rPr lang="en-US" altLang="ja-JP" dirty="0"/>
               <a:t>M</a:t>
             </a:r>
             <a:r>
-              <a:rPr kumimoji="1" lang="en-US" altLang="ja-JP" dirty="0" smtClean="0"/>
+              <a:rPr kumimoji="1" lang="en-US" altLang="ja-JP" dirty="0"/>
               <a:t>/θ)</a:t>
             </a:r>
             <a:r>
-              <a:rPr kumimoji="1" lang="ja-JP" altLang="en-US" dirty="0" smtClean="0"/>
+              <a:rPr kumimoji="1" lang="ja-JP" altLang="en-US" dirty="0"/>
               <a:t>を計算する</a:t>
             </a:r>
-            <a:endParaRPr kumimoji="1" lang="en-US" altLang="ja-JP" dirty="0" smtClean="0"/>
+            <a:endParaRPr kumimoji="1" lang="en-US" altLang="ja-JP" dirty="0"/>
           </a:p>
         </p:txBody>
       </p:sp>
@@ -22630,14 +22549,13 @@
           <a:lstStyle/>
           <a:p>
             <a:r>
-              <a:rPr kumimoji="1" lang="en-US" altLang="ja-JP" dirty="0" smtClean="0"/>
+              <a:rPr kumimoji="1" lang="en-US" altLang="ja-JP" dirty="0"/>
               <a:t>0°</a:t>
             </a:r>
             <a:r>
-              <a:rPr kumimoji="1" lang="ja-JP" altLang="en-US" dirty="0" smtClean="0"/>
+              <a:rPr kumimoji="1" lang="ja-JP" altLang="en-US" dirty="0"/>
               <a:t>方向試験片</a:t>
             </a:r>
-            <a:endParaRPr kumimoji="1" lang="ja-JP" altLang="en-US" dirty="0"/>
           </a:p>
         </p:txBody>
       </p:sp>
@@ -23393,7 +23311,7 @@
                       <a:lstStyle/>
                       <a:p>
                         <a:r>
-                          <a:rPr kumimoji="1" lang="en-US" altLang="ja-JP" dirty="0" smtClean="0"/>
+                          <a:rPr kumimoji="1" lang="en-US" altLang="ja-JP" dirty="0"/>
                           <a:t>50mm</a:t>
                         </a:r>
                         <a:endParaRPr kumimoji="1" lang="ja-JP" altLang="en-US" dirty="0"/>
@@ -23750,7 +23668,7 @@
               <a:lstStyle/>
               <a:p>
                 <a:r>
-                  <a:rPr kumimoji="1" lang="en-US" altLang="ja-JP" dirty="0" smtClean="0"/>
+                  <a:rPr kumimoji="1" lang="en-US" altLang="ja-JP" dirty="0"/>
                   <a:t>100mm</a:t>
                 </a:r>
                 <a:endParaRPr kumimoji="1" lang="ja-JP" altLang="en-US" dirty="0"/>
@@ -24162,14 +24080,13 @@
           <a:lstStyle/>
           <a:p>
             <a:r>
-              <a:rPr kumimoji="1" lang="en-US" altLang="ja-JP" dirty="0" smtClean="0"/>
+              <a:rPr kumimoji="1" lang="en-US" altLang="ja-JP" dirty="0"/>
               <a:t>90°</a:t>
             </a:r>
             <a:r>
-              <a:rPr kumimoji="1" lang="ja-JP" altLang="en-US" dirty="0" smtClean="0"/>
+              <a:rPr kumimoji="1" lang="ja-JP" altLang="en-US" dirty="0"/>
               <a:t>方向試験片</a:t>
             </a:r>
-            <a:endParaRPr kumimoji="1" lang="ja-JP" altLang="en-US" dirty="0"/>
           </a:p>
         </p:txBody>
       </p:sp>
@@ -24757,18 +24674,13 @@
             <a:lstStyle/>
             <a:p>
               <a:r>
-                <a:rPr lang="en-US" sz="2000" dirty="0" smtClean="0">
+                <a:rPr lang="en-US" sz="2000" dirty="0">
                   <a:solidFill>
                     <a:srgbClr val="00B050"/>
                   </a:solidFill>
                 </a:rPr>
                 <a:t>m</a:t>
               </a:r>
-              <a:endParaRPr lang="en-US" sz="2000" dirty="0">
-                <a:solidFill>
-                  <a:srgbClr val="00B050"/>
-                </a:solidFill>
-              </a:endParaRPr>
             </a:p>
           </p:txBody>
         </p:sp>
@@ -24949,13 +24861,6 @@
   <p:clrMapOvr>
     <a:masterClrMapping/>
   </p:clrMapOvr>
-  <p:timing>
-    <p:tnLst>
-      <p:par>
-        <p:cTn id="1" dur="indefinite" restart="never" nodeType="tmRoot"/>
-      </p:par>
-    </p:tnLst>
-  </p:timing>
 </p:sld>
 </file>
 
@@ -25448,7 +25353,7 @@
                     <a:lstStyle/>
                     <a:p>
                       <a:r>
-                        <a:rPr kumimoji="1" lang="en-US" altLang="ja-JP" dirty="0" smtClean="0"/>
+                        <a:rPr kumimoji="1" lang="en-US" altLang="ja-JP" dirty="0"/>
                         <a:t>50mm</a:t>
                       </a:r>
                       <a:endParaRPr kumimoji="1" lang="ja-JP" altLang="en-US" dirty="0"/>
@@ -25657,7 +25562,7 @@
                 <a:lstStyle/>
                 <a:p>
                   <a:r>
-                    <a:rPr kumimoji="1" lang="en-US" altLang="ja-JP" dirty="0" smtClean="0"/>
+                    <a:rPr kumimoji="1" lang="en-US" altLang="ja-JP" dirty="0"/>
                     <a:t>100mm</a:t>
                   </a:r>
                   <a:endParaRPr kumimoji="1" lang="ja-JP" altLang="en-US" dirty="0"/>
@@ -26012,27 +25917,19 @@
           <a:lstStyle/>
           <a:p>
             <a:r>
-              <a:rPr kumimoji="1" lang="en-US" altLang="ja-JP" dirty="0" smtClean="0"/>
+              <a:rPr kumimoji="1" lang="en-US" altLang="ja-JP" dirty="0"/>
               <a:t>1.</a:t>
             </a:r>
             <a:r>
-              <a:rPr kumimoji="1" lang="ja-JP" altLang="en-US" dirty="0" smtClean="0"/>
-              <a:t>上図のシェルモデル</a:t>
-            </a:r>
-            <a:r>
               <a:rPr kumimoji="1" lang="ja-JP" altLang="en-US" dirty="0"/>
-              <a:t>を用意し</a:t>
-            </a:r>
-            <a:r>
-              <a:rPr kumimoji="1" lang="ja-JP" altLang="en-US" dirty="0" smtClean="0"/>
-              <a:t>、</a:t>
-            </a:r>
-            <a:r>
-              <a:rPr kumimoji="1" lang="en-US" altLang="ja-JP" dirty="0" smtClean="0"/>
+              <a:t>上図のシェルモデルを用意し、</a:t>
+            </a:r>
+            <a:r>
+              <a:rPr kumimoji="1" lang="en-US" altLang="ja-JP" dirty="0"/>
               <a:t>y=r</a:t>
             </a:r>
             <a:r>
-              <a:rPr kumimoji="1" lang="ja-JP" altLang="en-US" dirty="0" smtClean="0"/>
+              <a:rPr kumimoji="1" lang="ja-JP" altLang="en-US" dirty="0"/>
               <a:t>にモーメント</a:t>
             </a:r>
             <a:r>
@@ -26048,18 +25945,14 @@
           <a:p>
             <a:r>
               <a:rPr kumimoji="1" lang="en-US" altLang="ja-JP" dirty="0"/>
-              <a:t>2</a:t>
-            </a:r>
-            <a:r>
-              <a:rPr kumimoji="1" lang="en-US" altLang="ja-JP" dirty="0" smtClean="0"/>
-              <a:t>.</a:t>
-            </a:r>
-            <a:r>
-              <a:rPr kumimoji="1" lang="ja-JP" altLang="en-US" dirty="0" smtClean="0"/>
+              <a:t>2.</a:t>
+            </a:r>
+            <a:r>
+              <a:rPr kumimoji="1" lang="ja-JP" altLang="en-US" dirty="0"/>
               <a:t>解析結果より</a:t>
             </a:r>
             <a:r>
-              <a:rPr kumimoji="1" lang="en-US" altLang="ja-JP" dirty="0" smtClean="0"/>
+              <a:rPr kumimoji="1" lang="en-US" altLang="ja-JP" dirty="0"/>
               <a:t>y=</a:t>
             </a:r>
             <a:r>
@@ -26067,53 +25960,49 @@
               <a:t>r</a:t>
             </a:r>
             <a:r>
-              <a:rPr kumimoji="1" lang="ja-JP" altLang="en-US" dirty="0" err="1" smtClean="0"/>
+              <a:rPr kumimoji="1" lang="ja-JP" altLang="en-US" dirty="0" err="1"/>
               <a:t>での</a:t>
             </a:r>
             <a:r>
               <a:rPr kumimoji="1" lang="ja-JP" altLang="en-US" dirty="0"/>
-              <a:t>変形</a:t>
-            </a:r>
-            <a:r>
-              <a:rPr kumimoji="1" lang="ja-JP" altLang="en-US" dirty="0" smtClean="0"/>
-              <a:t>角</a:t>
-            </a:r>
-            <a:r>
-              <a:rPr kumimoji="1" lang="en-US" altLang="ja-JP" dirty="0" smtClean="0"/>
+              <a:t>変形角</a:t>
+            </a:r>
+            <a:r>
+              <a:rPr kumimoji="1" lang="en-US" altLang="ja-JP" dirty="0"/>
               <a:t>θ</a:t>
             </a:r>
             <a:r>
-              <a:rPr kumimoji="1" lang="ja-JP" altLang="en-US" dirty="0" smtClean="0"/>
+              <a:rPr kumimoji="1" lang="ja-JP" altLang="en-US" dirty="0"/>
               <a:t>を求める</a:t>
             </a:r>
-            <a:endParaRPr kumimoji="1" lang="en-US" altLang="ja-JP" dirty="0" smtClean="0"/>
+            <a:endParaRPr kumimoji="1" lang="en-US" altLang="ja-JP" dirty="0"/>
           </a:p>
           <a:p>
             <a:r>
-              <a:rPr kumimoji="1" lang="en-US" altLang="ja-JP" dirty="0" smtClean="0"/>
+              <a:rPr kumimoji="1" lang="en-US" altLang="ja-JP" dirty="0"/>
               <a:t>3.</a:t>
             </a:r>
             <a:r>
-              <a:rPr kumimoji="1" lang="ja-JP" altLang="en-US" dirty="0" smtClean="0"/>
+              <a:rPr kumimoji="1" lang="ja-JP" altLang="en-US" dirty="0"/>
               <a:t>曲げ剛性</a:t>
             </a:r>
             <a:r>
-              <a:rPr kumimoji="1" lang="en-US" altLang="ja-JP" dirty="0" smtClean="0"/>
+              <a:rPr kumimoji="1" lang="en-US" altLang="ja-JP" dirty="0"/>
               <a:t>(=</a:t>
             </a:r>
             <a:r>
-              <a:rPr lang="en-US" altLang="ja-JP" dirty="0" smtClean="0"/>
+              <a:rPr lang="en-US" altLang="ja-JP" dirty="0"/>
               <a:t>M</a:t>
             </a:r>
             <a:r>
-              <a:rPr kumimoji="1" lang="en-US" altLang="ja-JP" dirty="0" smtClean="0"/>
+              <a:rPr kumimoji="1" lang="en-US" altLang="ja-JP" dirty="0"/>
               <a:t>/θ)</a:t>
             </a:r>
             <a:r>
-              <a:rPr kumimoji="1" lang="ja-JP" altLang="en-US" dirty="0" smtClean="0"/>
+              <a:rPr kumimoji="1" lang="ja-JP" altLang="en-US" dirty="0"/>
               <a:t>を計算する</a:t>
             </a:r>
-            <a:endParaRPr kumimoji="1" lang="en-US" altLang="ja-JP" dirty="0" smtClean="0"/>
+            <a:endParaRPr kumimoji="1" lang="en-US" altLang="ja-JP" dirty="0"/>
           </a:p>
         </p:txBody>
       </p:sp>
@@ -26140,14 +26029,13 @@
           <a:lstStyle/>
           <a:p>
             <a:r>
-              <a:rPr kumimoji="1" lang="en-US" altLang="ja-JP" dirty="0" smtClean="0"/>
+              <a:rPr kumimoji="1" lang="en-US" altLang="ja-JP" dirty="0"/>
               <a:t>0°</a:t>
             </a:r>
             <a:r>
-              <a:rPr kumimoji="1" lang="ja-JP" altLang="en-US" dirty="0" smtClean="0"/>
+              <a:rPr kumimoji="1" lang="ja-JP" altLang="en-US" dirty="0"/>
               <a:t>方向試験片</a:t>
             </a:r>
-            <a:endParaRPr kumimoji="1" lang="ja-JP" altLang="en-US" dirty="0"/>
           </a:p>
         </p:txBody>
       </p:sp>
@@ -26721,7 +26609,7 @@
                     <a:lstStyle/>
                     <a:p>
                       <a:r>
-                        <a:rPr kumimoji="1" lang="en-US" altLang="ja-JP" dirty="0" smtClean="0"/>
+                        <a:rPr kumimoji="1" lang="en-US" altLang="ja-JP" dirty="0"/>
                         <a:t>50mm</a:t>
                       </a:r>
                       <a:endParaRPr kumimoji="1" lang="ja-JP" altLang="en-US" dirty="0"/>
@@ -27030,7 +26918,7 @@
               <a:lstStyle/>
               <a:p>
                 <a:r>
-                  <a:rPr kumimoji="1" lang="en-US" altLang="ja-JP" dirty="0" smtClean="0"/>
+                  <a:rPr kumimoji="1" lang="en-US" altLang="ja-JP" dirty="0"/>
                   <a:t>100mm</a:t>
                 </a:r>
                 <a:endParaRPr kumimoji="1" lang="ja-JP" altLang="en-US" dirty="0"/>
@@ -27280,14 +27168,13 @@
           <a:lstStyle/>
           <a:p>
             <a:r>
-              <a:rPr kumimoji="1" lang="en-US" altLang="ja-JP" dirty="0" smtClean="0"/>
+              <a:rPr kumimoji="1" lang="en-US" altLang="ja-JP" dirty="0"/>
               <a:t>90°</a:t>
             </a:r>
             <a:r>
-              <a:rPr kumimoji="1" lang="ja-JP" altLang="en-US" dirty="0" smtClean="0"/>
+              <a:rPr kumimoji="1" lang="ja-JP" altLang="en-US" dirty="0"/>
               <a:t>方向試験片</a:t>
             </a:r>
-            <a:endParaRPr kumimoji="1" lang="ja-JP" altLang="en-US" dirty="0"/>
           </a:p>
         </p:txBody>
       </p:sp>
@@ -32121,19 +32008,19 @@
           <a:lstStyle/>
           <a:p>
             <a:r>
-              <a:rPr kumimoji="1" lang="ja-JP" altLang="en-US" dirty="0" smtClean="0"/>
+              <a:rPr kumimoji="1" lang="ja-JP" altLang="en-US" dirty="0"/>
               <a:t>曲率を持つ試験片の非加熱部の曲げ剛性</a:t>
             </a:r>
             <a:r>
-              <a:rPr kumimoji="1" lang="en-US" altLang="ja-JP" dirty="0" smtClean="0"/>
+              <a:rPr kumimoji="1" lang="en-US" altLang="ja-JP" dirty="0"/>
               <a:t>(</a:t>
             </a:r>
             <a:r>
-              <a:rPr kumimoji="1" lang="ja-JP" altLang="en-US" dirty="0" smtClean="0"/>
+              <a:rPr kumimoji="1" lang="ja-JP" altLang="en-US" dirty="0"/>
               <a:t>ソリッド要素</a:t>
             </a:r>
             <a:r>
-              <a:rPr kumimoji="1" lang="en-US" altLang="ja-JP" dirty="0" smtClean="0"/>
+              <a:rPr kumimoji="1" lang="en-US" altLang="ja-JP" dirty="0"/>
               <a:t>)</a:t>
             </a:r>
             <a:endParaRPr kumimoji="1" lang="ja-JP" altLang="en-US" dirty="0"/>
@@ -32253,18 +32140,17 @@
           <a:lstStyle/>
           <a:p>
             <a:r>
-              <a:rPr kumimoji="1" lang="en-US" altLang="ja-JP" dirty="0" err="1" smtClean="0"/>
+              <a:rPr kumimoji="1" lang="en-US" altLang="ja-JP" dirty="0" err="1"/>
               <a:t>Mx</a:t>
             </a:r>
             <a:r>
-              <a:rPr kumimoji="1" lang="en-US" altLang="ja-JP" dirty="0" smtClean="0"/>
+              <a:rPr kumimoji="1" lang="en-US" altLang="ja-JP" dirty="0"/>
               <a:t>:</a:t>
             </a:r>
             <a:r>
-              <a:rPr kumimoji="1" lang="ja-JP" altLang="en-US" dirty="0" smtClean="0"/>
+              <a:rPr kumimoji="1" lang="ja-JP" altLang="en-US" dirty="0"/>
               <a:t>非加熱部に発生するモーメント</a:t>
             </a:r>
-            <a:endParaRPr kumimoji="1" lang="ja-JP" altLang="en-US" dirty="0"/>
           </a:p>
         </p:txBody>
       </p:sp>
@@ -32421,11 +32307,11 @@
               <a:lstStyle/>
               <a:p>
                 <a:r>
-                  <a:rPr kumimoji="1" lang="ja-JP" altLang="en-US" dirty="0" smtClean="0"/>
+                  <a:rPr kumimoji="1" lang="ja-JP" altLang="en-US" dirty="0"/>
                   <a:t>非加熱部の曲げ剛性</a:t>
                 </a:r>
                 <a:r>
-                  <a:rPr kumimoji="1" lang="en-US" altLang="ja-JP" dirty="0" smtClean="0"/>
+                  <a:rPr kumimoji="1" lang="en-US" altLang="ja-JP" dirty="0"/>
                   <a:t>:</a:t>
                 </a:r>
                 <a14:m>
@@ -32555,10 +32441,9 @@
           <a:lstStyle/>
           <a:p>
             <a:r>
-              <a:rPr kumimoji="1" lang="ja-JP" altLang="en-US" dirty="0" smtClean="0"/>
+              <a:rPr kumimoji="1" lang="ja-JP" altLang="en-US" dirty="0"/>
               <a:t>シェルモデル</a:t>
             </a:r>
-            <a:endParaRPr kumimoji="1" lang="ja-JP" altLang="en-US" dirty="0"/>
           </a:p>
         </p:txBody>
       </p:sp>
